--- a/Report/FinalPresentation_Matlab - Hangxi.pptx
+++ b/Report/FinalPresentation_Matlab - Hangxi.pptx
@@ -46172,7 +46172,7 @@
           <a:graphicData uri="http://schemas.openxmlformats.org/presentationml/2006/ole">
             <mc:AlternateContent xmlns:mc="http://schemas.openxmlformats.org/markup-compatibility/2006">
               <mc:Choice xmlns:v="urn:schemas-microsoft-com:vml" Requires="v">
-                <p:oleObj spid="_x0000_s1029" name="Equation" r:id="rId6" imgW="914400" imgH="198720" progId="Equation.DSMT4">
+                <p:oleObj spid="_x0000_s1031" name="Equation" r:id="rId6" imgW="914400" imgH="198720" progId="Equation.DSMT4">
                   <p:embed/>
                 </p:oleObj>
               </mc:Choice>
@@ -48324,10 +48324,91 @@
           <a:lstStyle/>
           <a:p>
             <a:r>
-              <a:rPr lang="de-CH" sz="3200" b="1" dirty="0" err="1"/>
-              <a:t>Discussion</a:t>
-            </a:r>
-            <a:endParaRPr lang="de-CH" sz="3200" b="1" dirty="0"/>
+              <a:rPr lang="de-CH" sz="3200" b="1" dirty="0"/>
+              <a:t>Summary</a:t>
+            </a:r>
+          </a:p>
+        </p:txBody>
+      </p:sp>
+      <p:sp>
+        <p:nvSpPr>
+          <p:cNvPr id="5" name="TextBox 4">
+            <a:extLst>
+              <a:ext uri="{FF2B5EF4-FFF2-40B4-BE49-F238E27FC236}">
+                <a16:creationId xmlns:a16="http://schemas.microsoft.com/office/drawing/2014/main" id="{8951AD59-E119-469A-9FF8-383194BFB4D1}"/>
+              </a:ext>
+            </a:extLst>
+          </p:cNvPr>
+          <p:cNvSpPr txBox="1"/>
+          <p:nvPr/>
+        </p:nvSpPr>
+        <p:spPr>
+          <a:xfrm>
+            <a:off x="981051" y="1772816"/>
+            <a:ext cx="9348585" cy="3690177"/>
+          </a:xfrm>
+          <a:prstGeom prst="rect">
+            <a:avLst/>
+          </a:prstGeom>
+          <a:noFill/>
+        </p:spPr>
+        <p:txBody>
+          <a:bodyPr wrap="square" rtlCol="0">
+            <a:spAutoFit/>
+          </a:bodyPr>
+          <a:lstStyle/>
+          <a:p>
+            <a:pPr marL="285750" indent="-285750">
+              <a:lnSpc>
+                <a:spcPct val="200000"/>
+              </a:lnSpc>
+              <a:buFont typeface="Arial" panose="020B0604020202020204" pitchFamily="34" charset="0"/>
+              <a:buChar char="•"/>
+            </a:pPr>
+            <a:r>
+              <a:rPr lang="en-US" altLang="zh-CN" sz="2000" dirty="0"/>
+              <a:t>Social Force Model</a:t>
+            </a:r>
+          </a:p>
+          <a:p>
+            <a:pPr marL="285750" indent="-285750">
+              <a:lnSpc>
+                <a:spcPct val="200000"/>
+              </a:lnSpc>
+              <a:buFont typeface="Arial" panose="020B0604020202020204" pitchFamily="34" charset="0"/>
+              <a:buChar char="•"/>
+            </a:pPr>
+            <a:r>
+              <a:rPr lang="en-US" altLang="zh-CN" sz="2000" dirty="0"/>
+              <a:t>Implementation: person-person, table-person, wall-person, objective destination change.</a:t>
+            </a:r>
+          </a:p>
+          <a:p>
+            <a:pPr marL="285750" indent="-285750">
+              <a:lnSpc>
+                <a:spcPct val="200000"/>
+              </a:lnSpc>
+              <a:buFont typeface="Arial" panose="020B0604020202020204" pitchFamily="34" charset="0"/>
+              <a:buChar char="•"/>
+            </a:pPr>
+            <a:r>
+              <a:rPr lang="en-US" altLang="zh-CN" sz="2000" dirty="0"/>
+              <a:t>Cost function increase as number of people increase</a:t>
+            </a:r>
+          </a:p>
+          <a:p>
+            <a:pPr marL="285750" indent="-285750">
+              <a:lnSpc>
+                <a:spcPct val="200000"/>
+              </a:lnSpc>
+              <a:buFont typeface="Arial" panose="020B0604020202020204" pitchFamily="34" charset="0"/>
+              <a:buChar char="•"/>
+            </a:pPr>
+            <a:r>
+              <a:rPr lang="en-US" altLang="zh-CN" sz="2000" dirty="0"/>
+              <a:t>Food points separates as far as possible for circle arrangement of table, a bit for rectangular arrangement. </a:t>
+            </a:r>
+            <a:endParaRPr lang="zh-CN" altLang="en-US" sz="2000" dirty="0"/>
           </a:p>
         </p:txBody>
       </p:sp>
@@ -48344,11 +48425,11 @@
   <p:clrMapOvr>
     <a:masterClrMapping/>
   </p:clrMapOvr>
-  <mc:AlternateContent xmlns:mc="http://schemas.openxmlformats.org/markup-compatibility/2006" xmlns:p14="http://schemas.microsoft.com/office/powerpoint/2010/main">
-    <mc:Choice Requires="p14">
-      <p:transition p14:dur="0"/>
+  <mc:AlternateContent xmlns:mc="http://schemas.openxmlformats.org/markup-compatibility/2006">
+    <mc:Choice xmlns:p14="http://schemas.microsoft.com/office/powerpoint/2010/main" Requires="p14">
+      <p:transition p14:dur="10"/>
     </mc:Choice>
-    <mc:Fallback xmlns="">
+    <mc:Fallback>
       <p:transition/>
     </mc:Fallback>
   </mc:AlternateContent>
@@ -48949,7 +49030,7 @@
             </a:pPr>
             <a:r>
               <a:rPr lang="en-GB" sz="2800" dirty="0"/>
-              <a:t>  Simulation Results </a:t>
+              <a:t>  Simulation Results and Discussion</a:t>
             </a:r>
           </a:p>
           <a:p>
@@ -48966,7 +49047,7 @@
             </a:pPr>
             <a:r>
               <a:rPr lang="en-GB" sz="2800" dirty="0"/>
-              <a:t>  Discussion</a:t>
+              <a:t>  Summary</a:t>
             </a:r>
           </a:p>
         </p:txBody>
@@ -49325,11 +49406,11 @@
   <p:clrMapOvr>
     <a:masterClrMapping/>
   </p:clrMapOvr>
-  <mc:AlternateContent xmlns:mc="http://schemas.openxmlformats.org/markup-compatibility/2006">
-    <mc:Choice xmlns:p14="http://schemas.microsoft.com/office/powerpoint/2010/main" Requires="p14">
+  <mc:AlternateContent xmlns:mc="http://schemas.openxmlformats.org/markup-compatibility/2006" xmlns:p14="http://schemas.microsoft.com/office/powerpoint/2010/main">
+    <mc:Choice Requires="p14">
       <p:transition p14:dur="10"/>
     </mc:Choice>
-    <mc:Fallback>
+    <mc:Fallback xmlns="">
       <p:transition/>
     </mc:Fallback>
   </mc:AlternateContent>
@@ -49669,11 +49750,11 @@
   <p:clrMapOvr>
     <a:masterClrMapping/>
   </p:clrMapOvr>
-  <mc:AlternateContent xmlns:mc="http://schemas.openxmlformats.org/markup-compatibility/2006">
-    <mc:Choice xmlns:p14="http://schemas.microsoft.com/office/powerpoint/2010/main" Requires="p14">
+  <mc:AlternateContent xmlns:mc="http://schemas.openxmlformats.org/markup-compatibility/2006" xmlns:p14="http://schemas.microsoft.com/office/powerpoint/2010/main">
+    <mc:Choice Requires="p14">
       <p:transition p14:dur="10"/>
     </mc:Choice>
-    <mc:Fallback>
+    <mc:Fallback xmlns="">
       <p:transition/>
     </mc:Fallback>
   </mc:AlternateContent>
@@ -49939,7 +50020,7 @@
           <a:graphicData uri="http://schemas.openxmlformats.org/presentationml/2006/ole">
             <mc:AlternateContent xmlns:mc="http://schemas.openxmlformats.org/markup-compatibility/2006">
               <mc:Choice xmlns:v="urn:schemas-microsoft-com:vml" Requires="v">
-                <p:oleObj spid="_x0000_s3078" name="Equation" r:id="rId6" imgW="3073320" imgH="634680" progId="Equation.DSMT4">
+                <p:oleObj spid="_x0000_s3080" name="Equation" r:id="rId6" imgW="3073320" imgH="634680" progId="Equation.DSMT4">
                   <p:embed/>
                 </p:oleObj>
               </mc:Choice>
@@ -50332,11 +50413,11 @@
   <p:clrMapOvr>
     <a:masterClrMapping/>
   </p:clrMapOvr>
-  <mc:AlternateContent xmlns:mc="http://schemas.openxmlformats.org/markup-compatibility/2006">
-    <mc:Choice xmlns:p14="http://schemas.microsoft.com/office/powerpoint/2010/main" Requires="p14">
+  <mc:AlternateContent xmlns:mc="http://schemas.openxmlformats.org/markup-compatibility/2006" xmlns:p14="http://schemas.microsoft.com/office/powerpoint/2010/main">
+    <mc:Choice Requires="p14">
       <p:transition p14:dur="10"/>
     </mc:Choice>
-    <mc:Fallback>
+    <mc:Fallback xmlns="">
       <p:transition/>
     </mc:Fallback>
   </mc:AlternateContent>
@@ -50672,11 +50753,11 @@
   <p:clrMapOvr>
     <a:masterClrMapping/>
   </p:clrMapOvr>
-  <mc:AlternateContent xmlns:mc="http://schemas.openxmlformats.org/markup-compatibility/2006">
-    <mc:Choice xmlns:p14="http://schemas.microsoft.com/office/powerpoint/2010/main" Requires="p14">
+  <mc:AlternateContent xmlns:mc="http://schemas.openxmlformats.org/markup-compatibility/2006" xmlns:p14="http://schemas.microsoft.com/office/powerpoint/2010/main">
+    <mc:Choice Requires="p14">
       <p:transition p14:dur="10"/>
     </mc:Choice>
-    <mc:Fallback>
+    <mc:Fallback xmlns="">
       <p:transition/>
     </mc:Fallback>
   </mc:AlternateContent>

--- a/Report/FinalPresentation_Matlab - Hangxi.pptx
+++ b/Report/FinalPresentation_Matlab - Hangxi.pptx
@@ -27,8 +27,8 @@
     <p:sldId id="313" r:id="rId15"/>
     <p:sldId id="314" r:id="rId16"/>
     <p:sldId id="301" r:id="rId17"/>
-    <p:sldId id="302" r:id="rId18"/>
-    <p:sldId id="303" r:id="rId19"/>
+    <p:sldId id="315" r:id="rId18"/>
+    <p:sldId id="316" r:id="rId19"/>
     <p:sldId id="304" r:id="rId20"/>
     <p:sldId id="305" r:id="rId21"/>
     <p:sldId id="306" r:id="rId22"/>
@@ -307,7 +307,7 @@
               <a:rPr lang="de-DE" smtClean="0">
                 <a:latin typeface="Arial" panose="020B0604020202020204" pitchFamily="34" charset="0"/>
               </a:rPr>
-              <a:t>18.12.2017</a:t>
+              <a:t>19.12.2017</a:t>
             </a:fld>
             <a:endParaRPr lang="de-DE" dirty="0">
               <a:latin typeface="Arial" panose="020B0604020202020204" pitchFamily="34" charset="0"/>
@@ -486,7 +486,7 @@
             <a:fld id="{BCDB334D-D17F-49C4-91DD-37BB7E818209}" type="datetimeFigureOut">
               <a:rPr lang="de-CH" smtClean="0"/>
               <a:pPr/>
-              <a:t>18.12.2017</a:t>
+              <a:t>19.12.2017</a:t>
             </a:fld>
             <a:endParaRPr lang="de-CH" dirty="0"/>
           </a:p>
@@ -1003,7 +1003,7 @@
     </p:spTree>
     <p:extLst>
       <p:ext uri="{BB962C8B-B14F-4D97-AF65-F5344CB8AC3E}">
-        <p14:creationId xmlns:p14="http://schemas.microsoft.com/office/powerpoint/2010/main" val="1258427873"/>
+        <p14:creationId xmlns:p14="http://schemas.microsoft.com/office/powerpoint/2010/main" val="2628468817"/>
       </p:ext>
     </p:extLst>
   </p:cSld>
@@ -2977,7 +2977,7 @@
     </p:spTree>
     <p:extLst>
       <p:ext uri="{BB962C8B-B14F-4D97-AF65-F5344CB8AC3E}">
-        <p14:creationId xmlns:p14="http://schemas.microsoft.com/office/powerpoint/2010/main" val="2127527599"/>
+        <p14:creationId xmlns:p14="http://schemas.microsoft.com/office/powerpoint/2010/main" val="2790975015"/>
       </p:ext>
     </p:extLst>
   </p:cSld>
@@ -3143,7 +3143,7 @@
           <a:p>
             <a:fld id="{65D4DFD3-A240-4707-BFC1-9B299799F8AC}" type="datetime1">
               <a:rPr lang="en-GB" smtClean="0"/>
-              <a:t>18/12/2017</a:t>
+              <a:t>19/12/2017</a:t>
             </a:fld>
             <a:endParaRPr lang="en-GB" dirty="0"/>
           </a:p>
@@ -3439,7 +3439,7 @@
           <a:p>
             <a:fld id="{7F1A84C4-A206-4501-9064-AF94C1ACB523}" type="datetime1">
               <a:rPr lang="en-GB" smtClean="0"/>
-              <a:t>18/12/2017</a:t>
+              <a:t>19/12/2017</a:t>
             </a:fld>
             <a:endParaRPr lang="en-GB" dirty="0"/>
           </a:p>
@@ -3777,7 +3777,7 @@
           <a:p>
             <a:fld id="{4D385C16-B3C9-4902-9926-1FCE7B63C41D}" type="datetime1">
               <a:rPr lang="en-GB" smtClean="0"/>
-              <a:t>18/12/2017</a:t>
+              <a:t>19/12/2017</a:t>
             </a:fld>
             <a:endParaRPr lang="en-GB" dirty="0"/>
           </a:p>
@@ -4076,7 +4076,7 @@
           <a:p>
             <a:fld id="{D5D501F1-A377-4F4D-9E9E-EF07911F8267}" type="datetime1">
               <a:rPr lang="en-GB" smtClean="0"/>
-              <a:t>18/12/2017</a:t>
+              <a:t>19/12/2017</a:t>
             </a:fld>
             <a:endParaRPr lang="en-GB" dirty="0"/>
           </a:p>
@@ -5348,7 +5348,7 @@
           <a:p>
             <a:fld id="{206AF150-2A08-4E73-BFD7-15E15B7F1BF3}" type="datetime1">
               <a:rPr lang="en-GB" smtClean="0"/>
-              <a:t>18/12/2017</a:t>
+              <a:t>19/12/2017</a:t>
             </a:fld>
             <a:endParaRPr lang="en-GB" dirty="0"/>
           </a:p>
@@ -5758,7 +5758,7 @@
           <a:p>
             <a:fld id="{E8EFFA33-53AB-48DB-A867-F8D96C85496B}" type="datetime1">
               <a:rPr lang="en-GB" smtClean="0"/>
-              <a:t>18/12/2017</a:t>
+              <a:t>19/12/2017</a:t>
             </a:fld>
             <a:endParaRPr lang="en-GB" dirty="0"/>
           </a:p>
@@ -5894,7 +5894,7 @@
           <a:p>
             <a:fld id="{97F88D77-DB74-408F-A3F4-3D60F7DE7D24}" type="datetime1">
               <a:rPr lang="en-GB" smtClean="0"/>
-              <a:t>18/12/2017</a:t>
+              <a:t>19/12/2017</a:t>
             </a:fld>
             <a:endParaRPr lang="en-GB" dirty="0"/>
           </a:p>
@@ -6027,7 +6027,7 @@
           <a:p>
             <a:fld id="{92CC1DA4-9949-4645-A464-9FBBF71AEDC3}" type="datetime1">
               <a:rPr lang="en-GB" smtClean="0"/>
-              <a:t>18/12/2017</a:t>
+              <a:t>19/12/2017</a:t>
             </a:fld>
             <a:endParaRPr lang="en-GB" dirty="0"/>
           </a:p>
@@ -6208,7 +6208,7 @@
           <a:p>
             <a:fld id="{3976E431-1D34-445E-929A-BF0502DCF002}" type="datetime1">
               <a:rPr lang="en-GB" smtClean="0"/>
-              <a:t>18/12/2017</a:t>
+              <a:t>19/12/2017</a:t>
             </a:fld>
             <a:endParaRPr lang="en-GB" dirty="0"/>
           </a:p>
@@ -6462,7 +6462,7 @@
           <a:p>
             <a:fld id="{ADD7DC89-1895-4430-AE7D-66E91A1A8937}" type="datetime1">
               <a:rPr lang="en-GB" smtClean="0"/>
-              <a:t>18/12/2017</a:t>
+              <a:t>19/12/2017</a:t>
             </a:fld>
             <a:endParaRPr lang="en-GB" dirty="0"/>
           </a:p>
@@ -6800,7 +6800,7 @@
           <a:p>
             <a:fld id="{2F59B4D0-1BE0-46E7-95BA-66AFFD17EA6B}" type="datetime1">
               <a:rPr lang="en-GB" smtClean="0"/>
-              <a:t>18/12/2017</a:t>
+              <a:t>19/12/2017</a:t>
             </a:fld>
             <a:endParaRPr lang="en-GB" dirty="0"/>
           </a:p>
@@ -7103,7 +7103,7 @@
           <a:p>
             <a:fld id="{47097CB0-9767-4CB4-8FD6-A4F7723CB289}" type="datetime1">
               <a:rPr lang="en-GB" smtClean="0"/>
-              <a:t>18/12/2017</a:t>
+              <a:t>19/12/2017</a:t>
             </a:fld>
             <a:endParaRPr lang="en-GB" dirty="0"/>
           </a:p>
@@ -7402,7 +7402,7 @@
           <a:p>
             <a:fld id="{0CE48357-1CDD-4873-97B8-1C3332A00EA8}" type="datetime1">
               <a:rPr lang="en-GB" smtClean="0"/>
-              <a:t>18/12/2017</a:t>
+              <a:t>19/12/2017</a:t>
             </a:fld>
             <a:endParaRPr lang="en-GB" dirty="0"/>
           </a:p>
@@ -8674,7 +8674,7 @@
           <a:p>
             <a:fld id="{69334F51-1546-4FCF-8801-85C611EB9780}" type="datetime1">
               <a:rPr lang="en-GB" smtClean="0"/>
-              <a:t>18/12/2017</a:t>
+              <a:t>19/12/2017</a:t>
             </a:fld>
             <a:endParaRPr lang="en-GB" dirty="0"/>
           </a:p>
@@ -9084,7 +9084,7 @@
           <a:p>
             <a:fld id="{1AF6CDE5-8E11-4066-A73C-0F832127395A}" type="datetime1">
               <a:rPr lang="en-GB" smtClean="0"/>
-              <a:t>18/12/2017</a:t>
+              <a:t>19/12/2017</a:t>
             </a:fld>
             <a:endParaRPr lang="en-GB" dirty="0"/>
           </a:p>
@@ -9220,7 +9220,7 @@
           <a:p>
             <a:fld id="{4F128C27-DA25-4DE0-9779-E2E406F29662}" type="datetime1">
               <a:rPr lang="en-GB" smtClean="0"/>
-              <a:t>18/12/2017</a:t>
+              <a:t>19/12/2017</a:t>
             </a:fld>
             <a:endParaRPr lang="en-GB" dirty="0"/>
           </a:p>
@@ -9353,7 +9353,7 @@
           <a:p>
             <a:fld id="{40E131A3-84E7-4C91-8DE2-7CF2B41820A0}" type="datetime1">
               <a:rPr lang="en-GB" smtClean="0"/>
-              <a:t>18/12/2017</a:t>
+              <a:t>19/12/2017</a:t>
             </a:fld>
             <a:endParaRPr lang="en-GB" dirty="0"/>
           </a:p>
@@ -9534,7 +9534,7 @@
           <a:p>
             <a:fld id="{0F522C23-DCC1-4BE9-B97A-A68DC745766A}" type="datetime1">
               <a:rPr lang="en-GB" smtClean="0"/>
-              <a:t>18/12/2017</a:t>
+              <a:t>19/12/2017</a:t>
             </a:fld>
             <a:endParaRPr lang="en-GB" dirty="0"/>
           </a:p>
@@ -9788,7 +9788,7 @@
           <a:p>
             <a:fld id="{29844FBD-B111-4D7F-991D-9DA417773502}" type="datetime1">
               <a:rPr lang="en-GB" smtClean="0"/>
-              <a:t>18/12/2017</a:t>
+              <a:t>19/12/2017</a:t>
             </a:fld>
             <a:endParaRPr lang="en-GB" dirty="0"/>
           </a:p>
@@ -10126,7 +10126,7 @@
           <a:p>
             <a:fld id="{191AEE80-FC16-42DB-A32D-72AED2B5C8D9}" type="datetime1">
               <a:rPr lang="en-GB" smtClean="0"/>
-              <a:t>18/12/2017</a:t>
+              <a:t>19/12/2017</a:t>
             </a:fld>
             <a:endParaRPr lang="en-GB" dirty="0"/>
           </a:p>
@@ -10425,7 +10425,7 @@
           <a:p>
             <a:fld id="{5B0121FE-D649-4DA7-9C68-EDAE9595E71A}" type="datetime1">
               <a:rPr lang="en-GB" smtClean="0"/>
-              <a:t>18/12/2017</a:t>
+              <a:t>19/12/2017</a:t>
             </a:fld>
             <a:endParaRPr lang="en-GB" dirty="0"/>
           </a:p>
@@ -10729,7 +10729,7 @@
           <a:p>
             <a:fld id="{2066AFAB-1854-42B4-B7C3-9CD27D314439}" type="datetime1">
               <a:rPr lang="en-GB" smtClean="0"/>
-              <a:t>18/12/2017</a:t>
+              <a:t>19/12/2017</a:t>
             </a:fld>
             <a:endParaRPr lang="en-GB" dirty="0"/>
           </a:p>
@@ -12001,7 +12001,7 @@
           <a:p>
             <a:fld id="{469E355E-FB23-4A5D-A551-6453E956D268}" type="datetime1">
               <a:rPr lang="en-GB" smtClean="0"/>
-              <a:t>18/12/2017</a:t>
+              <a:t>19/12/2017</a:t>
             </a:fld>
             <a:endParaRPr lang="en-GB" dirty="0"/>
           </a:p>
@@ -12411,7 +12411,7 @@
           <a:p>
             <a:fld id="{0D1AA0C8-57B9-4CB7-A710-6643B8966953}" type="datetime1">
               <a:rPr lang="en-GB" smtClean="0"/>
-              <a:t>18/12/2017</a:t>
+              <a:t>19/12/2017</a:t>
             </a:fld>
             <a:endParaRPr lang="en-GB" dirty="0"/>
           </a:p>
@@ -12547,7 +12547,7 @@
           <a:p>
             <a:fld id="{45501C82-A96F-4F61-B387-9430B4A55206}" type="datetime1">
               <a:rPr lang="en-GB" smtClean="0"/>
-              <a:t>18/12/2017</a:t>
+              <a:t>19/12/2017</a:t>
             </a:fld>
             <a:endParaRPr lang="en-GB" dirty="0"/>
           </a:p>
@@ -12680,7 +12680,7 @@
           <a:p>
             <a:fld id="{62F6CE82-E53C-43EF-B7D8-70EF18475290}" type="datetime1">
               <a:rPr lang="en-GB" smtClean="0"/>
-              <a:t>18/12/2017</a:t>
+              <a:t>19/12/2017</a:t>
             </a:fld>
             <a:endParaRPr lang="en-GB" dirty="0"/>
           </a:p>
@@ -12861,7 +12861,7 @@
           <a:p>
             <a:fld id="{F1366583-AA57-4787-98F2-943B632DF064}" type="datetime1">
               <a:rPr lang="en-GB" smtClean="0"/>
-              <a:t>18/12/2017</a:t>
+              <a:t>19/12/2017</a:t>
             </a:fld>
             <a:endParaRPr lang="en-GB" dirty="0"/>
           </a:p>
@@ -13115,7 +13115,7 @@
           <a:p>
             <a:fld id="{9186557A-378F-4EE4-994E-E3338F728448}" type="datetime1">
               <a:rPr lang="en-GB" smtClean="0"/>
-              <a:t>18/12/2017</a:t>
+              <a:t>19/12/2017</a:t>
             </a:fld>
             <a:endParaRPr lang="en-GB" dirty="0"/>
           </a:p>
@@ -13453,7 +13453,7 @@
           <a:p>
             <a:fld id="{82E25D15-D4DC-40C2-9F7B-6270FF565492}" type="datetime1">
               <a:rPr lang="en-GB" smtClean="0"/>
-              <a:t>18/12/2017</a:t>
+              <a:t>19/12/2017</a:t>
             </a:fld>
             <a:endParaRPr lang="en-GB" dirty="0"/>
           </a:p>
@@ -13752,7 +13752,7 @@
           <a:p>
             <a:fld id="{16D2CE9D-5AB5-4628-9114-7ED0915DFADA}" type="datetime1">
               <a:rPr lang="en-GB" smtClean="0"/>
-              <a:t>18/12/2017</a:t>
+              <a:t>19/12/2017</a:t>
             </a:fld>
             <a:endParaRPr lang="en-GB" dirty="0"/>
           </a:p>
@@ -16051,7 +16051,7 @@
           <a:p>
             <a:fld id="{F8BCB188-14CF-4E9C-8A9A-785E99DB8111}" type="datetime1">
               <a:rPr lang="en-GB" smtClean="0"/>
-              <a:t>18/12/2017</a:t>
+              <a:t>19/12/2017</a:t>
             </a:fld>
             <a:endParaRPr lang="en-GB" dirty="0"/>
           </a:p>
@@ -16461,7 +16461,7 @@
           <a:p>
             <a:fld id="{EB88D37C-9A31-4807-A94C-AEE9BDEACE8E}" type="datetime1">
               <a:rPr lang="en-GB" smtClean="0"/>
-              <a:t>18/12/2017</a:t>
+              <a:t>19/12/2017</a:t>
             </a:fld>
             <a:endParaRPr lang="en-GB" dirty="0"/>
           </a:p>
@@ -16597,7 +16597,7 @@
           <a:p>
             <a:fld id="{70D22DE3-8CF8-4822-BA8E-EE0036228297}" type="datetime1">
               <a:rPr lang="en-GB" smtClean="0"/>
-              <a:t>18/12/2017</a:t>
+              <a:t>19/12/2017</a:t>
             </a:fld>
             <a:endParaRPr lang="en-GB" dirty="0"/>
           </a:p>
@@ -16730,7 +16730,7 @@
           <a:p>
             <a:fld id="{526E5A31-BF07-4C9E-ADAC-5F2D7778FE6D}" type="datetime1">
               <a:rPr lang="en-GB" smtClean="0"/>
-              <a:t>18/12/2017</a:t>
+              <a:t>19/12/2017</a:t>
             </a:fld>
             <a:endParaRPr lang="en-GB" dirty="0"/>
           </a:p>
@@ -16911,7 +16911,7 @@
           <a:p>
             <a:fld id="{504D06F7-065A-41D3-A614-D5998FFC3B18}" type="datetime1">
               <a:rPr lang="en-GB" smtClean="0"/>
-              <a:t>18/12/2017</a:t>
+              <a:t>19/12/2017</a:t>
             </a:fld>
             <a:endParaRPr lang="en-GB" dirty="0"/>
           </a:p>
@@ -17165,7 +17165,7 @@
           <a:p>
             <a:fld id="{505FCB1E-2B78-4BDA-A045-A7835570795E}" type="datetime1">
               <a:rPr lang="en-GB" smtClean="0"/>
-              <a:t>18/12/2017</a:t>
+              <a:t>19/12/2017</a:t>
             </a:fld>
             <a:endParaRPr lang="en-GB" dirty="0"/>
           </a:p>
@@ -17503,7 +17503,7 @@
           <a:p>
             <a:fld id="{D0E0BB07-3E0C-4F9F-A9B0-301764437226}" type="datetime1">
               <a:rPr lang="en-GB" smtClean="0"/>
-              <a:t>18/12/2017</a:t>
+              <a:t>19/12/2017</a:t>
             </a:fld>
             <a:endParaRPr lang="en-GB" dirty="0"/>
           </a:p>
@@ -17802,7 +17802,7 @@
           <a:p>
             <a:fld id="{D65A0C2C-12C6-452B-A107-F9371D3C3D41}" type="datetime1">
               <a:rPr lang="en-GB" smtClean="0"/>
-              <a:t>18/12/2017</a:t>
+              <a:t>19/12/2017</a:t>
             </a:fld>
             <a:endParaRPr lang="en-GB" dirty="0"/>
           </a:p>
@@ -19074,7 +19074,7 @@
           <a:p>
             <a:fld id="{F531D1C7-EFBF-429B-AB3C-1CC664DA7E84}" type="datetime1">
               <a:rPr lang="en-GB" smtClean="0"/>
-              <a:t>18/12/2017</a:t>
+              <a:t>19/12/2017</a:t>
             </a:fld>
             <a:endParaRPr lang="en-GB" dirty="0"/>
           </a:p>
@@ -19310,7 +19310,7 @@
           <a:p>
             <a:fld id="{50F95F3C-BA38-4962-8B97-C77B4FBD0035}" type="datetime1">
               <a:rPr lang="en-GB" smtClean="0"/>
-              <a:t>18/12/2017</a:t>
+              <a:t>19/12/2017</a:t>
             </a:fld>
             <a:endParaRPr lang="en-GB" dirty="0"/>
           </a:p>
@@ -19720,7 +19720,7 @@
           <a:p>
             <a:fld id="{D5A7A248-BB28-40EE-9E66-DF108DA30BAF}" type="datetime1">
               <a:rPr lang="en-GB" smtClean="0"/>
-              <a:t>18/12/2017</a:t>
+              <a:t>19/12/2017</a:t>
             </a:fld>
             <a:endParaRPr lang="en-GB" dirty="0"/>
           </a:p>
@@ -19856,7 +19856,7 @@
           <a:p>
             <a:fld id="{00346F83-20AB-4DB4-A95D-F715AA463E41}" type="datetime1">
               <a:rPr lang="en-GB" smtClean="0"/>
-              <a:t>18/12/2017</a:t>
+              <a:t>19/12/2017</a:t>
             </a:fld>
             <a:endParaRPr lang="en-GB" dirty="0"/>
           </a:p>
@@ -19989,7 +19989,7 @@
           <a:p>
             <a:fld id="{53D5B8B3-CC82-4EDE-925C-D62A90AFA27F}" type="datetime1">
               <a:rPr lang="en-GB" smtClean="0"/>
-              <a:t>18/12/2017</a:t>
+              <a:t>19/12/2017</a:t>
             </a:fld>
             <a:endParaRPr lang="en-GB" dirty="0"/>
           </a:p>
@@ -20170,7 +20170,7 @@
           <a:p>
             <a:fld id="{BB50572B-D33C-44C0-8B8F-0A939AF3E667}" type="datetime1">
               <a:rPr lang="en-GB" smtClean="0"/>
-              <a:t>18/12/2017</a:t>
+              <a:t>19/12/2017</a:t>
             </a:fld>
             <a:endParaRPr lang="en-GB" dirty="0"/>
           </a:p>
@@ -20424,7 +20424,7 @@
           <a:p>
             <a:fld id="{EA63C3D0-8370-4B16-8AFB-7503E67ACD89}" type="datetime1">
               <a:rPr lang="en-GB" smtClean="0"/>
-              <a:t>18/12/2017</a:t>
+              <a:t>19/12/2017</a:t>
             </a:fld>
             <a:endParaRPr lang="en-GB" dirty="0"/>
           </a:p>
@@ -20762,7 +20762,7 @@
           <a:p>
             <a:fld id="{334F0F29-FDFA-4CD0-95BF-5E57E149934B}" type="datetime1">
               <a:rPr lang="en-GB" smtClean="0"/>
-              <a:t>18/12/2017</a:t>
+              <a:t>19/12/2017</a:t>
             </a:fld>
             <a:endParaRPr lang="en-GB" dirty="0"/>
           </a:p>
@@ -21061,7 +21061,7 @@
           <a:p>
             <a:fld id="{87211183-4B55-4DD6-9E15-7AB2A43FEBC2}" type="datetime1">
               <a:rPr lang="en-GB" smtClean="0"/>
-              <a:t>18/12/2017</a:t>
+              <a:t>19/12/2017</a:t>
             </a:fld>
             <a:endParaRPr lang="en-GB" dirty="0"/>
           </a:p>
@@ -22333,7 +22333,7 @@
           <a:p>
             <a:fld id="{45053C85-D4F2-4E93-818E-DA9CA0C25587}" type="datetime1">
               <a:rPr lang="en-GB" smtClean="0"/>
-              <a:t>18/12/2017</a:t>
+              <a:t>19/12/2017</a:t>
             </a:fld>
             <a:endParaRPr lang="en-GB" dirty="0"/>
           </a:p>
@@ -22743,7 +22743,7 @@
           <a:p>
             <a:fld id="{956DF41C-D832-4711-B41D-593EAFA1D1A5}" type="datetime1">
               <a:rPr lang="en-GB" smtClean="0"/>
-              <a:t>18/12/2017</a:t>
+              <a:t>19/12/2017</a:t>
             </a:fld>
             <a:endParaRPr lang="en-GB" dirty="0"/>
           </a:p>
@@ -23148,7 +23148,7 @@
           <a:p>
             <a:fld id="{1B7E33D1-6CFC-4D28-8BC3-A3C60ABB26E7}" type="datetime1">
               <a:rPr lang="en-GB" smtClean="0"/>
-              <a:t>18/12/2017</a:t>
+              <a:t>19/12/2017</a:t>
             </a:fld>
             <a:endParaRPr lang="en-GB" dirty="0"/>
           </a:p>
@@ -23284,7 +23284,7 @@
           <a:p>
             <a:fld id="{D031AF26-7FEC-4810-9722-9134539F7452}" type="datetime1">
               <a:rPr lang="en-GB" smtClean="0"/>
-              <a:t>18/12/2017</a:t>
+              <a:t>19/12/2017</a:t>
             </a:fld>
             <a:endParaRPr lang="en-GB" dirty="0"/>
           </a:p>
@@ -23417,7 +23417,7 @@
           <a:p>
             <a:fld id="{0DE247B4-2605-4C5F-9D31-2F62DDB4018E}" type="datetime1">
               <a:rPr lang="en-GB" smtClean="0"/>
-              <a:t>18/12/2017</a:t>
+              <a:t>19/12/2017</a:t>
             </a:fld>
             <a:endParaRPr lang="en-GB" dirty="0"/>
           </a:p>
@@ -23598,7 +23598,7 @@
           <a:p>
             <a:fld id="{4D03D304-DC96-4B94-9D4E-71413C54448A}" type="datetime1">
               <a:rPr lang="en-GB" smtClean="0"/>
-              <a:t>18/12/2017</a:t>
+              <a:t>19/12/2017</a:t>
             </a:fld>
             <a:endParaRPr lang="en-GB" dirty="0"/>
           </a:p>
@@ -23852,7 +23852,7 @@
           <a:p>
             <a:fld id="{A9E04D67-43F5-4134-B76D-C8EE7FCEEF63}" type="datetime1">
               <a:rPr lang="en-GB" smtClean="0"/>
-              <a:t>18/12/2017</a:t>
+              <a:t>19/12/2017</a:t>
             </a:fld>
             <a:endParaRPr lang="en-GB" dirty="0"/>
           </a:p>
@@ -24190,7 +24190,7 @@
           <a:p>
             <a:fld id="{F86C7BE2-CCCD-4A5D-A722-C7711CA2530C}" type="datetime1">
               <a:rPr lang="en-GB" smtClean="0"/>
-              <a:t>18/12/2017</a:t>
+              <a:t>19/12/2017</a:t>
             </a:fld>
             <a:endParaRPr lang="en-GB" dirty="0"/>
           </a:p>
@@ -24489,7 +24489,7 @@
           <a:p>
             <a:fld id="{6C5D13F0-750F-472C-A666-419C2133C170}" type="datetime1">
               <a:rPr lang="en-GB" smtClean="0"/>
-              <a:t>18/12/2017</a:t>
+              <a:t>19/12/2017</a:t>
             </a:fld>
             <a:endParaRPr lang="en-GB" dirty="0"/>
           </a:p>
@@ -25761,7 +25761,7 @@
           <a:p>
             <a:fld id="{8D35ECB8-9EEA-4C95-9352-C4993A05463A}" type="datetime1">
               <a:rPr lang="en-GB" smtClean="0"/>
-              <a:t>18/12/2017</a:t>
+              <a:t>19/12/2017</a:t>
             </a:fld>
             <a:endParaRPr lang="en-GB" dirty="0"/>
           </a:p>
@@ -26171,7 +26171,7 @@
           <a:p>
             <a:fld id="{82341E95-D8C3-42BC-81D2-945F7D6220BF}" type="datetime1">
               <a:rPr lang="en-GB" smtClean="0"/>
-              <a:t>18/12/2017</a:t>
+              <a:t>19/12/2017</a:t>
             </a:fld>
             <a:endParaRPr lang="en-GB" dirty="0"/>
           </a:p>
@@ -26307,7 +26307,7 @@
           <a:p>
             <a:fld id="{6D1A4141-D59C-4B59-A501-9057E708A94E}" type="datetime1">
               <a:rPr lang="en-GB" smtClean="0"/>
-              <a:t>18/12/2017</a:t>
+              <a:t>19/12/2017</a:t>
             </a:fld>
             <a:endParaRPr lang="en-GB" dirty="0"/>
           </a:p>
@@ -26435,7 +26435,7 @@
           <a:p>
             <a:fld id="{76978828-05FE-45FB-A776-2E233EA1D7F8}" type="datetime1">
               <a:rPr lang="en-GB" smtClean="0"/>
-              <a:t>18/12/2017</a:t>
+              <a:t>19/12/2017</a:t>
             </a:fld>
             <a:endParaRPr lang="en-GB" dirty="0"/>
           </a:p>
@@ -26568,7 +26568,7 @@
           <a:p>
             <a:fld id="{038CD2E8-7A2A-4F7E-9FB4-5D6C44E19029}" type="datetime1">
               <a:rPr lang="en-GB" smtClean="0"/>
-              <a:t>18/12/2017</a:t>
+              <a:t>19/12/2017</a:t>
             </a:fld>
             <a:endParaRPr lang="en-GB" dirty="0"/>
           </a:p>
@@ -26749,7 +26749,7 @@
           <a:p>
             <a:fld id="{3C4FC186-5405-425F-932A-0583CEEA54C7}" type="datetime1">
               <a:rPr lang="en-GB" smtClean="0"/>
-              <a:t>18/12/2017</a:t>
+              <a:t>19/12/2017</a:t>
             </a:fld>
             <a:endParaRPr lang="en-GB" dirty="0"/>
           </a:p>
@@ -27003,7 +27003,7 @@
           <a:p>
             <a:fld id="{FA20217A-6F6C-471E-8D8A-5720A394312C}" type="datetime1">
               <a:rPr lang="en-GB" smtClean="0"/>
-              <a:t>18/12/2017</a:t>
+              <a:t>19/12/2017</a:t>
             </a:fld>
             <a:endParaRPr lang="en-GB" dirty="0"/>
           </a:p>
@@ -27341,7 +27341,7 @@
           <a:p>
             <a:fld id="{9B99A530-9D0F-4958-9F0F-FC94E1F66F4A}" type="datetime1">
               <a:rPr lang="en-GB" smtClean="0"/>
-              <a:t>18/12/2017</a:t>
+              <a:t>19/12/2017</a:t>
             </a:fld>
             <a:endParaRPr lang="en-GB" dirty="0"/>
           </a:p>
@@ -27640,7 +27640,7 @@
           <a:p>
             <a:fld id="{3F80CAF9-E6D3-4332-B82A-96A1F2CE2C6E}" type="datetime1">
               <a:rPr lang="en-GB" smtClean="0"/>
-              <a:t>18/12/2017</a:t>
+              <a:t>19/12/2017</a:t>
             </a:fld>
             <a:endParaRPr lang="en-GB" dirty="0"/>
           </a:p>
@@ -28912,7 +28912,7 @@
           <a:p>
             <a:fld id="{13C47880-C88D-47E4-A5D9-A382312EEEAF}" type="datetime1">
               <a:rPr lang="en-GB" smtClean="0"/>
-              <a:t>18/12/2017</a:t>
+              <a:t>19/12/2017</a:t>
             </a:fld>
             <a:endParaRPr lang="en-GB" dirty="0"/>
           </a:p>
@@ -29322,7 +29322,7 @@
           <a:p>
             <a:fld id="{7C9B0CE6-40FB-492D-B644-DE1F075D66BD}" type="datetime1">
               <a:rPr lang="en-GB" smtClean="0"/>
-              <a:t>18/12/2017</a:t>
+              <a:t>19/12/2017</a:t>
             </a:fld>
             <a:endParaRPr lang="en-GB" dirty="0"/>
           </a:p>
@@ -29458,7 +29458,7 @@
           <a:p>
             <a:fld id="{1F4A93E1-8F6B-46B1-911F-5B93B31327AC}" type="datetime1">
               <a:rPr lang="en-GB" smtClean="0"/>
-              <a:t>18/12/2017</a:t>
+              <a:t>19/12/2017</a:t>
             </a:fld>
             <a:endParaRPr lang="en-GB" dirty="0"/>
           </a:p>
@@ -29591,7 +29591,7 @@
           <a:p>
             <a:fld id="{02F7894D-FE64-493B-99FF-849A34FCD311}" type="datetime1">
               <a:rPr lang="en-GB" smtClean="0"/>
-              <a:t>18/12/2017</a:t>
+              <a:t>19/12/2017</a:t>
             </a:fld>
             <a:endParaRPr lang="en-GB" dirty="0"/>
           </a:p>
@@ -29726,7 +29726,7 @@
           <a:p>
             <a:fld id="{86AE35F5-8459-48C1-A16C-A729B9136793}" type="datetime1">
               <a:rPr lang="en-GB" smtClean="0"/>
-              <a:t>18/12/2017</a:t>
+              <a:t>19/12/2017</a:t>
             </a:fld>
             <a:endParaRPr lang="en-GB" dirty="0"/>
           </a:p>
@@ -29907,7 +29907,7 @@
           <a:p>
             <a:fld id="{CE8FBAE6-937F-4BD8-B9B6-493AFFAF1DF2}" type="datetime1">
               <a:rPr lang="en-GB" smtClean="0"/>
-              <a:t>18/12/2017</a:t>
+              <a:t>19/12/2017</a:t>
             </a:fld>
             <a:endParaRPr lang="en-GB" dirty="0"/>
           </a:p>
@@ -30085,7 +30085,7 @@
           <a:p>
             <a:fld id="{5A4D34A6-877F-4BD3-A5F8-5340079BB034}" type="datetime1">
               <a:rPr lang="en-GB" smtClean="0"/>
-              <a:t>18/12/2017</a:t>
+              <a:t>19/12/2017</a:t>
             </a:fld>
             <a:endParaRPr lang="en-GB" dirty="0"/>
           </a:p>
@@ -30923,7 +30923,7 @@
           <a:p>
             <a:fld id="{1E082F61-6B09-4EC3-82A4-8E0AFB6547D3}" type="datetime1">
               <a:rPr lang="en-GB" smtClean="0"/>
-              <a:t>18/12/2017</a:t>
+              <a:t>19/12/2017</a:t>
             </a:fld>
             <a:endParaRPr lang="en-GB" dirty="0"/>
           </a:p>
@@ -32425,7 +32425,7 @@
           <a:p>
             <a:fld id="{BB9664DA-7FF8-42D8-8406-5465260E640D}" type="datetime1">
               <a:rPr lang="en-GB" smtClean="0"/>
-              <a:t>18/12/2017</a:t>
+              <a:t>19/12/2017</a:t>
             </a:fld>
             <a:endParaRPr lang="en-GB" dirty="0"/>
           </a:p>
@@ -33912,7 +33912,7 @@
           <a:p>
             <a:fld id="{B4A42FB9-0BC8-4C0F-9278-10617F15519D}" type="datetime1">
               <a:rPr lang="en-GB" smtClean="0"/>
-              <a:t>18/12/2017</a:t>
+              <a:t>19/12/2017</a:t>
             </a:fld>
             <a:endParaRPr lang="en-GB" dirty="0"/>
           </a:p>
@@ -35399,7 +35399,7 @@
           <a:p>
             <a:fld id="{20084B5E-0692-4837-9EEF-C31E39D811C0}" type="datetime1">
               <a:rPr lang="en-GB" smtClean="0"/>
-              <a:t>18/12/2017</a:t>
+              <a:t>19/12/2017</a:t>
             </a:fld>
             <a:endParaRPr lang="en-GB" dirty="0"/>
           </a:p>
@@ -36886,7 +36886,7 @@
           <a:p>
             <a:fld id="{9C78DE59-A60E-4A2C-A940-05A21194A491}" type="datetime1">
               <a:rPr lang="en-GB" smtClean="0"/>
-              <a:t>18/12/2017</a:t>
+              <a:t>19/12/2017</a:t>
             </a:fld>
             <a:endParaRPr lang="en-GB" dirty="0"/>
           </a:p>
@@ -38373,7 +38373,7 @@
           <a:p>
             <a:fld id="{C832F0E1-8CD5-4829-9676-4F90751EC77D}" type="datetime1">
               <a:rPr lang="en-GB" smtClean="0"/>
-              <a:t>18/12/2017</a:t>
+              <a:t>19/12/2017</a:t>
             </a:fld>
             <a:endParaRPr lang="en-GB" dirty="0"/>
           </a:p>
@@ -39860,7 +39860,7 @@
           <a:p>
             <a:fld id="{753FB3CA-257E-4943-AF3E-D195BA72EB42}" type="datetime1">
               <a:rPr lang="en-GB" smtClean="0"/>
-              <a:t>18/12/2017</a:t>
+              <a:t>19/12/2017</a:t>
             </a:fld>
             <a:endParaRPr lang="en-GB" dirty="0"/>
           </a:p>
@@ -41347,7 +41347,7 @@
           <a:p>
             <a:fld id="{73C442DB-9629-47DE-993D-D833DEC56C8C}" type="datetime1">
               <a:rPr lang="en-GB" smtClean="0"/>
-              <a:t>18/12/2017</a:t>
+              <a:t>19/12/2017</a:t>
             </a:fld>
             <a:endParaRPr lang="en-GB" dirty="0"/>
           </a:p>
@@ -42834,7 +42834,7 @@
           <a:p>
             <a:fld id="{63C544B3-AC2F-4DB5-A68A-82E05FE26D22}" type="datetime1">
               <a:rPr lang="en-GB" smtClean="0"/>
-              <a:t>18/12/2017</a:t>
+              <a:t>19/12/2017</a:t>
             </a:fld>
             <a:endParaRPr lang="en-GB" dirty="0"/>
           </a:p>
@@ -43704,7 +43704,7 @@
           <a:p>
             <a:fld id="{AC10E184-6E97-4972-B9A9-2953F3099315}" type="datetime1">
               <a:rPr lang="en-GB" smtClean="0"/>
-              <a:t>18/12/2017</a:t>
+              <a:t>19/12/2017</a:t>
             </a:fld>
             <a:endParaRPr lang="en-GB" dirty="0"/>
           </a:p>
@@ -43989,7 +43989,7 @@
           <a:p>
             <a:fld id="{40872E04-479B-4F77-A3BF-9D6466E75277}" type="datetime1">
               <a:rPr lang="en-GB" smtClean="0"/>
-              <a:t>18/12/2017</a:t>
+              <a:t>19/12/2017</a:t>
             </a:fld>
             <a:endParaRPr lang="en-GB" dirty="0"/>
           </a:p>
@@ -44360,7 +44360,7 @@
             <p:spPr>
               <a:xfrm>
                 <a:off x="3861371" y="2924944"/>
-                <a:ext cx="3512693" cy="422680"/>
+                <a:ext cx="3038268" cy="422680"/>
               </a:xfrm>
               <a:prstGeom prst="rect">
                 <a:avLst/>
@@ -44373,263 +44373,238 @@
               </a:bodyPr>
               <a:lstStyle/>
               <a:p>
-                <a:pPr/>
                 <a14:m>
-                  <m:oMathPara xmlns:m="http://schemas.openxmlformats.org/officeDocument/2006/math">
-                    <m:oMathParaPr>
-                      <m:jc m:val="centerGroup"/>
-                    </m:oMathParaPr>
-                    <m:oMath xmlns:m="http://schemas.openxmlformats.org/officeDocument/2006/math">
-                      <m:sSub>
-                        <m:sSubPr>
-                          <m:ctrlPr>
-                            <a:rPr lang="en-US" altLang="zh-CN" sz="2200" b="0" i="1" smtClean="0">
-                              <a:latin typeface="Cambria Math" panose="02040503050406030204" pitchFamily="18" charset="0"/>
-                            </a:rPr>
-                          </m:ctrlPr>
-                        </m:sSubPr>
-                        <m:e>
-                          <m:acc>
-                            <m:accPr>
-                              <m:chr m:val="⃗"/>
-                              <m:ctrlPr>
-                                <a:rPr lang="zh-CN" altLang="en-US" sz="2200" i="1" smtClean="0">
-                                  <a:latin typeface="Cambria Math" panose="02040503050406030204" pitchFamily="18" charset="0"/>
-                                </a:rPr>
-                              </m:ctrlPr>
-                            </m:accPr>
-                            <m:e>
-                              <m:r>
-                                <a:rPr lang="en-US" altLang="zh-CN" sz="2200" b="0" i="1" smtClean="0">
-                                  <a:latin typeface="Cambria Math" panose="02040503050406030204" pitchFamily="18" charset="0"/>
-                                </a:rPr>
-                                <m:t>𝐹</m:t>
-                              </m:r>
-                            </m:e>
-                          </m:acc>
-                        </m:e>
-                        <m:sub>
-                          <m:r>
-                            <a:rPr lang="zh-CN" altLang="en-US" sz="2200" b="0" i="1" smtClean="0">
-                              <a:latin typeface="Cambria Math" panose="02040503050406030204" pitchFamily="18" charset="0"/>
-                            </a:rPr>
-                            <m:t>𝛼</m:t>
-                          </m:r>
-                          <m:r>
-                            <a:rPr lang="en-US" altLang="zh-CN" sz="2200" b="0" i="1" smtClean="0">
-                              <a:latin typeface="Cambria Math" panose="02040503050406030204" pitchFamily="18" charset="0"/>
-                            </a:rPr>
-                            <m:t>𝐵</m:t>
-                          </m:r>
-                        </m:sub>
-                      </m:sSub>
-                      <m:r>
-                        <a:rPr lang="en-US" altLang="zh-CN" sz="2200" i="1" smtClean="0">
-                          <a:latin typeface="Cambria Math" panose="02040503050406030204" pitchFamily="18" charset="0"/>
-                        </a:rPr>
-                        <m:t>≔</m:t>
-                      </m:r>
-                      <m:r>
-                        <a:rPr lang="en-US" altLang="zh-CN" sz="2200" i="1">
-                          <a:latin typeface="Cambria Math" panose="02040503050406030204" pitchFamily="18" charset="0"/>
-                        </a:rPr>
-                        <m:t>−</m:t>
-                      </m:r>
-                      <m:sSub>
-                        <m:sSubPr>
-                          <m:ctrlPr>
-                            <a:rPr lang="en-US" altLang="zh-CN" sz="2200" i="1">
-                              <a:latin typeface="Cambria Math" panose="02040503050406030204" pitchFamily="18" charset="0"/>
-                              <a:ea typeface="Cambria Math" panose="02040503050406030204" pitchFamily="18" charset="0"/>
-                            </a:rPr>
-                          </m:ctrlPr>
-                        </m:sSubPr>
-                        <m:e>
-                          <m:r>
-                            <a:rPr lang="en-US" altLang="zh-CN" sz="2200" i="1">
-                              <a:latin typeface="Cambria Math" panose="02040503050406030204" pitchFamily="18" charset="0"/>
-                              <a:ea typeface="Cambria Math" panose="02040503050406030204" pitchFamily="18" charset="0"/>
-                            </a:rPr>
-                            <m:t>𝛻</m:t>
-                          </m:r>
-                        </m:e>
-                        <m:sub>
-                          <m:sSub>
-                            <m:sSubPr>
-                              <m:ctrlPr>
-                                <a:rPr lang="en-US" altLang="zh-CN" sz="2200" i="1">
-                                  <a:latin typeface="Cambria Math" panose="02040503050406030204" pitchFamily="18" charset="0"/>
-                                </a:rPr>
-                              </m:ctrlPr>
-                            </m:sSubPr>
-                            <m:e>
-                              <m:acc>
-                                <m:accPr>
-                                  <m:chr m:val="⃗"/>
-                                  <m:ctrlPr>
-                                    <a:rPr lang="en-US" altLang="zh-CN" sz="2200" i="1">
-                                      <a:latin typeface="Cambria Math" panose="02040503050406030204" pitchFamily="18" charset="0"/>
-                                    </a:rPr>
-                                  </m:ctrlPr>
-                                </m:accPr>
-                                <m:e>
-                                  <m:r>
-                                    <a:rPr lang="en-US" altLang="zh-CN" sz="2200" i="1">
-                                      <a:latin typeface="Cambria Math" panose="02040503050406030204" pitchFamily="18" charset="0"/>
-                                    </a:rPr>
-                                    <m:t>𝑟</m:t>
-                                  </m:r>
-                                </m:e>
-                              </m:acc>
-                            </m:e>
-                            <m:sub>
-                              <m:r>
-                                <a:rPr lang="zh-CN" altLang="en-US" sz="2200" i="1">
-                                  <a:latin typeface="Cambria Math" panose="02040503050406030204" pitchFamily="18" charset="0"/>
-                                </a:rPr>
-                                <m:t>𝛼</m:t>
-                              </m:r>
-                              <m:r>
-                                <a:rPr lang="en-US" altLang="zh-CN" sz="2200" b="0" i="1" smtClean="0">
-                                  <a:latin typeface="Cambria Math" panose="02040503050406030204" pitchFamily="18" charset="0"/>
-                                </a:rPr>
-                                <m:t>𝐵</m:t>
-                              </m:r>
-                              <m:r>
-                                <a:rPr lang="en-US" altLang="zh-CN" sz="2200" i="1">
-                                  <a:latin typeface="Cambria Math" panose="02040503050406030204" pitchFamily="18" charset="0"/>
-                                </a:rPr>
-                                <m:t> </m:t>
-                              </m:r>
-                            </m:sub>
-                          </m:sSub>
-                        </m:sub>
-                      </m:sSub>
-                      <m:sSub>
-                        <m:sSubPr>
-                          <m:ctrlPr>
-                            <a:rPr lang="en-US" altLang="zh-CN" sz="2200" b="0" i="1" smtClean="0">
-                              <a:latin typeface="Cambria Math" panose="02040503050406030204" pitchFamily="18" charset="0"/>
-                            </a:rPr>
-                          </m:ctrlPr>
-                        </m:sSubPr>
-                        <m:e>
-                          <m:r>
-                            <a:rPr lang="en-US" altLang="zh-CN" sz="2200" b="0" i="1" smtClean="0">
-                              <a:latin typeface="Cambria Math" panose="02040503050406030204" pitchFamily="18" charset="0"/>
-                            </a:rPr>
-                            <m:t>𝑈</m:t>
-                          </m:r>
-                        </m:e>
-                        <m:sub>
-                          <m:r>
-                            <a:rPr lang="zh-CN" altLang="en-US" sz="2200" b="0" i="1" smtClean="0">
-                              <a:latin typeface="Cambria Math" panose="02040503050406030204" pitchFamily="18" charset="0"/>
-                            </a:rPr>
-                            <m:t>𝛼</m:t>
-                          </m:r>
-                          <m:r>
-                            <a:rPr lang="en-US" altLang="zh-CN" sz="2200" b="0" i="1" smtClean="0">
-                              <a:latin typeface="Cambria Math" panose="02040503050406030204" pitchFamily="18" charset="0"/>
-                            </a:rPr>
-                            <m:t>𝐵</m:t>
-                          </m:r>
-                        </m:sub>
-                      </m:sSub>
-                      <m:r>
-                        <a:rPr lang="en-US" altLang="zh-CN" sz="2200" b="0" i="1" smtClean="0">
-                          <a:latin typeface="Cambria Math" panose="02040503050406030204" pitchFamily="18" charset="0"/>
-                        </a:rPr>
-                        <m:t>[</m:t>
-                      </m:r>
-                      <m:r>
-                        <a:rPr lang="en-US" altLang="zh-CN" sz="2200" b="0" i="1" smtClean="0">
-                          <a:latin typeface="Cambria Math" panose="02040503050406030204" pitchFamily="18" charset="0"/>
-                        </a:rPr>
-                        <m:t>𝑏</m:t>
-                      </m:r>
-                      <m:d>
-                        <m:dPr>
-                          <m:ctrlPr>
-                            <a:rPr lang="en-US" altLang="zh-CN" sz="2200" b="0" i="1" smtClean="0">
-                              <a:latin typeface="Cambria Math" panose="02040503050406030204" pitchFamily="18" charset="0"/>
-                            </a:rPr>
-                          </m:ctrlPr>
-                        </m:dPr>
-                        <m:e>
-                          <m:d>
-                            <m:dPr>
-                              <m:begChr m:val="‖"/>
-                              <m:endChr m:val="‖"/>
-                              <m:ctrlPr>
-                                <a:rPr lang="en-US" altLang="zh-CN" sz="2200" b="0" i="1" smtClean="0">
-                                  <a:latin typeface="Cambria Math" panose="02040503050406030204" pitchFamily="18" charset="0"/>
-                                </a:rPr>
-                              </m:ctrlPr>
-                            </m:dPr>
-                            <m:e>
-                              <m:sSub>
-                                <m:sSubPr>
-                                  <m:ctrlPr>
-                                    <a:rPr lang="en-US" altLang="zh-CN" sz="2200" i="1">
-                                      <a:latin typeface="Cambria Math" panose="02040503050406030204" pitchFamily="18" charset="0"/>
-                                    </a:rPr>
-                                  </m:ctrlPr>
-                                </m:sSubPr>
-                                <m:e>
-                                  <m:acc>
-                                    <m:accPr>
-                                      <m:chr m:val="⃗"/>
-                                      <m:ctrlPr>
-                                        <a:rPr lang="en-US" altLang="zh-CN" sz="2200" i="1">
-                                          <a:latin typeface="Cambria Math" panose="02040503050406030204" pitchFamily="18" charset="0"/>
-                                        </a:rPr>
-                                      </m:ctrlPr>
-                                    </m:accPr>
-                                    <m:e>
-                                      <m:r>
-                                        <a:rPr lang="en-US" altLang="zh-CN" sz="2200" i="1">
-                                          <a:latin typeface="Cambria Math" panose="02040503050406030204" pitchFamily="18" charset="0"/>
-                                        </a:rPr>
-                                        <m:t>𝑟</m:t>
-                                      </m:r>
-                                    </m:e>
-                                  </m:acc>
-                                </m:e>
-                                <m:sub>
-                                  <m:r>
-                                    <a:rPr lang="zh-CN" altLang="en-US" sz="2200" i="1">
-                                      <a:latin typeface="Cambria Math" panose="02040503050406030204" pitchFamily="18" charset="0"/>
-                                    </a:rPr>
-                                    <m:t>𝛼</m:t>
-                                  </m:r>
-                                  <m:r>
-                                    <a:rPr lang="en-US" altLang="zh-CN" sz="2200" i="1">
-                                      <a:latin typeface="Cambria Math" panose="02040503050406030204" pitchFamily="18" charset="0"/>
-                                    </a:rPr>
-                                    <m:t>𝐵</m:t>
-                                  </m:r>
-                                  <m:r>
-                                    <a:rPr lang="en-US" altLang="zh-CN" sz="2200" i="1">
-                                      <a:latin typeface="Cambria Math" panose="02040503050406030204" pitchFamily="18" charset="0"/>
-                                    </a:rPr>
-                                    <m:t> </m:t>
-                                  </m:r>
-                                </m:sub>
-                              </m:sSub>
-                            </m:e>
-                          </m:d>
-                        </m:e>
-                      </m:d>
-                      <m:r>
-                        <a:rPr lang="en-US" altLang="zh-CN" sz="2200" b="0" i="1" smtClean="0">
-                          <a:latin typeface="Cambria Math" panose="02040503050406030204" pitchFamily="18" charset="0"/>
-                        </a:rPr>
-                        <m:t>]</m:t>
-                      </m:r>
-                    </m:oMath>
-                  </m:oMathPara>
+                  <m:oMath xmlns:m="http://schemas.openxmlformats.org/officeDocument/2006/math">
+                    <m:sSub>
+                      <m:sSubPr>
+                        <m:ctrlPr>
+                          <a:rPr lang="en-US" altLang="zh-CN" sz="2200" b="0" i="1" smtClean="0">
+                            <a:latin typeface="Cambria Math" panose="02040503050406030204" pitchFamily="18" charset="0"/>
+                          </a:rPr>
+                        </m:ctrlPr>
+                      </m:sSubPr>
+                      <m:e>
+                        <m:acc>
+                          <m:accPr>
+                            <m:chr m:val="⃗"/>
+                            <m:ctrlPr>
+                              <a:rPr lang="zh-CN" altLang="en-US" sz="2200" i="1" smtClean="0">
+                                <a:latin typeface="Cambria Math" panose="02040503050406030204" pitchFamily="18" charset="0"/>
+                              </a:rPr>
+                            </m:ctrlPr>
+                          </m:accPr>
+                          <m:e>
+                            <m:r>
+                              <a:rPr lang="en-US" altLang="zh-CN" sz="2200" b="0" i="1" smtClean="0">
+                                <a:latin typeface="Cambria Math" panose="02040503050406030204" pitchFamily="18" charset="0"/>
+                              </a:rPr>
+                              <m:t>𝐹</m:t>
+                            </m:r>
+                          </m:e>
+                        </m:acc>
+                      </m:e>
+                      <m:sub>
+                        <m:r>
+                          <a:rPr lang="zh-CN" altLang="en-US" sz="2200" b="0" i="1" smtClean="0">
+                            <a:latin typeface="Cambria Math" panose="02040503050406030204" pitchFamily="18" charset="0"/>
+                          </a:rPr>
+                          <m:t>𝛼</m:t>
+                        </m:r>
+                        <m:r>
+                          <a:rPr lang="en-US" altLang="zh-CN" sz="2200" b="0" i="1" smtClean="0">
+                            <a:latin typeface="Cambria Math" panose="02040503050406030204" pitchFamily="18" charset="0"/>
+                          </a:rPr>
+                          <m:t>𝐵</m:t>
+                        </m:r>
+                      </m:sub>
+                    </m:sSub>
+                    <m:r>
+                      <a:rPr lang="en-US" altLang="zh-CN" sz="2200" i="1" smtClean="0">
+                        <a:latin typeface="Cambria Math" panose="02040503050406030204" pitchFamily="18" charset="0"/>
+                      </a:rPr>
+                      <m:t>≔</m:t>
+                    </m:r>
+                    <m:r>
+                      <a:rPr lang="en-US" altLang="zh-CN" sz="2200" i="1">
+                        <a:latin typeface="Cambria Math" panose="02040503050406030204" pitchFamily="18" charset="0"/>
+                      </a:rPr>
+                      <m:t>−</m:t>
+                    </m:r>
+                    <m:sSub>
+                      <m:sSubPr>
+                        <m:ctrlPr>
+                          <a:rPr lang="en-US" altLang="zh-CN" sz="2200" i="1">
+                            <a:latin typeface="Cambria Math" panose="02040503050406030204" pitchFamily="18" charset="0"/>
+                            <a:ea typeface="Cambria Math" panose="02040503050406030204" pitchFamily="18" charset="0"/>
+                          </a:rPr>
+                        </m:ctrlPr>
+                      </m:sSubPr>
+                      <m:e>
+                        <m:r>
+                          <a:rPr lang="en-US" altLang="zh-CN" sz="2200" i="1">
+                            <a:latin typeface="Cambria Math" panose="02040503050406030204" pitchFamily="18" charset="0"/>
+                            <a:ea typeface="Cambria Math" panose="02040503050406030204" pitchFamily="18" charset="0"/>
+                          </a:rPr>
+                          <m:t>𝛻</m:t>
+                        </m:r>
+                      </m:e>
+                      <m:sub>
+                        <m:sSub>
+                          <m:sSubPr>
+                            <m:ctrlPr>
+                              <a:rPr lang="en-US" altLang="zh-CN" sz="2200" i="1">
+                                <a:latin typeface="Cambria Math" panose="02040503050406030204" pitchFamily="18" charset="0"/>
+                              </a:rPr>
+                            </m:ctrlPr>
+                          </m:sSubPr>
+                          <m:e>
+                            <m:acc>
+                              <m:accPr>
+                                <m:chr m:val="⃗"/>
+                                <m:ctrlPr>
+                                  <a:rPr lang="en-US" altLang="zh-CN" sz="2200" i="1">
+                                    <a:latin typeface="Cambria Math" panose="02040503050406030204" pitchFamily="18" charset="0"/>
+                                  </a:rPr>
+                                </m:ctrlPr>
+                              </m:accPr>
+                              <m:e>
+                                <m:r>
+                                  <a:rPr lang="en-US" altLang="zh-CN" sz="2200" i="1">
+                                    <a:latin typeface="Cambria Math" panose="02040503050406030204" pitchFamily="18" charset="0"/>
+                                  </a:rPr>
+                                  <m:t>𝑟</m:t>
+                                </m:r>
+                              </m:e>
+                            </m:acc>
+                          </m:e>
+                          <m:sub>
+                            <m:r>
+                              <a:rPr lang="zh-CN" altLang="en-US" sz="2200" i="1">
+                                <a:latin typeface="Cambria Math" panose="02040503050406030204" pitchFamily="18" charset="0"/>
+                              </a:rPr>
+                              <m:t>𝛼</m:t>
+                            </m:r>
+                            <m:r>
+                              <a:rPr lang="en-US" altLang="zh-CN" sz="2200" b="0" i="1" smtClean="0">
+                                <a:latin typeface="Cambria Math" panose="02040503050406030204" pitchFamily="18" charset="0"/>
+                              </a:rPr>
+                              <m:t>𝐵</m:t>
+                            </m:r>
+                            <m:r>
+                              <a:rPr lang="en-US" altLang="zh-CN" sz="2200" i="1">
+                                <a:latin typeface="Cambria Math" panose="02040503050406030204" pitchFamily="18" charset="0"/>
+                              </a:rPr>
+                              <m:t> </m:t>
+                            </m:r>
+                          </m:sub>
+                        </m:sSub>
+                      </m:sub>
+                    </m:sSub>
+                    <m:sSub>
+                      <m:sSubPr>
+                        <m:ctrlPr>
+                          <a:rPr lang="en-US" altLang="zh-CN" sz="2200" b="0" i="1" smtClean="0">
+                            <a:latin typeface="Cambria Math" panose="02040503050406030204" pitchFamily="18" charset="0"/>
+                          </a:rPr>
+                        </m:ctrlPr>
+                      </m:sSubPr>
+                      <m:e>
+                        <m:r>
+                          <a:rPr lang="en-US" altLang="zh-CN" sz="2200" b="0" i="1" smtClean="0">
+                            <a:latin typeface="Cambria Math" panose="02040503050406030204" pitchFamily="18" charset="0"/>
+                          </a:rPr>
+                          <m:t>𝑈</m:t>
+                        </m:r>
+                      </m:e>
+                      <m:sub>
+                        <m:r>
+                          <a:rPr lang="zh-CN" altLang="en-US" sz="2200" b="0" i="1" smtClean="0">
+                            <a:latin typeface="Cambria Math" panose="02040503050406030204" pitchFamily="18" charset="0"/>
+                          </a:rPr>
+                          <m:t>𝛼</m:t>
+                        </m:r>
+                        <m:r>
+                          <a:rPr lang="en-US" altLang="zh-CN" sz="2200" b="0" i="1" smtClean="0">
+                            <a:latin typeface="Cambria Math" panose="02040503050406030204" pitchFamily="18" charset="0"/>
+                          </a:rPr>
+                          <m:t>𝐵</m:t>
+                        </m:r>
+                      </m:sub>
+                    </m:sSub>
+                    <m:r>
+                      <a:rPr lang="en-US" altLang="zh-CN" sz="2200" b="0" i="1" smtClean="0">
+                        <a:latin typeface="Cambria Math" panose="02040503050406030204" pitchFamily="18" charset="0"/>
+                      </a:rPr>
+                      <m:t>(</m:t>
+                    </m:r>
+                    <m:d>
+                      <m:dPr>
+                        <m:begChr m:val="‖"/>
+                        <m:endChr m:val="‖"/>
+                        <m:ctrlPr>
+                          <a:rPr lang="en-US" altLang="zh-CN" sz="2200" b="0" i="1" smtClean="0">
+                            <a:latin typeface="Cambria Math" panose="02040503050406030204" pitchFamily="18" charset="0"/>
+                          </a:rPr>
+                        </m:ctrlPr>
+                      </m:dPr>
+                      <m:e>
+                        <m:sSub>
+                          <m:sSubPr>
+                            <m:ctrlPr>
+                              <a:rPr lang="en-US" altLang="zh-CN" sz="2200" i="1">
+                                <a:latin typeface="Cambria Math" panose="02040503050406030204" pitchFamily="18" charset="0"/>
+                              </a:rPr>
+                            </m:ctrlPr>
+                          </m:sSubPr>
+                          <m:e>
+                            <m:acc>
+                              <m:accPr>
+                                <m:chr m:val="⃗"/>
+                                <m:ctrlPr>
+                                  <a:rPr lang="en-US" altLang="zh-CN" sz="2200" i="1">
+                                    <a:latin typeface="Cambria Math" panose="02040503050406030204" pitchFamily="18" charset="0"/>
+                                  </a:rPr>
+                                </m:ctrlPr>
+                              </m:accPr>
+                              <m:e>
+                                <m:r>
+                                  <a:rPr lang="en-US" altLang="zh-CN" sz="2200" i="1">
+                                    <a:latin typeface="Cambria Math" panose="02040503050406030204" pitchFamily="18" charset="0"/>
+                                  </a:rPr>
+                                  <m:t>𝑟</m:t>
+                                </m:r>
+                              </m:e>
+                            </m:acc>
+                          </m:e>
+                          <m:sub>
+                            <m:r>
+                              <a:rPr lang="zh-CN" altLang="en-US" sz="2200" i="1">
+                                <a:latin typeface="Cambria Math" panose="02040503050406030204" pitchFamily="18" charset="0"/>
+                              </a:rPr>
+                              <m:t>𝛼</m:t>
+                            </m:r>
+                            <m:r>
+                              <a:rPr lang="en-US" altLang="zh-CN" sz="2200" i="1">
+                                <a:latin typeface="Cambria Math" panose="02040503050406030204" pitchFamily="18" charset="0"/>
+                              </a:rPr>
+                              <m:t>𝐵</m:t>
+                            </m:r>
+                            <m:r>
+                              <a:rPr lang="en-US" altLang="zh-CN" sz="2200" i="1">
+                                <a:latin typeface="Cambria Math" panose="02040503050406030204" pitchFamily="18" charset="0"/>
+                              </a:rPr>
+                              <m:t> </m:t>
+                            </m:r>
+                          </m:sub>
+                        </m:sSub>
+                      </m:e>
+                    </m:d>
+                  </m:oMath>
                 </a14:m>
+                <a:r>
+                  <a:rPr lang="en-US" altLang="zh-CN" sz="2200" dirty="0"/>
+                  <a:t>)</a:t>
+                </a:r>
                 <a:endParaRPr lang="zh-CN" altLang="en-US" sz="2200" dirty="0"/>
               </a:p>
             </p:txBody>
@@ -44641,7 +44616,7 @@
               <p:cNvPr id="9" name="TextBox 8">
                 <a:extLst>
                   <a:ext uri="{FF2B5EF4-FFF2-40B4-BE49-F238E27FC236}">
-                    <a16:creationId xmlns:a16="http://schemas.microsoft.com/office/drawing/2014/main" id="{157FECBC-CD11-47E9-8D82-7E633E3B13A0}"/>
+                    <a16:creationId xmlns:a16="http://schemas.microsoft.com/office/drawing/2014/main" xmlns:a14="http://schemas.microsoft.com/office/drawing/2010/main" xmlns="" id="{157FECBC-CD11-47E9-8D82-7E633E3B13A0}"/>
                   </a:ext>
                 </a:extLst>
               </p:cNvPr>
@@ -44653,15 +44628,15 @@
             <p:spPr>
               <a:xfrm>
                 <a:off x="3861371" y="2924944"/>
-                <a:ext cx="3512693" cy="422680"/>
+                <a:ext cx="3038268" cy="422680"/>
               </a:xfrm>
               <a:prstGeom prst="rect">
                 <a:avLst/>
               </a:prstGeom>
-              <a:blipFill>
+              <a:blipFill rotWithShape="0">
                 <a:blip r:embed="rId4"/>
                 <a:stretch>
-                  <a:fillRect b="-1449"/>
+                  <a:fillRect t="-8696" r="-5010" b="-31884"/>
                 </a:stretch>
               </a:blipFill>
             </p:spPr>
@@ -44670,7 +44645,7 @@
               <a:lstStyle/>
               <a:p>
                 <a:r>
-                  <a:rPr lang="zh-CN" altLang="en-US">
+                  <a:rPr lang="en-US">
                     <a:noFill/>
                   </a:rPr>
                   <a:t> </a:t>
@@ -45141,13 +45116,439 @@
           </p:sp>
         </mc:Fallback>
       </mc:AlternateContent>
+      <p:sp>
+        <p:nvSpPr>
+          <p:cNvPr id="14" name="Oval 13"/>
+          <p:cNvSpPr/>
+          <p:nvPr/>
+        </p:nvSpPr>
+        <p:spPr>
+          <a:xfrm>
+            <a:off x="8433879" y="2433118"/>
+            <a:ext cx="216024" cy="216024"/>
+          </a:xfrm>
+          <a:prstGeom prst="ellipse">
+            <a:avLst/>
+          </a:prstGeom>
+          <a:solidFill>
+            <a:schemeClr val="tx1"/>
+          </a:solidFill>
+          <a:ln>
+            <a:noFill/>
+          </a:ln>
+        </p:spPr>
+        <p:style>
+          <a:lnRef idx="2">
+            <a:schemeClr val="accent1">
+              <a:shade val="50000"/>
+            </a:schemeClr>
+          </a:lnRef>
+          <a:fillRef idx="1">
+            <a:schemeClr val="accent1"/>
+          </a:fillRef>
+          <a:effectRef idx="0">
+            <a:schemeClr val="accent1"/>
+          </a:effectRef>
+          <a:fontRef idx="minor">
+            <a:schemeClr val="lt1"/>
+          </a:fontRef>
+        </p:style>
+        <p:txBody>
+          <a:bodyPr rtlCol="0" anchor="ctr"/>
+          <a:lstStyle/>
+          <a:p>
+            <a:pPr algn="ctr"/>
+            <a:endParaRPr lang="en-US"/>
+          </a:p>
+        </p:txBody>
+      </p:sp>
+      <p:cxnSp>
+        <p:nvCxnSpPr>
+          <p:cNvPr id="5" name="Straight Connector 4"/>
+          <p:cNvCxnSpPr/>
+          <p:nvPr/>
+        </p:nvCxnSpPr>
+        <p:spPr>
+          <a:xfrm>
+            <a:off x="9072016" y="859662"/>
+            <a:ext cx="1872208" cy="1846986"/>
+          </a:xfrm>
+          <a:prstGeom prst="line">
+            <a:avLst/>
+          </a:prstGeom>
+          <a:ln w="57150" cap="sq">
+            <a:solidFill>
+              <a:srgbClr val="FF0000"/>
+            </a:solidFill>
+            <a:round/>
+            <a:headEnd type="none" w="med" len="med"/>
+            <a:tailEnd type="none" w="med" len="med"/>
+          </a:ln>
+        </p:spPr>
+        <p:style>
+          <a:lnRef idx="1">
+            <a:schemeClr val="accent1"/>
+          </a:lnRef>
+          <a:fillRef idx="0">
+            <a:schemeClr val="accent1"/>
+          </a:fillRef>
+          <a:effectRef idx="0">
+            <a:schemeClr val="accent1"/>
+          </a:effectRef>
+          <a:fontRef idx="minor">
+            <a:schemeClr val="tx1"/>
+          </a:fontRef>
+        </p:style>
+      </p:cxnSp>
+      <p:cxnSp>
+        <p:nvCxnSpPr>
+          <p:cNvPr id="16" name="Straight Arrow Connector 15"/>
+          <p:cNvCxnSpPr/>
+          <p:nvPr/>
+        </p:nvCxnSpPr>
+        <p:spPr>
+          <a:xfrm flipH="1">
+            <a:off x="8078227" y="2630153"/>
+            <a:ext cx="396254" cy="423178"/>
+          </a:xfrm>
+          <a:prstGeom prst="straightConnector1">
+            <a:avLst/>
+          </a:prstGeom>
+          <a:ln w="38100" cap="sq">
+            <a:solidFill>
+              <a:srgbClr val="00B0F0"/>
+            </a:solidFill>
+            <a:round/>
+            <a:headEnd type="none" w="med" len="med"/>
+            <a:tailEnd type="triangle"/>
+          </a:ln>
+        </p:spPr>
+        <p:style>
+          <a:lnRef idx="1">
+            <a:schemeClr val="accent1"/>
+          </a:lnRef>
+          <a:fillRef idx="0">
+            <a:schemeClr val="accent1"/>
+          </a:fillRef>
+          <a:effectRef idx="0">
+            <a:schemeClr val="accent1"/>
+          </a:effectRef>
+          <a:fontRef idx="minor">
+            <a:schemeClr val="tx1"/>
+          </a:fontRef>
+        </p:style>
+      </p:cxnSp>
+      <mc:AlternateContent xmlns:mc="http://schemas.openxmlformats.org/markup-compatibility/2006" xmlns:a14="http://schemas.microsoft.com/office/drawing/2010/main">
+        <mc:Choice Requires="a14">
+          <p:sp>
+            <p:nvSpPr>
+              <p:cNvPr id="18" name="Rectangle 17"/>
+              <p:cNvSpPr/>
+              <p:nvPr/>
+            </p:nvSpPr>
+            <p:spPr>
+              <a:xfrm>
+                <a:off x="8026754" y="2893505"/>
+                <a:ext cx="700063" cy="472052"/>
+              </a:xfrm>
+              <a:prstGeom prst="rect">
+                <a:avLst/>
+              </a:prstGeom>
+            </p:spPr>
+            <p:txBody>
+              <a:bodyPr wrap="none">
+                <a:spAutoFit/>
+              </a:bodyPr>
+              <a:lstStyle/>
+              <a:p>
+                <a:pPr/>
+                <a14:m>
+                  <m:oMathPara xmlns:m="http://schemas.openxmlformats.org/officeDocument/2006/math">
+                    <m:oMathParaPr>
+                      <m:jc m:val="centerGroup"/>
+                    </m:oMathParaPr>
+                    <m:oMath xmlns:m="http://schemas.openxmlformats.org/officeDocument/2006/math">
+                      <m:sSub>
+                        <m:sSubPr>
+                          <m:ctrlPr>
+                            <a:rPr lang="en-US" altLang="zh-CN" sz="2200" i="1" smtClean="0">
+                              <a:solidFill>
+                                <a:srgbClr val="00B0F0"/>
+                              </a:solidFill>
+                              <a:latin typeface="Cambria Math" panose="02040503050406030204" pitchFamily="18" charset="0"/>
+                            </a:rPr>
+                          </m:ctrlPr>
+                        </m:sSubPr>
+                        <m:e>
+                          <m:acc>
+                            <m:accPr>
+                              <m:chr m:val="⃗"/>
+                              <m:ctrlPr>
+                                <a:rPr lang="zh-CN" altLang="en-US" sz="2200" i="1">
+                                  <a:solidFill>
+                                    <a:srgbClr val="00B0F0"/>
+                                  </a:solidFill>
+                                  <a:latin typeface="Cambria Math" panose="02040503050406030204" pitchFamily="18" charset="0"/>
+                                </a:rPr>
+                              </m:ctrlPr>
+                            </m:accPr>
+                            <m:e>
+                              <m:r>
+                                <a:rPr lang="en-US" altLang="zh-CN" sz="2200" i="1">
+                                  <a:solidFill>
+                                    <a:srgbClr val="00B0F0"/>
+                                  </a:solidFill>
+                                  <a:latin typeface="Cambria Math" panose="02040503050406030204" pitchFamily="18" charset="0"/>
+                                </a:rPr>
+                                <m:t>𝐹</m:t>
+                              </m:r>
+                            </m:e>
+                          </m:acc>
+                        </m:e>
+                        <m:sub>
+                          <m:r>
+                            <a:rPr lang="zh-CN" altLang="en-US" sz="2200" i="1">
+                              <a:solidFill>
+                                <a:srgbClr val="00B0F0"/>
+                              </a:solidFill>
+                              <a:latin typeface="Cambria Math" panose="02040503050406030204" pitchFamily="18" charset="0"/>
+                            </a:rPr>
+                            <m:t>𝛼</m:t>
+                          </m:r>
+                          <m:r>
+                            <a:rPr lang="en-US" altLang="zh-CN" sz="2200" i="1">
+                              <a:solidFill>
+                                <a:srgbClr val="00B0F0"/>
+                              </a:solidFill>
+                              <a:latin typeface="Cambria Math" panose="02040503050406030204" pitchFamily="18" charset="0"/>
+                            </a:rPr>
+                            <m:t>𝐵</m:t>
+                          </m:r>
+                        </m:sub>
+                      </m:sSub>
+                    </m:oMath>
+                  </m:oMathPara>
+                </a14:m>
+                <a:endParaRPr lang="en-US" sz="2200" dirty="0">
+                  <a:solidFill>
+                    <a:srgbClr val="00B0F0"/>
+                  </a:solidFill>
+                </a:endParaRPr>
+              </a:p>
+            </p:txBody>
+          </p:sp>
+        </mc:Choice>
+        <mc:Fallback xmlns="">
+          <p:sp>
+            <p:nvSpPr>
+              <p:cNvPr id="18" name="Rectangle 17"/>
+              <p:cNvSpPr>
+                <a:spLocks noRot="1" noChangeAspect="1" noMove="1" noResize="1" noEditPoints="1" noAdjustHandles="1" noChangeArrowheads="1" noChangeShapeType="1" noTextEdit="1"/>
+              </p:cNvSpPr>
+              <p:nvPr/>
+            </p:nvSpPr>
+            <p:spPr>
+              <a:xfrm>
+                <a:off x="8026754" y="2893505"/>
+                <a:ext cx="700063" cy="472052"/>
+              </a:xfrm>
+              <a:prstGeom prst="rect">
+                <a:avLst/>
+              </a:prstGeom>
+              <a:blipFill rotWithShape="0">
+                <a:blip r:embed="rId6"/>
+                <a:stretch>
+                  <a:fillRect/>
+                </a:stretch>
+              </a:blipFill>
+            </p:spPr>
+            <p:txBody>
+              <a:bodyPr/>
+              <a:lstStyle/>
+              <a:p>
+                <a:r>
+                  <a:rPr lang="en-US">
+                    <a:noFill/>
+                  </a:rPr>
+                  <a:t> </a:t>
+                </a:r>
+              </a:p>
+            </p:txBody>
+          </p:sp>
+        </mc:Fallback>
+      </mc:AlternateContent>
+      <p:cxnSp>
+        <p:nvCxnSpPr>
+          <p:cNvPr id="21" name="Straight Arrow Connector 20"/>
+          <p:cNvCxnSpPr/>
+          <p:nvPr/>
+        </p:nvCxnSpPr>
+        <p:spPr>
+          <a:xfrm flipV="1">
+            <a:off x="8637913" y="1458028"/>
+            <a:ext cx="1044116" cy="1014411"/>
+          </a:xfrm>
+          <a:prstGeom prst="straightConnector1">
+            <a:avLst/>
+          </a:prstGeom>
+          <a:ln w="12700" cap="sq">
+            <a:solidFill>
+              <a:schemeClr val="tx1"/>
+            </a:solidFill>
+            <a:prstDash val="dash"/>
+            <a:round/>
+            <a:headEnd type="none" w="med" len="med"/>
+            <a:tailEnd type="triangle"/>
+          </a:ln>
+        </p:spPr>
+        <p:style>
+          <a:lnRef idx="1">
+            <a:schemeClr val="accent1"/>
+          </a:lnRef>
+          <a:fillRef idx="0">
+            <a:schemeClr val="accent1"/>
+          </a:fillRef>
+          <a:effectRef idx="0">
+            <a:schemeClr val="accent1"/>
+          </a:effectRef>
+          <a:fontRef idx="minor">
+            <a:schemeClr val="tx1"/>
+          </a:fontRef>
+        </p:style>
+      </p:cxnSp>
+      <mc:AlternateContent xmlns:mc="http://schemas.openxmlformats.org/markup-compatibility/2006" xmlns:a14="http://schemas.microsoft.com/office/drawing/2010/main">
+        <mc:Choice Requires="a14">
+          <p:sp>
+            <p:nvSpPr>
+              <p:cNvPr id="22" name="Rectangle 21"/>
+              <p:cNvSpPr/>
+              <p:nvPr/>
+            </p:nvSpPr>
+            <p:spPr>
+              <a:xfrm>
+                <a:off x="9021797" y="1974434"/>
+                <a:ext cx="706347" cy="430887"/>
+              </a:xfrm>
+              <a:prstGeom prst="rect">
+                <a:avLst/>
+              </a:prstGeom>
+            </p:spPr>
+            <p:txBody>
+              <a:bodyPr wrap="none">
+                <a:spAutoFit/>
+              </a:bodyPr>
+              <a:lstStyle/>
+              <a:p>
+                <a:pPr/>
+                <a14:m>
+                  <m:oMathPara xmlns:m="http://schemas.openxmlformats.org/officeDocument/2006/math">
+                    <m:oMathParaPr>
+                      <m:jc m:val="centerGroup"/>
+                    </m:oMathParaPr>
+                    <m:oMath xmlns:m="http://schemas.openxmlformats.org/officeDocument/2006/math">
+                      <m:sSub>
+                        <m:sSubPr>
+                          <m:ctrlPr>
+                            <a:rPr lang="en-US" altLang="zh-CN" sz="2200" i="1">
+                              <a:latin typeface="Cambria Math" panose="02040503050406030204" pitchFamily="18" charset="0"/>
+                            </a:rPr>
+                          </m:ctrlPr>
+                        </m:sSubPr>
+                        <m:e>
+                          <m:acc>
+                            <m:accPr>
+                              <m:chr m:val="⃗"/>
+                              <m:ctrlPr>
+                                <a:rPr lang="en-US" altLang="zh-CN" sz="2200" i="1">
+                                  <a:latin typeface="Cambria Math" panose="02040503050406030204" pitchFamily="18" charset="0"/>
+                                </a:rPr>
+                              </m:ctrlPr>
+                            </m:accPr>
+                            <m:e>
+                              <m:r>
+                                <a:rPr lang="en-US" altLang="zh-CN" sz="2200" i="1">
+                                  <a:latin typeface="Cambria Math" panose="02040503050406030204" pitchFamily="18" charset="0"/>
+                                </a:rPr>
+                                <m:t>𝑟</m:t>
+                              </m:r>
+                            </m:e>
+                          </m:acc>
+                        </m:e>
+                        <m:sub>
+                          <m:r>
+                            <a:rPr lang="zh-CN" altLang="en-US" sz="2200" i="1">
+                              <a:latin typeface="Cambria Math" panose="02040503050406030204" pitchFamily="18" charset="0"/>
+                            </a:rPr>
+                            <m:t>𝛼</m:t>
+                          </m:r>
+                          <m:r>
+                            <a:rPr lang="en-US" altLang="zh-CN" sz="2200" i="1">
+                              <a:latin typeface="Cambria Math" panose="02040503050406030204" pitchFamily="18" charset="0"/>
+                            </a:rPr>
+                            <m:t>𝐵</m:t>
+                          </m:r>
+                          <m:r>
+                            <a:rPr lang="en-US" altLang="zh-CN" sz="2200" i="1">
+                              <a:latin typeface="Cambria Math" panose="02040503050406030204" pitchFamily="18" charset="0"/>
+                            </a:rPr>
+                            <m:t> </m:t>
+                          </m:r>
+                        </m:sub>
+                      </m:sSub>
+                    </m:oMath>
+                  </m:oMathPara>
+                </a14:m>
+                <a:endParaRPr lang="en-US" sz="2200" dirty="0"/>
+              </a:p>
+            </p:txBody>
+          </p:sp>
+        </mc:Choice>
+        <mc:Fallback xmlns="">
+          <p:sp>
+            <p:nvSpPr>
+              <p:cNvPr id="22" name="Rectangle 21"/>
+              <p:cNvSpPr>
+                <a:spLocks noRot="1" noChangeAspect="1" noMove="1" noResize="1" noEditPoints="1" noAdjustHandles="1" noChangeArrowheads="1" noChangeShapeType="1" noTextEdit="1"/>
+              </p:cNvSpPr>
+              <p:nvPr/>
+            </p:nvSpPr>
+            <p:spPr>
+              <a:xfrm>
+                <a:off x="9021797" y="1974434"/>
+                <a:ext cx="706347" cy="430887"/>
+              </a:xfrm>
+              <a:prstGeom prst="rect">
+                <a:avLst/>
+              </a:prstGeom>
+              <a:blipFill rotWithShape="0">
+                <a:blip r:embed="rId7"/>
+                <a:stretch>
+                  <a:fillRect t="-12676" b="-2817"/>
+                </a:stretch>
+              </a:blipFill>
+            </p:spPr>
+            <p:txBody>
+              <a:bodyPr/>
+              <a:lstStyle/>
+              <a:p>
+                <a:r>
+                  <a:rPr lang="en-US">
+                    <a:noFill/>
+                  </a:rPr>
+                  <a:t> </a:t>
+                </a:r>
+              </a:p>
+            </p:txBody>
+          </p:sp>
+        </mc:Fallback>
+      </mc:AlternateContent>
     </p:spTree>
     <p:custDataLst>
       <p:tags r:id="rId1"/>
     </p:custDataLst>
     <p:extLst>
       <p:ext uri="{BB962C8B-B14F-4D97-AF65-F5344CB8AC3E}">
-        <p14:creationId xmlns:p14="http://schemas.microsoft.com/office/powerpoint/2010/main" val="1753633843"/>
+        <p14:creationId xmlns:p14="http://schemas.microsoft.com/office/powerpoint/2010/main" val="4233613798"/>
       </p:ext>
     </p:extLst>
   </p:cSld>
@@ -45199,7 +45600,7 @@
           <a:p>
             <a:fld id="{40872E04-479B-4F77-A3BF-9D6466E75277}" type="datetime1">
               <a:rPr lang="en-GB" smtClean="0"/>
-              <a:t>18/12/2017</a:t>
+              <a:t>19/12/2017</a:t>
             </a:fld>
             <a:endParaRPr lang="en-GB" dirty="0"/>
           </a:p>
@@ -45807,7 +46208,7 @@
           <a:p>
             <a:fld id="{40872E04-479B-4F77-A3BF-9D6466E75277}" type="datetime1">
               <a:rPr lang="en-GB" smtClean="0"/>
-              <a:t>18/12/2017</a:t>
+              <a:t>19/12/2017</a:t>
             </a:fld>
             <a:endParaRPr lang="en-GB" dirty="0"/>
           </a:p>
@@ -46172,7 +46573,7 @@
           <a:graphicData uri="http://schemas.openxmlformats.org/presentationml/2006/ole">
             <mc:AlternateContent xmlns:mc="http://schemas.openxmlformats.org/markup-compatibility/2006">
               <mc:Choice xmlns:v="urn:schemas-microsoft-com:vml" Requires="v">
-                <p:oleObj spid="_x0000_s1031" name="Equation" r:id="rId6" imgW="914400" imgH="198720" progId="Equation.DSMT4">
+                <p:oleObj spid="_x0000_s1032" name="Equation" r:id="rId6" imgW="914400" imgH="198720" progId="Equation.DSMT4">
                   <p:embed/>
                 </p:oleObj>
               </mc:Choice>
@@ -46503,7 +46904,7 @@
           <a:p>
             <a:fld id="{40872E04-479B-4F77-A3BF-9D6466E75277}" type="datetime1">
               <a:rPr lang="en-GB" smtClean="0"/>
-              <a:t>18/12/2017</a:t>
+              <a:t>19/12/2017</a:t>
             </a:fld>
             <a:endParaRPr lang="en-GB" dirty="0"/>
           </a:p>
@@ -46939,7 +47340,7 @@
           <a:p>
             <a:fld id="{40872E04-479B-4F77-A3BF-9D6466E75277}" type="datetime1">
               <a:rPr lang="en-GB" smtClean="0"/>
-              <a:t>18/12/2017</a:t>
+              <a:t>19/12/2017</a:t>
             </a:fld>
             <a:endParaRPr lang="en-GB" dirty="0"/>
           </a:p>
@@ -47367,7 +47768,7 @@
           <a:p>
             <a:fld id="{40872E04-479B-4F77-A3BF-9D6466E75277}" type="datetime1">
               <a:rPr lang="en-GB" smtClean="0"/>
-              <a:t>18/12/2017</a:t>
+              <a:t>19/12/2017</a:t>
             </a:fld>
             <a:endParaRPr lang="en-GB" dirty="0"/>
           </a:p>
@@ -47753,7 +48154,7 @@
           <a:p>
             <a:fld id="{40872E04-479B-4F77-A3BF-9D6466E75277}" type="datetime1">
               <a:rPr lang="en-GB" smtClean="0"/>
-              <a:t>18/12/2017</a:t>
+              <a:t>19/12/2017</a:t>
             </a:fld>
             <a:endParaRPr lang="en-GB" dirty="0"/>
           </a:p>
@@ -48132,7 +48533,7 @@
           <a:p>
             <a:fld id="{40872E04-479B-4F77-A3BF-9D6466E75277}" type="datetime1">
               <a:rPr lang="en-GB" smtClean="0"/>
-              <a:t>18/12/2017</a:t>
+              <a:t>19/12/2017</a:t>
             </a:fld>
             <a:endParaRPr lang="en-GB" dirty="0"/>
           </a:p>
@@ -48425,11 +48826,11 @@
   <p:clrMapOvr>
     <a:masterClrMapping/>
   </p:clrMapOvr>
-  <mc:AlternateContent xmlns:mc="http://schemas.openxmlformats.org/markup-compatibility/2006">
-    <mc:Choice xmlns:p14="http://schemas.microsoft.com/office/powerpoint/2010/main" Requires="p14">
+  <mc:AlternateContent xmlns:mc="http://schemas.openxmlformats.org/markup-compatibility/2006" xmlns:p14="http://schemas.microsoft.com/office/powerpoint/2010/main">
+    <mc:Choice Requires="p14">
       <p:transition p14:dur="10"/>
     </mc:Choice>
-    <mc:Fallback>
+    <mc:Fallback xmlns="">
       <p:transition/>
     </mc:Fallback>
   </mc:AlternateContent>
@@ -48470,7 +48871,7 @@
           <a:p>
             <a:fld id="{40872E04-479B-4F77-A3BF-9D6466E75277}" type="datetime1">
               <a:rPr lang="en-GB" smtClean="0"/>
-              <a:t>18/12/2017</a:t>
+              <a:t>19/12/2017</a:t>
             </a:fld>
             <a:endParaRPr lang="en-GB" dirty="0"/>
           </a:p>
@@ -48738,7 +49139,7 @@
           <a:p>
             <a:fld id="{40872E04-479B-4F77-A3BF-9D6466E75277}" type="datetime1">
               <a:rPr lang="en-GB" smtClean="0"/>
-              <a:t>18/12/2017</a:t>
+              <a:t>19/12/2017</a:t>
             </a:fld>
             <a:endParaRPr lang="en-GB" dirty="0"/>
           </a:p>
@@ -49110,7 +49511,7 @@
           <a:p>
             <a:fld id="{40872E04-479B-4F77-A3BF-9D6466E75277}" type="datetime1">
               <a:rPr lang="en-GB" smtClean="0"/>
-              <a:t>18/12/2017</a:t>
+              <a:t>19/12/2017</a:t>
             </a:fld>
             <a:endParaRPr lang="en-GB" dirty="0"/>
           </a:p>
@@ -49451,7 +49852,7 @@
           <a:p>
             <a:fld id="{40872E04-479B-4F77-A3BF-9D6466E75277}" type="datetime1">
               <a:rPr lang="en-GB" smtClean="0"/>
-              <a:t>18/12/2017</a:t>
+              <a:t>19/12/2017</a:t>
             </a:fld>
             <a:endParaRPr lang="en-GB" dirty="0"/>
           </a:p>
@@ -49795,7 +50196,7 @@
           <a:p>
             <a:fld id="{40872E04-479B-4F77-A3BF-9D6466E75277}" type="datetime1">
               <a:rPr lang="en-GB" smtClean="0"/>
-              <a:t>18/12/2017</a:t>
+              <a:t>19/12/2017</a:t>
             </a:fld>
             <a:endParaRPr lang="en-GB" dirty="0"/>
           </a:p>
@@ -50020,7 +50421,7 @@
           <a:graphicData uri="http://schemas.openxmlformats.org/presentationml/2006/ole">
             <mc:AlternateContent xmlns:mc="http://schemas.openxmlformats.org/markup-compatibility/2006">
               <mc:Choice xmlns:v="urn:schemas-microsoft-com:vml" Requires="v">
-                <p:oleObj spid="_x0000_s3080" name="Equation" r:id="rId6" imgW="3073320" imgH="634680" progId="Equation.DSMT4">
+                <p:oleObj spid="_x0000_s3081" name="Equation" r:id="rId6" imgW="3073320" imgH="634680" progId="Equation.DSMT4">
                   <p:embed/>
                 </p:oleObj>
               </mc:Choice>
@@ -50113,7 +50514,7 @@
           <a:p>
             <a:fld id="{40872E04-479B-4F77-A3BF-9D6466E75277}" type="datetime1">
               <a:rPr lang="en-GB" smtClean="0"/>
-              <a:t>18/12/2017</a:t>
+              <a:t>19/12/2017</a:t>
             </a:fld>
             <a:endParaRPr lang="en-GB" dirty="0"/>
           </a:p>
@@ -50458,7 +50859,7 @@
           <a:p>
             <a:fld id="{40872E04-479B-4F77-A3BF-9D6466E75277}" type="datetime1">
               <a:rPr lang="en-GB" smtClean="0"/>
-              <a:t>18/12/2017</a:t>
+              <a:t>19/12/2017</a:t>
             </a:fld>
             <a:endParaRPr lang="en-GB" dirty="0"/>
           </a:p>
@@ -50798,7 +51199,7 @@
           <a:p>
             <a:fld id="{40872E04-479B-4F77-A3BF-9D6466E75277}" type="datetime1">
               <a:rPr lang="en-GB" smtClean="0"/>
-              <a:t>18/12/2017</a:t>
+              <a:t>19/12/2017</a:t>
             </a:fld>
             <a:endParaRPr lang="en-GB" dirty="0"/>
           </a:p>
@@ -51280,7 +51681,7 @@
           <a:p>
             <a:fld id="{40872E04-479B-4F77-A3BF-9D6466E75277}" type="datetime1">
               <a:rPr lang="en-GB" smtClean="0"/>
-              <a:t>18/12/2017</a:t>
+              <a:t>19/12/2017</a:t>
             </a:fld>
             <a:endParaRPr lang="en-GB" dirty="0"/>
           </a:p>
@@ -51494,290 +51895,636 @@
           </a:p>
         </p:txBody>
       </p:sp>
-      <p:sp>
-        <p:nvSpPr>
-          <p:cNvPr id="8" name="TextBox 7"/>
-          <p:cNvSpPr txBox="1"/>
+      <p:grpSp>
+        <p:nvGrpSpPr>
+          <p:cNvPr id="37" name="Group 36"/>
+          <p:cNvGrpSpPr/>
           <p:nvPr/>
-        </p:nvSpPr>
-        <p:spPr>
+        </p:nvGrpSpPr>
+        <p:grpSpPr>
           <a:xfrm>
-            <a:off x="646096" y="1263821"/>
-            <a:ext cx="8812946" cy="5447645"/>
+            <a:off x="239371" y="1387355"/>
+            <a:ext cx="8812946" cy="3908762"/>
+            <a:chOff x="225083" y="1460971"/>
+            <a:chExt cx="8812946" cy="3908762"/>
           </a:xfrm>
-          <a:prstGeom prst="rect">
-            <a:avLst/>
-          </a:prstGeom>
-          <a:noFill/>
-        </p:spPr>
-        <p:txBody>
-          <a:bodyPr wrap="square" rtlCol="0">
-            <a:spAutoFit/>
-          </a:bodyPr>
-          <a:lstStyle/>
-          <a:p>
-            <a:pPr marL="342900" indent="-342900">
-              <a:buFont typeface="Arial"/>
-              <a:buChar char="•"/>
-            </a:pPr>
-            <a:r>
-              <a:rPr lang="en-US" sz="2400" dirty="0"/>
-              <a:t>Force due to Destination</a:t>
-            </a:r>
-          </a:p>
-          <a:p>
-            <a:pPr marL="1200150" lvl="2" indent="-285750">
-              <a:buFont typeface="Wingdings" charset="2"/>
-              <a:buChar char="Ø"/>
-            </a:pPr>
-            <a:endParaRPr lang="en-US" dirty="0"/>
-          </a:p>
-          <a:p>
-            <a:pPr marL="1200150" lvl="2" indent="-285750">
-              <a:buFont typeface="Wingdings" charset="2"/>
-              <a:buChar char="Ø"/>
-            </a:pPr>
-            <a:r>
-              <a:rPr lang="en-US" dirty="0"/>
-              <a:t>Considering a pedestrian </a:t>
-            </a:r>
-            <a:r>
-              <a:rPr lang="en-US" dirty="0" err="1"/>
-              <a:t>alfa</a:t>
-            </a:r>
-            <a:r>
-              <a:rPr lang="en-US" dirty="0"/>
-              <a:t>:</a:t>
-            </a:r>
-          </a:p>
-          <a:p>
-            <a:pPr marL="285750" indent="-285750">
-              <a:buFont typeface="Arial" panose="020B0604020202020204" pitchFamily="34" charset="0"/>
-              <a:buChar char="•"/>
-            </a:pPr>
-            <a:endParaRPr lang="en-US" sz="2800" dirty="0"/>
-          </a:p>
-          <a:p>
-            <a:pPr marL="285750" indent="-285750">
-              <a:buFont typeface="Arial" panose="020B0604020202020204" pitchFamily="34" charset="0"/>
-              <a:buChar char="•"/>
-            </a:pPr>
-            <a:endParaRPr lang="en-US" sz="2800" dirty="0"/>
-          </a:p>
-          <a:p>
-            <a:endParaRPr lang="en-US" sz="2800" dirty="0"/>
-          </a:p>
-          <a:p>
-            <a:pPr marL="342900" indent="-342900">
-              <a:buFont typeface="Arial"/>
-              <a:buChar char="•"/>
-            </a:pPr>
-            <a:r>
-              <a:rPr lang="en-US" sz="2400" dirty="0"/>
-              <a:t>Force due to other pedestrians</a:t>
-            </a:r>
-          </a:p>
-          <a:p>
-            <a:pPr marL="1257300" lvl="2" indent="-342900">
-              <a:buFont typeface="Wingdings" charset="2"/>
-              <a:buChar char="Ø"/>
-            </a:pPr>
-            <a:endParaRPr lang="en-US" dirty="0"/>
-          </a:p>
-          <a:p>
-            <a:pPr marL="1257300" lvl="2" indent="-342900">
-              <a:buFont typeface="Wingdings" charset="2"/>
-              <a:buChar char="Ø"/>
-            </a:pPr>
-            <a:r>
-              <a:rPr lang="en-US" dirty="0"/>
-              <a:t>Monotonic decreasing force field with elliptical shape</a:t>
-            </a:r>
-          </a:p>
-          <a:p>
-            <a:pPr marL="1257300" lvl="2" indent="-342900">
-              <a:buFont typeface="Wingdings" charset="2"/>
-              <a:buChar char="Ø"/>
-            </a:pPr>
-            <a:endParaRPr lang="en-US" dirty="0"/>
-          </a:p>
-          <a:p>
-            <a:pPr marL="1257300" lvl="2" indent="-342900">
-              <a:buFont typeface="Wingdings" charset="2"/>
-              <a:buChar char="Ø"/>
-            </a:pPr>
-            <a:endParaRPr lang="en-US" dirty="0"/>
-          </a:p>
-          <a:p>
-            <a:pPr marL="1257300" lvl="2" indent="-342900">
-              <a:buFont typeface="Wingdings" charset="2"/>
-              <a:buChar char="Ø"/>
-            </a:pPr>
-            <a:endParaRPr lang="en-US" dirty="0"/>
-          </a:p>
-          <a:p>
-            <a:pPr lvl="2"/>
-            <a:r>
-              <a:rPr lang="en-US" dirty="0"/>
-              <a:t>Explain w</a:t>
-            </a:r>
-          </a:p>
-          <a:p>
-            <a:pPr marL="1257300" lvl="2" indent="-342900">
-              <a:buFont typeface="Wingdings" charset="2"/>
-              <a:buChar char="Ø"/>
-            </a:pPr>
-            <a:endParaRPr lang="en-US" dirty="0"/>
-          </a:p>
-          <a:p>
-            <a:pPr marL="1257300" lvl="2" indent="-342900">
-              <a:buFont typeface="Wingdings" charset="2"/>
-              <a:buChar char="Ø"/>
-            </a:pPr>
-            <a:endParaRPr lang="en-US" dirty="0"/>
-          </a:p>
-          <a:p>
-            <a:pPr marL="1257300" lvl="2" indent="-342900">
-              <a:buFont typeface="Wingdings" charset="2"/>
-              <a:buChar char="Ø"/>
-            </a:pPr>
-            <a:endParaRPr lang="en-US" dirty="0"/>
-          </a:p>
-          <a:p>
-            <a:pPr marL="1257300" lvl="2" indent="-342900">
-              <a:buFont typeface="Wingdings" charset="2"/>
-              <a:buChar char="Ø"/>
-            </a:pPr>
-            <a:r>
-              <a:rPr lang="en-US" dirty="0"/>
-              <a:t>Pedestrian affected differently by people in front or behind him/her </a:t>
-            </a:r>
-          </a:p>
-        </p:txBody>
-      </p:sp>
-      <p:sp>
-        <p:nvSpPr>
-          <p:cNvPr id="5" name="TextBox 4"/>
-          <p:cNvSpPr txBox="1"/>
+        </p:grpSpPr>
+        <p:sp>
+          <p:nvSpPr>
+            <p:cNvPr id="8" name="TextBox 7"/>
+            <p:cNvSpPr txBox="1"/>
+            <p:nvPr/>
+          </p:nvSpPr>
+          <p:spPr>
+            <a:xfrm>
+              <a:off x="225083" y="1460971"/>
+              <a:ext cx="8812946" cy="3908762"/>
+            </a:xfrm>
+            <a:prstGeom prst="rect">
+              <a:avLst/>
+            </a:prstGeom>
+            <a:noFill/>
+          </p:spPr>
+          <p:txBody>
+            <a:bodyPr wrap="square" rtlCol="0">
+              <a:spAutoFit/>
+            </a:bodyPr>
+            <a:lstStyle/>
+            <a:p>
+              <a:pPr marL="342900" indent="-342900">
+                <a:buFont typeface="Arial"/>
+                <a:buChar char="•"/>
+              </a:pPr>
+              <a:r>
+                <a:rPr lang="en-US" sz="2400" dirty="0"/>
+                <a:t>Force due to Destination</a:t>
+              </a:r>
+            </a:p>
+            <a:p>
+              <a:pPr marL="1200150" lvl="2" indent="-285750">
+                <a:buFont typeface="Wingdings" charset="2"/>
+                <a:buChar char="Ø"/>
+              </a:pPr>
+              <a:endParaRPr lang="en-US" dirty="0"/>
+            </a:p>
+            <a:p>
+              <a:pPr marL="1200150" lvl="2" indent="-285750">
+                <a:buFont typeface="Wingdings" charset="2"/>
+                <a:buChar char="Ø"/>
+              </a:pPr>
+              <a:r>
+                <a:rPr lang="en-US" dirty="0"/>
+                <a:t>Considering a pedestrian </a:t>
+              </a:r>
+              <a:r>
+                <a:rPr lang="en-US" dirty="0" err="1"/>
+                <a:t>alfa</a:t>
+              </a:r>
+              <a:r>
+                <a:rPr lang="en-US" dirty="0"/>
+                <a:t>:</a:t>
+              </a:r>
+            </a:p>
+            <a:p>
+              <a:pPr marL="285750" indent="-285750">
+                <a:buFont typeface="Arial" panose="020B0604020202020204" pitchFamily="34" charset="0"/>
+                <a:buChar char="•"/>
+              </a:pPr>
+              <a:endParaRPr lang="en-US" sz="2800" dirty="0"/>
+            </a:p>
+            <a:p>
+              <a:endParaRPr lang="en-US" sz="2800" dirty="0"/>
+            </a:p>
+            <a:p>
+              <a:pPr marL="342900" indent="-342900">
+                <a:buFont typeface="Arial"/>
+                <a:buChar char="•"/>
+              </a:pPr>
+              <a:r>
+                <a:rPr lang="en-US" sz="2400" dirty="0"/>
+                <a:t>Force due to other pedestrians</a:t>
+              </a:r>
+            </a:p>
+            <a:p>
+              <a:pPr marL="1257300" lvl="2" indent="-342900">
+                <a:buFont typeface="Wingdings" charset="2"/>
+                <a:buChar char="Ø"/>
+              </a:pPr>
+              <a:endParaRPr lang="en-US" dirty="0"/>
+            </a:p>
+            <a:p>
+              <a:pPr marL="1257300" lvl="2" indent="-342900">
+                <a:buFont typeface="Wingdings" charset="2"/>
+                <a:buChar char="Ø"/>
+              </a:pPr>
+              <a:r>
+                <a:rPr lang="en-US" dirty="0"/>
+                <a:t>Monotonic decreasing force field with elliptical shape</a:t>
+              </a:r>
+            </a:p>
+            <a:p>
+              <a:pPr marL="1257300" lvl="2" indent="-342900">
+                <a:buFont typeface="Wingdings" charset="2"/>
+                <a:buChar char="Ø"/>
+              </a:pPr>
+              <a:endParaRPr lang="en-US" dirty="0"/>
+            </a:p>
+            <a:p>
+              <a:pPr lvl="2"/>
+              <a:endParaRPr lang="en-US" dirty="0"/>
+            </a:p>
+            <a:p>
+              <a:pPr marL="1257300" lvl="2" indent="-342900">
+                <a:buFont typeface="Wingdings" charset="2"/>
+                <a:buChar char="Ø"/>
+              </a:pPr>
+              <a:endParaRPr lang="en-US" dirty="0"/>
+            </a:p>
+            <a:p>
+              <a:pPr marL="1257300" lvl="2" indent="-342900">
+                <a:buFont typeface="Wingdings" charset="2"/>
+                <a:buChar char="Ø"/>
+              </a:pPr>
+              <a:endParaRPr lang="en-US" dirty="0"/>
+            </a:p>
+          </p:txBody>
+        </p:sp>
+        <mc:AlternateContent xmlns:mc="http://schemas.openxmlformats.org/markup-compatibility/2006" xmlns:a14="http://schemas.microsoft.com/office/drawing/2010/main">
+          <mc:Choice Requires="a14">
+            <p:sp>
+              <p:nvSpPr>
+                <p:cNvPr id="17" name="TextBox 16">
+                  <a:extLst>
+                    <a:ext uri="{FF2B5EF4-FFF2-40B4-BE49-F238E27FC236}">
+                      <a16:creationId xmlns:a16="http://schemas.microsoft.com/office/drawing/2014/main" id="{D4BDF5E8-E7C3-478A-8378-D76F4624A1D3}"/>
+                    </a:ext>
+                  </a:extLst>
+                </p:cNvPr>
+                <p:cNvSpPr txBox="1"/>
+                <p:nvPr/>
+              </p:nvSpPr>
+              <p:spPr>
+                <a:xfrm>
+                  <a:off x="1421200" y="2557358"/>
+                  <a:ext cx="3386825" cy="479940"/>
+                </a:xfrm>
+                <a:prstGeom prst="rect">
+                  <a:avLst/>
+                </a:prstGeom>
+                <a:noFill/>
+              </p:spPr>
+              <p:txBody>
+                <a:bodyPr wrap="none" lIns="0" tIns="0" rIns="0" bIns="0" rtlCol="0">
+                  <a:spAutoFit/>
+                </a:bodyPr>
+                <a:lstStyle/>
+                <a:p>
+                  <a14:m>
+                    <m:oMath xmlns:m="http://schemas.openxmlformats.org/officeDocument/2006/math">
+                      <m:sSubSup>
+                        <m:sSubSupPr>
+                          <m:ctrlPr>
+                            <a:rPr lang="en-US" altLang="zh-CN" sz="2200" b="0" i="1" smtClean="0">
+                              <a:latin typeface="Cambria Math" panose="02040503050406030204" pitchFamily="18" charset="0"/>
+                            </a:rPr>
+                          </m:ctrlPr>
+                        </m:sSubSupPr>
+                        <m:e>
+                          <m:r>
+                            <a:rPr lang="en-US" altLang="zh-CN" sz="2200" b="0" i="1" smtClean="0">
+                              <a:latin typeface="Cambria Math" panose="02040503050406030204" pitchFamily="18" charset="0"/>
+                            </a:rPr>
+                            <m:t>𝐹</m:t>
+                          </m:r>
+                        </m:e>
+                        <m:sub>
+                          <m:r>
+                            <a:rPr lang="zh-CN" altLang="en-US" sz="2200" b="0" i="1" smtClean="0">
+                              <a:latin typeface="Cambria Math" panose="02040503050406030204" pitchFamily="18" charset="0"/>
+                            </a:rPr>
+                            <m:t>𝛼</m:t>
+                          </m:r>
+                        </m:sub>
+                        <m:sup>
+                          <m:r>
+                            <a:rPr lang="en-US" altLang="zh-CN" sz="2200" b="0" i="1" smtClean="0">
+                              <a:latin typeface="Cambria Math" panose="02040503050406030204" pitchFamily="18" charset="0"/>
+                            </a:rPr>
+                            <m:t>0</m:t>
+                          </m:r>
+                        </m:sup>
+                      </m:sSubSup>
+                      <m:d>
+                        <m:dPr>
+                          <m:ctrlPr>
+                            <a:rPr lang="en-US" altLang="zh-CN" sz="2200" b="0" i="1" smtClean="0">
+                              <a:latin typeface="Cambria Math" panose="02040503050406030204" pitchFamily="18" charset="0"/>
+                            </a:rPr>
+                          </m:ctrlPr>
+                        </m:dPr>
+                        <m:e>
+                          <m:sSub>
+                            <m:sSubPr>
+                              <m:ctrlPr>
+                                <a:rPr lang="en-US" altLang="zh-CN" sz="2200" b="0" i="1" smtClean="0">
+                                  <a:latin typeface="Cambria Math" panose="02040503050406030204" pitchFamily="18" charset="0"/>
+                                </a:rPr>
+                              </m:ctrlPr>
+                            </m:sSubPr>
+                            <m:e>
+                              <m:acc>
+                                <m:accPr>
+                                  <m:chr m:val="⃗"/>
+                                  <m:ctrlPr>
+                                    <a:rPr lang="en-US" altLang="zh-CN" sz="2200" b="0" i="1" smtClean="0">
+                                      <a:latin typeface="Cambria Math" panose="02040503050406030204" pitchFamily="18" charset="0"/>
+                                    </a:rPr>
+                                  </m:ctrlPr>
+                                </m:accPr>
+                                <m:e>
+                                  <m:r>
+                                    <a:rPr lang="en-US" altLang="zh-CN" sz="2200" b="0" i="1" smtClean="0">
+                                      <a:latin typeface="Cambria Math" panose="02040503050406030204" pitchFamily="18" charset="0"/>
+                                    </a:rPr>
+                                    <m:t>𝑣</m:t>
+                                  </m:r>
+                                </m:e>
+                              </m:acc>
+                            </m:e>
+                            <m:sub>
+                              <m:r>
+                                <a:rPr lang="zh-CN" altLang="en-US" sz="2200" b="0" i="1" smtClean="0">
+                                  <a:latin typeface="Cambria Math" panose="02040503050406030204" pitchFamily="18" charset="0"/>
+                                </a:rPr>
+                                <m:t>𝛼</m:t>
+                              </m:r>
+                            </m:sub>
+                          </m:sSub>
+                          <m:r>
+                            <a:rPr lang="en-US" altLang="zh-CN" sz="2200" b="0" i="1" smtClean="0">
+                              <a:latin typeface="Cambria Math" panose="02040503050406030204" pitchFamily="18" charset="0"/>
+                            </a:rPr>
+                            <m:t>,</m:t>
+                          </m:r>
+                          <m:sSubSup>
+                            <m:sSubSupPr>
+                              <m:ctrlPr>
+                                <a:rPr lang="en-US" altLang="zh-CN" sz="2200" b="0" i="1" smtClean="0">
+                                  <a:latin typeface="Cambria Math" panose="02040503050406030204" pitchFamily="18" charset="0"/>
+                                </a:rPr>
+                              </m:ctrlPr>
+                            </m:sSubSupPr>
+                            <m:e>
+                              <m:acc>
+                                <m:accPr>
+                                  <m:chr m:val="⃗"/>
+                                  <m:ctrlPr>
+                                    <a:rPr lang="en-US" altLang="zh-CN" sz="2200" b="0" i="1" smtClean="0">
+                                      <a:latin typeface="Cambria Math" panose="02040503050406030204" pitchFamily="18" charset="0"/>
+                                    </a:rPr>
+                                  </m:ctrlPr>
+                                </m:accPr>
+                                <m:e>
+                                  <m:r>
+                                    <a:rPr lang="en-US" altLang="zh-CN" sz="2200" b="0" i="1" smtClean="0">
+                                      <a:latin typeface="Cambria Math" panose="02040503050406030204" pitchFamily="18" charset="0"/>
+                                    </a:rPr>
+                                    <m:t>𝑣</m:t>
+                                  </m:r>
+                                </m:e>
+                              </m:acc>
+                            </m:e>
+                            <m:sub>
+                              <m:r>
+                                <a:rPr lang="zh-CN" altLang="en-US" sz="2200" b="0" i="1" smtClean="0">
+                                  <a:latin typeface="Cambria Math" panose="02040503050406030204" pitchFamily="18" charset="0"/>
+                                </a:rPr>
+                                <m:t>𝛼</m:t>
+                              </m:r>
+                            </m:sub>
+                            <m:sup>
+                              <m:r>
+                                <a:rPr lang="en-US" altLang="zh-CN" sz="2200" b="0" i="1" smtClean="0">
+                                  <a:latin typeface="Cambria Math" panose="02040503050406030204" pitchFamily="18" charset="0"/>
+                                </a:rPr>
+                                <m:t>0</m:t>
+                              </m:r>
+                            </m:sup>
+                          </m:sSubSup>
+                          <m:sSub>
+                            <m:sSubPr>
+                              <m:ctrlPr>
+                                <a:rPr lang="en-US" altLang="zh-CN" sz="2200" b="0" i="1" smtClean="0">
+                                  <a:latin typeface="Cambria Math" panose="02040503050406030204" pitchFamily="18" charset="0"/>
+                                </a:rPr>
+                              </m:ctrlPr>
+                            </m:sSubPr>
+                            <m:e>
+                              <m:acc>
+                                <m:accPr>
+                                  <m:chr m:val="⃗"/>
+                                  <m:ctrlPr>
+                                    <a:rPr lang="en-US" altLang="zh-CN" sz="2200" b="0" i="1" smtClean="0">
+                                      <a:latin typeface="Cambria Math" panose="02040503050406030204" pitchFamily="18" charset="0"/>
+                                    </a:rPr>
+                                  </m:ctrlPr>
+                                </m:accPr>
+                                <m:e>
+                                  <m:r>
+                                    <a:rPr lang="en-US" altLang="zh-CN" sz="2200" b="0" i="1" smtClean="0">
+                                      <a:latin typeface="Cambria Math" panose="02040503050406030204" pitchFamily="18" charset="0"/>
+                                    </a:rPr>
+                                    <m:t>𝑒</m:t>
+                                  </m:r>
+                                </m:e>
+                              </m:acc>
+                            </m:e>
+                            <m:sub>
+                              <m:r>
+                                <a:rPr lang="zh-CN" altLang="en-US" sz="2200" b="0" i="1" smtClean="0">
+                                  <a:latin typeface="Cambria Math" panose="02040503050406030204" pitchFamily="18" charset="0"/>
+                                </a:rPr>
+                                <m:t>𝛼</m:t>
+                              </m:r>
+                            </m:sub>
+                          </m:sSub>
+                        </m:e>
+                      </m:d>
+                      <m:r>
+                        <a:rPr lang="en-US" altLang="zh-CN" sz="2200" b="0" i="1" smtClean="0">
+                          <a:latin typeface="Cambria Math" panose="02040503050406030204" pitchFamily="18" charset="0"/>
+                        </a:rPr>
+                        <m:t>≔</m:t>
+                      </m:r>
+                      <m:f>
+                        <m:fPr>
+                          <m:ctrlPr>
+                            <a:rPr lang="en-US" altLang="zh-CN" sz="2200" b="0" i="1" smtClean="0">
+                              <a:latin typeface="Cambria Math" panose="02040503050406030204" pitchFamily="18" charset="0"/>
+                            </a:rPr>
+                          </m:ctrlPr>
+                        </m:fPr>
+                        <m:num>
+                          <m:r>
+                            <a:rPr lang="en-US" altLang="zh-CN" sz="2200" b="0" i="1" smtClean="0">
+                              <a:latin typeface="Cambria Math" panose="02040503050406030204" pitchFamily="18" charset="0"/>
+                            </a:rPr>
+                            <m:t>1</m:t>
+                          </m:r>
+                        </m:num>
+                        <m:den>
+                          <m:r>
+                            <a:rPr lang="zh-CN" altLang="en-US" sz="2200" b="0" i="1" smtClean="0">
+                              <a:latin typeface="Cambria Math" panose="02040503050406030204" pitchFamily="18" charset="0"/>
+                            </a:rPr>
+                            <m:t>𝜏</m:t>
+                          </m:r>
+                        </m:den>
+                      </m:f>
+                      <m:r>
+                        <a:rPr lang="en-US" altLang="zh-CN" sz="2200" b="0" i="1" smtClean="0">
+                          <a:latin typeface="Cambria Math" panose="02040503050406030204" pitchFamily="18" charset="0"/>
+                        </a:rPr>
+                        <m:t>(</m:t>
+                      </m:r>
+                      <m:sSubSup>
+                        <m:sSubSupPr>
+                          <m:ctrlPr>
+                            <a:rPr lang="en-US" altLang="zh-CN" sz="2200" i="1">
+                              <a:latin typeface="Cambria Math" panose="02040503050406030204" pitchFamily="18" charset="0"/>
+                            </a:rPr>
+                          </m:ctrlPr>
+                        </m:sSubSupPr>
+                        <m:e>
+                          <m:acc>
+                            <m:accPr>
+                              <m:chr m:val="⃗"/>
+                              <m:ctrlPr>
+                                <a:rPr lang="en-US" altLang="zh-CN" sz="2200" i="1">
+                                  <a:latin typeface="Cambria Math" panose="02040503050406030204" pitchFamily="18" charset="0"/>
+                                </a:rPr>
+                              </m:ctrlPr>
+                            </m:accPr>
+                            <m:e>
+                              <m:r>
+                                <a:rPr lang="en-US" altLang="zh-CN" sz="2200" i="1">
+                                  <a:latin typeface="Cambria Math" panose="02040503050406030204" pitchFamily="18" charset="0"/>
+                                </a:rPr>
+                                <m:t>𝑣</m:t>
+                              </m:r>
+                            </m:e>
+                          </m:acc>
+                        </m:e>
+                        <m:sub>
+                          <m:r>
+                            <a:rPr lang="zh-CN" altLang="en-US" sz="2200" i="1">
+                              <a:latin typeface="Cambria Math" panose="02040503050406030204" pitchFamily="18" charset="0"/>
+                            </a:rPr>
+                            <m:t>𝛼</m:t>
+                          </m:r>
+                        </m:sub>
+                        <m:sup>
+                          <m:r>
+                            <a:rPr lang="en-US" altLang="zh-CN" sz="2200" i="1">
+                              <a:latin typeface="Cambria Math" panose="02040503050406030204" pitchFamily="18" charset="0"/>
+                            </a:rPr>
+                            <m:t>0</m:t>
+                          </m:r>
+                        </m:sup>
+                      </m:sSubSup>
+                      <m:sSub>
+                        <m:sSubPr>
+                          <m:ctrlPr>
+                            <a:rPr lang="en-US" altLang="zh-CN" sz="2200" i="1">
+                              <a:latin typeface="Cambria Math" panose="02040503050406030204" pitchFamily="18" charset="0"/>
+                            </a:rPr>
+                          </m:ctrlPr>
+                        </m:sSubPr>
+                        <m:e>
+                          <m:acc>
+                            <m:accPr>
+                              <m:chr m:val="⃗"/>
+                              <m:ctrlPr>
+                                <a:rPr lang="en-US" altLang="zh-CN" sz="2200" i="1">
+                                  <a:latin typeface="Cambria Math" panose="02040503050406030204" pitchFamily="18" charset="0"/>
+                                </a:rPr>
+                              </m:ctrlPr>
+                            </m:accPr>
+                            <m:e>
+                              <m:r>
+                                <a:rPr lang="en-US" altLang="zh-CN" sz="2200" i="1">
+                                  <a:latin typeface="Cambria Math" panose="02040503050406030204" pitchFamily="18" charset="0"/>
+                                </a:rPr>
+                                <m:t>𝑒</m:t>
+                              </m:r>
+                            </m:e>
+                          </m:acc>
+                        </m:e>
+                        <m:sub>
+                          <m:r>
+                            <a:rPr lang="zh-CN" altLang="en-US" sz="2200" i="1">
+                              <a:latin typeface="Cambria Math" panose="02040503050406030204" pitchFamily="18" charset="0"/>
+                            </a:rPr>
+                            <m:t>𝛼</m:t>
+                          </m:r>
+                        </m:sub>
+                      </m:sSub>
+                    </m:oMath>
+                  </a14:m>
+                  <a:r>
+                    <a:rPr lang="en-US" altLang="zh-CN" sz="2200" dirty="0"/>
+                    <a:t>- </a:t>
+                  </a:r>
+                  <a14:m>
+                    <m:oMath xmlns:m="http://schemas.openxmlformats.org/officeDocument/2006/math">
+                      <m:sSub>
+                        <m:sSubPr>
+                          <m:ctrlPr>
+                            <a:rPr lang="en-US" altLang="zh-CN" sz="2200" i="1">
+                              <a:latin typeface="Cambria Math" panose="02040503050406030204" pitchFamily="18" charset="0"/>
+                            </a:rPr>
+                          </m:ctrlPr>
+                        </m:sSubPr>
+                        <m:e>
+                          <m:acc>
+                            <m:accPr>
+                              <m:chr m:val="⃗"/>
+                              <m:ctrlPr>
+                                <a:rPr lang="en-US" altLang="zh-CN" sz="2200" i="1">
+                                  <a:latin typeface="Cambria Math" panose="02040503050406030204" pitchFamily="18" charset="0"/>
+                                </a:rPr>
+                              </m:ctrlPr>
+                            </m:accPr>
+                            <m:e>
+                              <m:r>
+                                <a:rPr lang="en-US" altLang="zh-CN" sz="2200" i="1">
+                                  <a:latin typeface="Cambria Math" panose="02040503050406030204" pitchFamily="18" charset="0"/>
+                                </a:rPr>
+                                <m:t>𝑣</m:t>
+                              </m:r>
+                            </m:e>
+                          </m:acc>
+                        </m:e>
+                        <m:sub>
+                          <m:r>
+                            <a:rPr lang="zh-CN" altLang="en-US" sz="2200" i="1">
+                              <a:latin typeface="Cambria Math" panose="02040503050406030204" pitchFamily="18" charset="0"/>
+                            </a:rPr>
+                            <m:t>𝛼</m:t>
+                          </m:r>
+                        </m:sub>
+                      </m:sSub>
+                    </m:oMath>
+                  </a14:m>
+                  <a:r>
+                    <a:rPr lang="en-US" altLang="zh-CN" sz="2200" dirty="0"/>
+                    <a:t>)</a:t>
+                  </a:r>
+                  <a:endParaRPr lang="zh-CN" altLang="en-US" sz="2200" dirty="0"/>
+                </a:p>
+              </p:txBody>
+            </p:sp>
+          </mc:Choice>
+          <mc:Fallback xmlns="">
+            <p:sp>
+              <p:nvSpPr>
+                <p:cNvPr id="17" name="TextBox 16">
+                  <a:extLst>
+                    <a:ext uri="{FF2B5EF4-FFF2-40B4-BE49-F238E27FC236}">
+                      <a16:creationId xmlns:a16="http://schemas.microsoft.com/office/drawing/2014/main" xmlns:a14="http://schemas.microsoft.com/office/drawing/2010/main" xmlns="" id="{D4BDF5E8-E7C3-478A-8378-D76F4624A1D3}"/>
+                    </a:ext>
+                  </a:extLst>
+                </p:cNvPr>
+                <p:cNvSpPr txBox="1">
+                  <a:spLocks noRot="1" noChangeAspect="1" noMove="1" noResize="1" noEditPoints="1" noAdjustHandles="1" noChangeArrowheads="1" noChangeShapeType="1" noTextEdit="1"/>
+                </p:cNvSpPr>
+                <p:nvPr/>
+              </p:nvSpPr>
+              <p:spPr>
+                <a:xfrm>
+                  <a:off x="1421200" y="2557358"/>
+                  <a:ext cx="3386825" cy="479940"/>
+                </a:xfrm>
+                <a:prstGeom prst="rect">
+                  <a:avLst/>
+                </a:prstGeom>
+                <a:blipFill rotWithShape="0">
+                  <a:blip r:embed="rId4"/>
+                  <a:stretch>
+                    <a:fillRect t="-3797" r="-3957" b="-18987"/>
+                  </a:stretch>
+                </a:blipFill>
+              </p:spPr>
+              <p:txBody>
+                <a:bodyPr/>
+                <a:lstStyle/>
+                <a:p>
+                  <a:r>
+                    <a:rPr lang="en-US">
+                      <a:noFill/>
+                    </a:rPr>
+                    <a:t> </a:t>
+                  </a:r>
+                </a:p>
+              </p:txBody>
+            </p:sp>
+          </mc:Fallback>
+        </mc:AlternateContent>
+      </p:grpSp>
+      <p:grpSp>
+        <p:nvGrpSpPr>
+          <p:cNvPr id="3" name="Group 2"/>
+          <p:cNvGrpSpPr/>
           <p:nvPr/>
-        </p:nvSpPr>
-        <p:spPr>
+        </p:nvGrpSpPr>
+        <p:grpSpPr>
           <a:xfrm>
-            <a:off x="5634302" y="2442426"/>
-            <a:ext cx="2736304" cy="369332"/>
+            <a:off x="837035" y="5828824"/>
+            <a:ext cx="9269958" cy="563680"/>
+            <a:chOff x="1952553" y="4503357"/>
+            <a:chExt cx="9269958" cy="563680"/>
           </a:xfrm>
-          <a:prstGeom prst="rect">
-            <a:avLst/>
-          </a:prstGeom>
-          <a:noFill/>
-        </p:spPr>
-        <p:txBody>
-          <a:bodyPr wrap="square" rtlCol="0">
-            <a:spAutoFit/>
-          </a:bodyPr>
-          <a:lstStyle/>
-          <a:p>
-            <a:r>
-              <a:rPr lang="en-US" dirty="0"/>
-              <a:t>Desired velocity direction</a:t>
-            </a:r>
-          </a:p>
-        </p:txBody>
-      </p:sp>
-      <p:sp>
-        <p:nvSpPr>
-          <p:cNvPr id="11" name="TextBox 10"/>
-          <p:cNvSpPr txBox="1"/>
-          <p:nvPr/>
-        </p:nvSpPr>
-        <p:spPr>
-          <a:xfrm>
-            <a:off x="5357834" y="3216137"/>
-            <a:ext cx="4536505" cy="369332"/>
-          </a:xfrm>
-          <a:prstGeom prst="rect">
-            <a:avLst/>
-          </a:prstGeom>
-          <a:noFill/>
-        </p:spPr>
-        <p:txBody>
-          <a:bodyPr wrap="square" rtlCol="0">
-            <a:spAutoFit/>
-          </a:bodyPr>
-          <a:lstStyle/>
-          <a:p>
-            <a:r>
-              <a:rPr lang="en-US" dirty="0"/>
-              <a:t>Force on a pedestrian due to destination</a:t>
-            </a:r>
-          </a:p>
-        </p:txBody>
-      </p:sp>
-      <p:sp>
-        <p:nvSpPr>
-          <p:cNvPr id="14" name="TextBox 13"/>
-          <p:cNvSpPr txBox="1"/>
-          <p:nvPr/>
-        </p:nvSpPr>
-        <p:spPr>
-          <a:xfrm>
-            <a:off x="5041282" y="4674723"/>
-            <a:ext cx="1440160" cy="369332"/>
-          </a:xfrm>
-          <a:prstGeom prst="rect">
-            <a:avLst/>
-          </a:prstGeom>
-          <a:noFill/>
-        </p:spPr>
-        <p:txBody>
-          <a:bodyPr wrap="square" rtlCol="0">
-            <a:spAutoFit/>
-          </a:bodyPr>
-          <a:lstStyle/>
-          <a:p>
-            <a:r>
-              <a:rPr lang="en-US" dirty="0"/>
-              <a:t>with</a:t>
-            </a:r>
-          </a:p>
-        </p:txBody>
-      </p:sp>
-      <mc:AlternateContent xmlns:mc="http://schemas.openxmlformats.org/markup-compatibility/2006" xmlns:a14="http://schemas.microsoft.com/office/drawing/2010/main">
-        <mc:Choice Requires="a14">
-          <p:sp>
-            <p:nvSpPr>
-              <p:cNvPr id="16" name="TextBox 15">
-                <a:extLst>
-                  <a:ext uri="{FF2B5EF4-FFF2-40B4-BE49-F238E27FC236}">
-                    <a16:creationId xmlns:a16="http://schemas.microsoft.com/office/drawing/2014/main" id="{4C894EC2-3908-4316-89CA-844E55B8B61F}"/>
-                  </a:ext>
-                </a:extLst>
-              </p:cNvPr>
-              <p:cNvSpPr txBox="1"/>
-              <p:nvPr/>
-            </p:nvSpPr>
-            <p:spPr>
-              <a:xfrm>
-                <a:off x="2205187" y="2223998"/>
-                <a:ext cx="2249718" cy="790986"/>
-              </a:xfrm>
-              <a:prstGeom prst="rect">
-                <a:avLst/>
-              </a:prstGeom>
-              <a:noFill/>
-            </p:spPr>
-            <p:txBody>
-              <a:bodyPr wrap="none" lIns="0" tIns="0" rIns="0" bIns="0" rtlCol="0">
-                <a:spAutoFit/>
-              </a:bodyPr>
-              <a:lstStyle/>
-              <a:p>
-                <a:pPr/>
-                <a14:m>
-                  <m:oMathPara xmlns:m="http://schemas.openxmlformats.org/officeDocument/2006/math">
-                    <m:oMathParaPr>
-                      <m:jc m:val="centerGroup"/>
-                    </m:oMathParaPr>
+        </p:grpSpPr>
+        <p:sp>
+          <p:nvSpPr>
+            <p:cNvPr id="14" name="TextBox 13"/>
+            <p:cNvSpPr txBox="1"/>
+            <p:nvPr/>
+          </p:nvSpPr>
+          <p:spPr>
+            <a:xfrm>
+              <a:off x="5041282" y="4674723"/>
+              <a:ext cx="1440160" cy="369332"/>
+            </a:xfrm>
+            <a:prstGeom prst="rect">
+              <a:avLst/>
+            </a:prstGeom>
+            <a:noFill/>
+          </p:spPr>
+          <p:txBody>
+            <a:bodyPr wrap="square" rtlCol="0">
+              <a:spAutoFit/>
+            </a:bodyPr>
+            <a:lstStyle/>
+            <a:p>
+              <a:r>
+                <a:rPr lang="en-US" dirty="0"/>
+                <a:t>with</a:t>
+              </a:r>
+            </a:p>
+          </p:txBody>
+        </p:sp>
+        <mc:AlternateContent xmlns:mc="http://schemas.openxmlformats.org/markup-compatibility/2006" xmlns:a14="http://schemas.microsoft.com/office/drawing/2010/main">
+          <mc:Choice Requires="a14">
+            <p:sp>
+              <p:nvSpPr>
+                <p:cNvPr id="18" name="TextBox 17">
+                  <a:extLst>
+                    <a:ext uri="{FF2B5EF4-FFF2-40B4-BE49-F238E27FC236}">
+                      <a16:creationId xmlns:a16="http://schemas.microsoft.com/office/drawing/2014/main" id="{7A96683B-80B6-4713-B84D-460267A807EA}"/>
+                    </a:ext>
+                  </a:extLst>
+                </p:cNvPr>
+                <p:cNvSpPr txBox="1"/>
+                <p:nvPr/>
+              </p:nvSpPr>
+              <p:spPr>
+                <a:xfrm>
+                  <a:off x="1952553" y="4631990"/>
+                  <a:ext cx="2679003" cy="385042"/>
+                </a:xfrm>
+                <a:prstGeom prst="rect">
+                  <a:avLst/>
+                </a:prstGeom>
+                <a:noFill/>
+              </p:spPr>
+              <p:txBody>
+                <a:bodyPr wrap="none" lIns="0" tIns="0" rIns="0" bIns="0" rtlCol="0">
+                  <a:spAutoFit/>
+                </a:bodyPr>
+                <a:lstStyle/>
+                <a:p>
+                  <a14:m>
                     <m:oMath xmlns:m="http://schemas.openxmlformats.org/officeDocument/2006/math">
                       <m:sSub>
                         <m:sSubPr>
@@ -51802,7 +52549,7 @@
                                 <a:rPr lang="en-US" altLang="zh-CN" b="0" i="1" smtClean="0">
                                   <a:latin typeface="Cambria Math" panose="02040503050406030204" pitchFamily="18" charset="0"/>
                                 </a:rPr>
-                                <m:t>𝑒</m:t>
+                                <m:t>𝑓</m:t>
                               </m:r>
                             </m:e>
                           </m:acc>
@@ -51812,46 +52559,45 @@
                             <a:rPr lang="zh-CN" altLang="en-US" b="0" i="1" smtClean="0">
                               <a:latin typeface="Cambria Math" panose="02040503050406030204" pitchFamily="18" charset="0"/>
                             </a:rPr>
-                            <m:t>𝛼</m:t>
+                            <m:t>𝛼𝛽</m:t>
                           </m:r>
                         </m:sub>
                       </m:sSub>
-                      <m:d>
-                        <m:dPr>
-                          <m:ctrlPr>
-                            <a:rPr lang="en-US" altLang="zh-CN" b="0" i="1" smtClean="0">
-                              <a:latin typeface="Cambria Math" panose="02040503050406030204" pitchFamily="18" charset="0"/>
-                            </a:rPr>
-                          </m:ctrlPr>
-                        </m:dPr>
-                        <m:e>
-                          <m:r>
-                            <a:rPr lang="en-US" altLang="zh-CN" b="0" i="1" smtClean="0">
-                              <a:latin typeface="Cambria Math" panose="02040503050406030204" pitchFamily="18" charset="0"/>
-                            </a:rPr>
-                            <m:t>𝑡</m:t>
-                          </m:r>
-                        </m:e>
-                      </m:d>
                       <m:r>
                         <a:rPr lang="en-US" altLang="zh-CN" b="0" i="1" smtClean="0">
                           <a:latin typeface="Cambria Math" panose="02040503050406030204" pitchFamily="18" charset="0"/>
                         </a:rPr>
-                        <m:t>≔</m:t>
+                        <m:t>≔−</m:t>
                       </m:r>
-                      <m:f>
-                        <m:fPr>
+                      <m:r>
+                        <a:rPr lang="en-US" altLang="zh-CN" b="0" i="1" smtClean="0">
+                          <a:latin typeface="Cambria Math" panose="02040503050406030204" pitchFamily="18" charset="0"/>
+                        </a:rPr>
+                        <m:t>𝑤</m:t>
+                      </m:r>
+                      <m:sSub>
+                        <m:sSubPr>
                           <m:ctrlPr>
                             <a:rPr lang="en-US" altLang="zh-CN" b="0" i="1" smtClean="0">
                               <a:latin typeface="Cambria Math" panose="02040503050406030204" pitchFamily="18" charset="0"/>
+                              <a:ea typeface="Cambria Math" panose="02040503050406030204" pitchFamily="18" charset="0"/>
                             </a:rPr>
                           </m:ctrlPr>
-                        </m:fPr>
-                        <m:num>
+                        </m:sSubPr>
+                        <m:e>
+                          <m:r>
+                            <a:rPr lang="en-US" altLang="zh-CN" i="1">
+                              <a:latin typeface="Cambria Math" panose="02040503050406030204" pitchFamily="18" charset="0"/>
+                              <a:ea typeface="Cambria Math" panose="02040503050406030204" pitchFamily="18" charset="0"/>
+                            </a:rPr>
+                            <m:t>𝛻</m:t>
+                          </m:r>
+                        </m:e>
+                        <m:sub>
                           <m:sSub>
                             <m:sSubPr>
                               <m:ctrlPr>
-                                <a:rPr lang="en-US" altLang="zh-CN" b="0" i="1" smtClean="0">
+                                <a:rPr lang="en-US" altLang="zh-CN" i="1">
                                   <a:latin typeface="Cambria Math" panose="02040503050406030204" pitchFamily="18" charset="0"/>
                                 </a:rPr>
                               </m:ctrlPr>
@@ -51861,57 +52607,14 @@
                                 <m:accPr>
                                   <m:chr m:val="⃗"/>
                                   <m:ctrlPr>
-                                    <a:rPr lang="en-US" altLang="zh-CN" b="0" i="1" smtClean="0">
+                                    <a:rPr lang="en-US" altLang="zh-CN" i="1">
                                       <a:latin typeface="Cambria Math" panose="02040503050406030204" pitchFamily="18" charset="0"/>
                                     </a:rPr>
                                   </m:ctrlPr>
                                 </m:accPr>
                                 <m:e>
                                   <m:r>
-                                    <a:rPr lang="en-US" altLang="zh-CN" b="0" i="1" smtClean="0">
-                                      <a:latin typeface="Cambria Math" panose="02040503050406030204" pitchFamily="18" charset="0"/>
-                                    </a:rPr>
-                                    <m:t>𝑑</m:t>
-                                  </m:r>
-                                </m:e>
-                              </m:acc>
-                            </m:e>
-                            <m:sub>
-                              <m:r>
-                                <a:rPr lang="zh-CN" altLang="en-US" b="0" i="1" smtClean="0">
-                                  <a:latin typeface="Cambria Math" panose="02040503050406030204" pitchFamily="18" charset="0"/>
-                                </a:rPr>
-                                <m:t>𝛼</m:t>
-                              </m:r>
-                            </m:sub>
-                          </m:sSub>
-                          <m:r>
-                            <a:rPr lang="en-US" altLang="zh-CN" b="0" i="1" smtClean="0">
-                              <a:latin typeface="Cambria Math" panose="02040503050406030204" pitchFamily="18" charset="0"/>
-                            </a:rPr>
-                            <m:t>−</m:t>
-                          </m:r>
-                          <m:sSub>
-                            <m:sSubPr>
-                              <m:ctrlPr>
-                                <a:rPr lang="en-US" altLang="zh-CN" b="0" i="1" smtClean="0">
-                                  <a:latin typeface="Cambria Math" panose="02040503050406030204" pitchFamily="18" charset="0"/>
-                                </a:rPr>
-                              </m:ctrlPr>
-                            </m:sSubPr>
-                            <m:e>
-                              <m:acc>
-                                <m:accPr>
-                                  <m:chr m:val="⃗"/>
-                                  <m:ctrlPr>
-                                    <a:rPr lang="en-US" altLang="zh-CN" b="0" i="1" smtClean="0">
-                                      <a:latin typeface="Cambria Math" panose="02040503050406030204" pitchFamily="18" charset="0"/>
-                                    </a:rPr>
-                                  </m:ctrlPr>
-                                </m:accPr>
-                                <m:e>
-                                  <m:r>
-                                    <a:rPr lang="en-US" altLang="zh-CN" b="0" i="1" smtClean="0">
+                                    <a:rPr lang="en-US" altLang="zh-CN" i="1">
                                       <a:latin typeface="Cambria Math" panose="02040503050406030204" pitchFamily="18" charset="0"/>
                                     </a:rPr>
                                     <m:t>𝑟</m:t>
@@ -51921,347 +52624,910 @@
                             </m:e>
                             <m:sub>
                               <m:r>
-                                <a:rPr lang="zh-CN" altLang="en-US" b="0" i="1" smtClean="0">
+                                <a:rPr lang="zh-CN" altLang="en-US" i="1">
                                   <a:latin typeface="Cambria Math" panose="02040503050406030204" pitchFamily="18" charset="0"/>
                                 </a:rPr>
-                                <m:t>𝛼</m:t>
-                              </m:r>
-                            </m:sub>
-                          </m:sSub>
-                          <m:r>
-                            <a:rPr lang="en-US" altLang="zh-CN" b="0" i="1" smtClean="0">
-                              <a:latin typeface="Cambria Math" panose="02040503050406030204" pitchFamily="18" charset="0"/>
-                            </a:rPr>
-                            <m:t>(</m:t>
-                          </m:r>
-                          <m:r>
-                            <a:rPr lang="en-US" altLang="zh-CN" b="0" i="1" smtClean="0">
-                              <a:latin typeface="Cambria Math" panose="02040503050406030204" pitchFamily="18" charset="0"/>
-                            </a:rPr>
-                            <m:t>𝑡</m:t>
-                          </m:r>
-                          <m:r>
-                            <a:rPr lang="en-US" altLang="zh-CN" b="0" i="1" smtClean="0">
-                              <a:latin typeface="Cambria Math" panose="02040503050406030204" pitchFamily="18" charset="0"/>
-                            </a:rPr>
-                            <m:t>)</m:t>
-                          </m:r>
-                        </m:num>
-                        <m:den>
-                          <m:d>
-                            <m:dPr>
-                              <m:begChr m:val="‖"/>
-                              <m:endChr m:val="‖"/>
-                              <m:ctrlPr>
-                                <a:rPr lang="en-US" altLang="zh-CN" b="0" i="1" smtClean="0">
-                                  <a:latin typeface="Cambria Math" panose="02040503050406030204" pitchFamily="18" charset="0"/>
-                                </a:rPr>
-                              </m:ctrlPr>
-                            </m:dPr>
-                            <m:e>
-                              <m:sSub>
-                                <m:sSubPr>
-                                  <m:ctrlPr>
-                                    <a:rPr lang="en-US" altLang="zh-CN" i="1">
-                                      <a:latin typeface="Cambria Math" panose="02040503050406030204" pitchFamily="18" charset="0"/>
-                                    </a:rPr>
-                                  </m:ctrlPr>
-                                </m:sSubPr>
-                                <m:e>
-                                  <m:acc>
-                                    <m:accPr>
-                                      <m:chr m:val="⃗"/>
-                                      <m:ctrlPr>
-                                        <a:rPr lang="en-US" altLang="zh-CN" i="1">
-                                          <a:latin typeface="Cambria Math" panose="02040503050406030204" pitchFamily="18" charset="0"/>
-                                        </a:rPr>
-                                      </m:ctrlPr>
-                                    </m:accPr>
-                                    <m:e>
-                                      <m:r>
-                                        <a:rPr lang="en-US" altLang="zh-CN" i="1">
-                                          <a:latin typeface="Cambria Math" panose="02040503050406030204" pitchFamily="18" charset="0"/>
-                                        </a:rPr>
-                                        <m:t>𝑑</m:t>
-                                      </m:r>
-                                    </m:e>
-                                  </m:acc>
-                                </m:e>
-                                <m:sub>
-                                  <m:r>
-                                    <a:rPr lang="zh-CN" altLang="en-US" i="1">
-                                      <a:latin typeface="Cambria Math" panose="02040503050406030204" pitchFamily="18" charset="0"/>
-                                    </a:rPr>
-                                    <m:t>𝛼</m:t>
-                                  </m:r>
-                                </m:sub>
-                              </m:sSub>
-                              <m:r>
-                                <a:rPr lang="en-US" altLang="zh-CN" i="1">
-                                  <a:latin typeface="Cambria Math" panose="02040503050406030204" pitchFamily="18" charset="0"/>
-                                </a:rPr>
-                                <m:t>−</m:t>
-                              </m:r>
-                              <m:sSub>
-                                <m:sSubPr>
-                                  <m:ctrlPr>
-                                    <a:rPr lang="en-US" altLang="zh-CN" i="1">
-                                      <a:latin typeface="Cambria Math" panose="02040503050406030204" pitchFamily="18" charset="0"/>
-                                    </a:rPr>
-                                  </m:ctrlPr>
-                                </m:sSubPr>
-                                <m:e>
-                                  <m:acc>
-                                    <m:accPr>
-                                      <m:chr m:val="⃗"/>
-                                      <m:ctrlPr>
-                                        <a:rPr lang="en-US" altLang="zh-CN" i="1">
-                                          <a:latin typeface="Cambria Math" panose="02040503050406030204" pitchFamily="18" charset="0"/>
-                                        </a:rPr>
-                                      </m:ctrlPr>
-                                    </m:accPr>
-                                    <m:e>
-                                      <m:r>
-                                        <a:rPr lang="en-US" altLang="zh-CN" i="1">
-                                          <a:latin typeface="Cambria Math" panose="02040503050406030204" pitchFamily="18" charset="0"/>
-                                        </a:rPr>
-                                        <m:t>𝑟</m:t>
-                                      </m:r>
-                                    </m:e>
-                                  </m:acc>
-                                </m:e>
-                                <m:sub>
-                                  <m:r>
-                                    <a:rPr lang="zh-CN" altLang="en-US" i="1">
-                                      <a:latin typeface="Cambria Math" panose="02040503050406030204" pitchFamily="18" charset="0"/>
-                                    </a:rPr>
-                                    <m:t>𝛼</m:t>
-                                  </m:r>
-                                </m:sub>
-                              </m:sSub>
-                              <m:r>
-                                <a:rPr lang="en-US" altLang="zh-CN" i="1">
-                                  <a:latin typeface="Cambria Math" panose="02040503050406030204" pitchFamily="18" charset="0"/>
-                                </a:rPr>
-                                <m:t>(</m:t>
+                                <m:t>𝛼𝛽</m:t>
                               </m:r>
                               <m:r>
                                 <a:rPr lang="en-US" altLang="zh-CN" i="1">
                                   <a:latin typeface="Cambria Math" panose="02040503050406030204" pitchFamily="18" charset="0"/>
                                 </a:rPr>
-                                <m:t>𝑡</m:t>
+                                <m:t> </m:t>
                               </m:r>
+                            </m:sub>
+                          </m:sSub>
+                        </m:sub>
+                      </m:sSub>
+                      <m:sSub>
+                        <m:sSubPr>
+                          <m:ctrlPr>
+                            <a:rPr lang="en-US" altLang="zh-CN" b="0" i="1" smtClean="0">
+                              <a:latin typeface="Cambria Math" panose="02040503050406030204" pitchFamily="18" charset="0"/>
+                              <a:ea typeface="Cambria Math" panose="02040503050406030204" pitchFamily="18" charset="0"/>
+                            </a:rPr>
+                          </m:ctrlPr>
+                        </m:sSubPr>
+                        <m:e>
+                          <m:r>
+                            <a:rPr lang="en-US" altLang="zh-CN" b="0" i="1" smtClean="0">
+                              <a:latin typeface="Cambria Math" panose="02040503050406030204" pitchFamily="18" charset="0"/>
+                              <a:ea typeface="Cambria Math" panose="02040503050406030204" pitchFamily="18" charset="0"/>
+                            </a:rPr>
+                            <m:t>𝑉</m:t>
+                          </m:r>
+                        </m:e>
+                        <m:sub>
+                          <m:r>
+                            <a:rPr lang="zh-CN" altLang="en-US" b="0" i="1" smtClean="0">
+                              <a:latin typeface="Cambria Math" panose="02040503050406030204" pitchFamily="18" charset="0"/>
+                              <a:ea typeface="Cambria Math" panose="02040503050406030204" pitchFamily="18" charset="0"/>
+                            </a:rPr>
+                            <m:t>𝛼𝛽</m:t>
+                          </m:r>
+                        </m:sub>
+                      </m:sSub>
+                      <m:r>
+                        <a:rPr lang="en-US" altLang="zh-CN" b="0" i="1" smtClean="0">
+                          <a:latin typeface="Cambria Math" panose="02040503050406030204" pitchFamily="18" charset="0"/>
+                          <a:ea typeface="Cambria Math" panose="02040503050406030204" pitchFamily="18" charset="0"/>
+                        </a:rPr>
+                        <m:t>[</m:t>
+                      </m:r>
+                      <m:r>
+                        <a:rPr lang="en-US" altLang="zh-CN" b="0" i="1" smtClean="0">
+                          <a:latin typeface="Cambria Math" panose="02040503050406030204" pitchFamily="18" charset="0"/>
+                          <a:ea typeface="Cambria Math" panose="02040503050406030204" pitchFamily="18" charset="0"/>
+                        </a:rPr>
+                        <m:t>𝑏</m:t>
+                      </m:r>
+                      <m:r>
+                        <a:rPr lang="en-US" altLang="zh-CN" b="0" i="1" smtClean="0">
+                          <a:latin typeface="Cambria Math" panose="02040503050406030204" pitchFamily="18" charset="0"/>
+                          <a:ea typeface="Cambria Math" panose="02040503050406030204" pitchFamily="18" charset="0"/>
+                        </a:rPr>
+                        <m:t>(</m:t>
+                      </m:r>
+                      <m:sSub>
+                        <m:sSubPr>
+                          <m:ctrlPr>
+                            <a:rPr lang="en-US" altLang="zh-CN" i="1">
+                              <a:latin typeface="Cambria Math" panose="02040503050406030204" pitchFamily="18" charset="0"/>
+                            </a:rPr>
+                          </m:ctrlPr>
+                        </m:sSubPr>
+                        <m:e>
+                          <m:acc>
+                            <m:accPr>
+                              <m:chr m:val="⃗"/>
+                              <m:ctrlPr>
+                                <a:rPr lang="en-US" altLang="zh-CN" i="1">
+                                  <a:latin typeface="Cambria Math" panose="02040503050406030204" pitchFamily="18" charset="0"/>
+                                </a:rPr>
+                              </m:ctrlPr>
+                            </m:accPr>
+                            <m:e>
                               <m:r>
                                 <a:rPr lang="en-US" altLang="zh-CN" i="1">
                                   <a:latin typeface="Cambria Math" panose="02040503050406030204" pitchFamily="18" charset="0"/>
                                 </a:rPr>
-                                <m:t>)</m:t>
+                                <m:t>𝑟</m:t>
                               </m:r>
                             </m:e>
-                          </m:d>
-                        </m:den>
-                      </m:f>
+                          </m:acc>
+                        </m:e>
+                        <m:sub>
+                          <m:r>
+                            <a:rPr lang="zh-CN" altLang="en-US" i="1">
+                              <a:latin typeface="Cambria Math" panose="02040503050406030204" pitchFamily="18" charset="0"/>
+                            </a:rPr>
+                            <m:t>𝛼𝛽</m:t>
+                          </m:r>
+                          <m:r>
+                            <a:rPr lang="en-US" altLang="zh-CN" i="1">
+                              <a:latin typeface="Cambria Math" panose="02040503050406030204" pitchFamily="18" charset="0"/>
+                            </a:rPr>
+                            <m:t> </m:t>
+                          </m:r>
+                        </m:sub>
+                      </m:sSub>
                     </m:oMath>
-                  </m:oMathPara>
-                </a14:m>
-                <a:endParaRPr lang="zh-CN" altLang="en-US" dirty="0"/>
-              </a:p>
-            </p:txBody>
-          </p:sp>
-        </mc:Choice>
-        <mc:Fallback xmlns="">
-          <p:sp>
-            <p:nvSpPr>
-              <p:cNvPr id="16" name="TextBox 15">
-                <a:extLst>
-                  <a:ext uri="{FF2B5EF4-FFF2-40B4-BE49-F238E27FC236}">
-                    <a16:creationId xmlns:a16="http://schemas.microsoft.com/office/drawing/2014/main" id="{4C894EC2-3908-4316-89CA-844E55B8B61F}"/>
-                  </a:ext>
-                </a:extLst>
-              </p:cNvPr>
-              <p:cNvSpPr txBox="1">
-                <a:spLocks noRot="1" noChangeAspect="1" noMove="1" noResize="1" noEditPoints="1" noAdjustHandles="1" noChangeArrowheads="1" noChangeShapeType="1" noTextEdit="1"/>
-              </p:cNvSpPr>
-              <p:nvPr/>
-            </p:nvSpPr>
-            <p:spPr>
-              <a:xfrm>
-                <a:off x="2205187" y="2223998"/>
-                <a:ext cx="2249718" cy="790986"/>
-              </a:xfrm>
-              <a:prstGeom prst="rect">
-                <a:avLst/>
-              </a:prstGeom>
-              <a:blipFill>
-                <a:blip r:embed="rId4"/>
-                <a:stretch>
-                  <a:fillRect/>
-                </a:stretch>
-              </a:blipFill>
-            </p:spPr>
-            <p:txBody>
-              <a:bodyPr/>
-              <a:lstStyle/>
-              <a:p>
-                <a:r>
-                  <a:rPr lang="zh-CN" altLang="en-US">
-                    <a:noFill/>
-                  </a:rPr>
-                  <a:t> </a:t>
-                </a:r>
-              </a:p>
-            </p:txBody>
-          </p:sp>
-        </mc:Fallback>
-      </mc:AlternateContent>
-      <mc:AlternateContent xmlns:mc="http://schemas.openxmlformats.org/markup-compatibility/2006" xmlns:a14="http://schemas.microsoft.com/office/drawing/2010/main">
-        <mc:Choice Requires="a14">
-          <p:sp>
-            <p:nvSpPr>
-              <p:cNvPr id="17" name="TextBox 16">
-                <a:extLst>
-                  <a:ext uri="{FF2B5EF4-FFF2-40B4-BE49-F238E27FC236}">
-                    <a16:creationId xmlns:a16="http://schemas.microsoft.com/office/drawing/2014/main" id="{D4BDF5E8-E7C3-478A-8378-D76F4624A1D3}"/>
-                  </a:ext>
-                </a:extLst>
-              </p:cNvPr>
-              <p:cNvSpPr txBox="1"/>
-              <p:nvPr/>
-            </p:nvSpPr>
-            <p:spPr>
-              <a:xfrm>
-                <a:off x="1938735" y="3192861"/>
-                <a:ext cx="2782621" cy="392608"/>
-              </a:xfrm>
-              <a:prstGeom prst="rect">
-                <a:avLst/>
-              </a:prstGeom>
-              <a:noFill/>
-            </p:spPr>
-            <p:txBody>
-              <a:bodyPr wrap="none" lIns="0" tIns="0" rIns="0" bIns="0" rtlCol="0">
-                <a:spAutoFit/>
-              </a:bodyPr>
-              <a:lstStyle/>
-              <a:p>
-                <a14:m>
-                  <m:oMath xmlns:m="http://schemas.openxmlformats.org/officeDocument/2006/math">
-                    <m:sSubSup>
-                      <m:sSubSupPr>
-                        <m:ctrlPr>
-                          <a:rPr lang="en-US" altLang="zh-CN" b="0" i="1" smtClean="0">
-                            <a:latin typeface="Cambria Math" panose="02040503050406030204" pitchFamily="18" charset="0"/>
-                          </a:rPr>
-                        </m:ctrlPr>
-                      </m:sSubSupPr>
-                      <m:e>
+                  </a14:m>
+                  <a:r>
+                    <a:rPr lang="en-US" altLang="zh-CN" dirty="0"/>
+                    <a:t>)]</a:t>
+                  </a:r>
+                  <a:endParaRPr lang="zh-CN" altLang="en-US" dirty="0"/>
+                </a:p>
+              </p:txBody>
+            </p:sp>
+          </mc:Choice>
+          <mc:Fallback xmlns="">
+            <p:sp>
+              <p:nvSpPr>
+                <p:cNvPr id="18" name="TextBox 17">
+                  <a:extLst>
+                    <a:ext uri="{FF2B5EF4-FFF2-40B4-BE49-F238E27FC236}">
+                      <a16:creationId xmlns:a16="http://schemas.microsoft.com/office/drawing/2014/main" id="{7A96683B-80B6-4713-B84D-460267A807EA}"/>
+                    </a:ext>
+                  </a:extLst>
+                </p:cNvPr>
+                <p:cNvSpPr txBox="1">
+                  <a:spLocks noRot="1" noChangeAspect="1" noMove="1" noResize="1" noEditPoints="1" noAdjustHandles="1" noChangeArrowheads="1" noChangeShapeType="1" noTextEdit="1"/>
+                </p:cNvSpPr>
+                <p:nvPr/>
+              </p:nvSpPr>
+              <p:spPr>
+                <a:xfrm>
+                  <a:off x="1952553" y="4631990"/>
+                  <a:ext cx="2679003" cy="385042"/>
+                </a:xfrm>
+                <a:prstGeom prst="rect">
+                  <a:avLst/>
+                </a:prstGeom>
+                <a:blipFill>
+                  <a:blip r:embed="rId6"/>
+                  <a:stretch>
+                    <a:fillRect l="-4091" t="-34921" r="-4545" b="-19048"/>
+                  </a:stretch>
+                </a:blipFill>
+              </p:spPr>
+              <p:txBody>
+                <a:bodyPr/>
+                <a:lstStyle/>
+                <a:p>
+                  <a:r>
+                    <a:rPr lang="zh-CN" altLang="en-US">
+                      <a:noFill/>
+                    </a:rPr>
+                    <a:t> </a:t>
+                  </a:r>
+                </a:p>
+              </p:txBody>
+            </p:sp>
+          </mc:Fallback>
+        </mc:AlternateContent>
+        <mc:AlternateContent xmlns:mc="http://schemas.openxmlformats.org/markup-compatibility/2006" xmlns:a14="http://schemas.microsoft.com/office/drawing/2010/main">
+          <mc:Choice Requires="a14">
+            <p:sp>
+              <p:nvSpPr>
+                <p:cNvPr id="19" name="TextBox 18">
+                  <a:extLst>
+                    <a:ext uri="{FF2B5EF4-FFF2-40B4-BE49-F238E27FC236}">
+                      <a16:creationId xmlns:a16="http://schemas.microsoft.com/office/drawing/2014/main" id="{6EB59F17-9BF2-457E-AC5E-9CC087B1FBFA}"/>
+                    </a:ext>
+                  </a:extLst>
+                </p:cNvPr>
+                <p:cNvSpPr txBox="1"/>
+                <p:nvPr/>
+              </p:nvSpPr>
+              <p:spPr>
+                <a:xfrm>
+                  <a:off x="6344316" y="4503357"/>
+                  <a:ext cx="4878195" cy="563680"/>
+                </a:xfrm>
+                <a:prstGeom prst="rect">
+                  <a:avLst/>
+                </a:prstGeom>
+                <a:noFill/>
+              </p:spPr>
+              <p:txBody>
+                <a:bodyPr wrap="none" lIns="0" tIns="0" rIns="0" bIns="0" rtlCol="0">
+                  <a:spAutoFit/>
+                </a:bodyPr>
+                <a:lstStyle/>
+                <a:p>
+                  <a:pPr/>
+                  <a14:m>
+                    <m:oMathPara xmlns:m="http://schemas.openxmlformats.org/officeDocument/2006/math">
+                      <m:oMathParaPr>
+                        <m:jc m:val="centerGroup"/>
+                      </m:oMathParaPr>
+                      <m:oMath xmlns:m="http://schemas.openxmlformats.org/officeDocument/2006/math">
                         <m:r>
                           <a:rPr lang="en-US" altLang="zh-CN" b="0" i="1" smtClean="0">
                             <a:latin typeface="Cambria Math" panose="02040503050406030204" pitchFamily="18" charset="0"/>
                           </a:rPr>
-                          <m:t>𝐹</m:t>
+                          <m:t>2</m:t>
                         </m:r>
-                      </m:e>
-                      <m:sub>
-                        <m:r>
-                          <a:rPr lang="zh-CN" altLang="en-US" b="0" i="1" smtClean="0">
-                            <a:latin typeface="Cambria Math" panose="02040503050406030204" pitchFamily="18" charset="0"/>
-                          </a:rPr>
-                          <m:t>𝛼</m:t>
-                        </m:r>
-                      </m:sub>
-                      <m:sup>
                         <m:r>
                           <a:rPr lang="en-US" altLang="zh-CN" b="0" i="1" smtClean="0">
                             <a:latin typeface="Cambria Math" panose="02040503050406030204" pitchFamily="18" charset="0"/>
                           </a:rPr>
-                          <m:t>0</m:t>
+                          <m:t>𝑏</m:t>
                         </m:r>
-                      </m:sup>
-                    </m:sSubSup>
-                    <m:d>
-                      <m:dPr>
-                        <m:ctrlPr>
+                        <m:r>
                           <a:rPr lang="en-US" altLang="zh-CN" b="0" i="1" smtClean="0">
                             <a:latin typeface="Cambria Math" panose="02040503050406030204" pitchFamily="18" charset="0"/>
                           </a:rPr>
-                        </m:ctrlPr>
-                      </m:dPr>
-                      <m:e>
-                        <m:sSub>
-                          <m:sSubPr>
+                          <m:t>≔</m:t>
+                        </m:r>
+                        <m:rad>
+                          <m:radPr>
+                            <m:degHide m:val="on"/>
                             <m:ctrlPr>
                               <a:rPr lang="en-US" altLang="zh-CN" b="0" i="1" smtClean="0">
                                 <a:latin typeface="Cambria Math" panose="02040503050406030204" pitchFamily="18" charset="0"/>
                               </a:rPr>
                             </m:ctrlPr>
-                          </m:sSubPr>
+                          </m:radPr>
+                          <m:deg/>
                           <m:e>
-                            <m:acc>
-                              <m:accPr>
-                                <m:chr m:val="⃗"/>
+                            <m:sSup>
+                              <m:sSupPr>
                                 <m:ctrlPr>
                                   <a:rPr lang="en-US" altLang="zh-CN" b="0" i="1" smtClean="0">
                                     <a:latin typeface="Cambria Math" panose="02040503050406030204" pitchFamily="18" charset="0"/>
                                   </a:rPr>
                                 </m:ctrlPr>
-                              </m:accPr>
+                              </m:sSupPr>
                               <m:e>
+                                <m:d>
+                                  <m:dPr>
+                                    <m:ctrlPr>
+                                      <a:rPr lang="en-US" altLang="zh-CN" b="0" i="1" smtClean="0">
+                                        <a:latin typeface="Cambria Math" panose="02040503050406030204" pitchFamily="18" charset="0"/>
+                                      </a:rPr>
+                                    </m:ctrlPr>
+                                  </m:dPr>
+                                  <m:e>
+                                    <m:d>
+                                      <m:dPr>
+                                        <m:begChr m:val="‖"/>
+                                        <m:endChr m:val="‖"/>
+                                        <m:ctrlPr>
+                                          <a:rPr lang="en-US" altLang="zh-CN" b="0" i="1" smtClean="0">
+                                            <a:latin typeface="Cambria Math" panose="02040503050406030204" pitchFamily="18" charset="0"/>
+                                          </a:rPr>
+                                        </m:ctrlPr>
+                                      </m:dPr>
+                                      <m:e>
+                                        <m:sSub>
+                                          <m:sSubPr>
+                                            <m:ctrlPr>
+                                              <a:rPr lang="en-US" altLang="zh-CN" i="1">
+                                                <a:latin typeface="Cambria Math" panose="02040503050406030204" pitchFamily="18" charset="0"/>
+                                              </a:rPr>
+                                            </m:ctrlPr>
+                                          </m:sSubPr>
+                                          <m:e>
+                                            <m:acc>
+                                              <m:accPr>
+                                                <m:chr m:val="⃗"/>
+                                                <m:ctrlPr>
+                                                  <a:rPr lang="en-US" altLang="zh-CN" i="1">
+                                                    <a:latin typeface="Cambria Math" panose="02040503050406030204" pitchFamily="18" charset="0"/>
+                                                  </a:rPr>
+                                                </m:ctrlPr>
+                                              </m:accPr>
+                                              <m:e>
+                                                <m:r>
+                                                  <a:rPr lang="en-US" altLang="zh-CN" i="1">
+                                                    <a:latin typeface="Cambria Math" panose="02040503050406030204" pitchFamily="18" charset="0"/>
+                                                  </a:rPr>
+                                                  <m:t>𝑟</m:t>
+                                                </m:r>
+                                              </m:e>
+                                            </m:acc>
+                                          </m:e>
+                                          <m:sub>
+                                            <m:r>
+                                              <a:rPr lang="zh-CN" altLang="en-US" i="1">
+                                                <a:latin typeface="Cambria Math" panose="02040503050406030204" pitchFamily="18" charset="0"/>
+                                              </a:rPr>
+                                              <m:t>𝛼𝛽</m:t>
+                                            </m:r>
+                                            <m:r>
+                                              <a:rPr lang="en-US" altLang="zh-CN" i="1">
+                                                <a:latin typeface="Cambria Math" panose="02040503050406030204" pitchFamily="18" charset="0"/>
+                                              </a:rPr>
+                                              <m:t> </m:t>
+                                            </m:r>
+                                          </m:sub>
+                                        </m:sSub>
+                                      </m:e>
+                                    </m:d>
+                                    <m:r>
+                                      <a:rPr lang="en-US" altLang="zh-CN" b="0" i="1" smtClean="0">
+                                        <a:latin typeface="Cambria Math" panose="02040503050406030204" pitchFamily="18" charset="0"/>
+                                      </a:rPr>
+                                      <m:t>+</m:t>
+                                    </m:r>
+                                    <m:d>
+                                      <m:dPr>
+                                        <m:begChr m:val="‖"/>
+                                        <m:endChr m:val="‖"/>
+                                        <m:ctrlPr>
+                                          <a:rPr lang="en-US" altLang="zh-CN" b="0" i="1" smtClean="0">
+                                            <a:latin typeface="Cambria Math" panose="02040503050406030204" pitchFamily="18" charset="0"/>
+                                          </a:rPr>
+                                        </m:ctrlPr>
+                                      </m:dPr>
+                                      <m:e>
+                                        <m:sSub>
+                                          <m:sSubPr>
+                                            <m:ctrlPr>
+                                              <a:rPr lang="en-US" altLang="zh-CN" i="1">
+                                                <a:latin typeface="Cambria Math" panose="02040503050406030204" pitchFamily="18" charset="0"/>
+                                              </a:rPr>
+                                            </m:ctrlPr>
+                                          </m:sSubPr>
+                                          <m:e>
+                                            <m:acc>
+                                              <m:accPr>
+                                                <m:chr m:val="⃗"/>
+                                                <m:ctrlPr>
+                                                  <a:rPr lang="en-US" altLang="zh-CN" i="1">
+                                                    <a:latin typeface="Cambria Math" panose="02040503050406030204" pitchFamily="18" charset="0"/>
+                                                  </a:rPr>
+                                                </m:ctrlPr>
+                                              </m:accPr>
+                                              <m:e>
+                                                <m:r>
+                                                  <a:rPr lang="en-US" altLang="zh-CN" i="1">
+                                                    <a:latin typeface="Cambria Math" panose="02040503050406030204" pitchFamily="18" charset="0"/>
+                                                  </a:rPr>
+                                                  <m:t>𝑟</m:t>
+                                                </m:r>
+                                              </m:e>
+                                            </m:acc>
+                                          </m:e>
+                                          <m:sub>
+                                            <m:r>
+                                              <a:rPr lang="zh-CN" altLang="en-US" i="1">
+                                                <a:latin typeface="Cambria Math" panose="02040503050406030204" pitchFamily="18" charset="0"/>
+                                              </a:rPr>
+                                              <m:t>𝛼𝛽</m:t>
+                                            </m:r>
+                                            <m:r>
+                                              <a:rPr lang="en-US" altLang="zh-CN" i="1">
+                                                <a:latin typeface="Cambria Math" panose="02040503050406030204" pitchFamily="18" charset="0"/>
+                                              </a:rPr>
+                                              <m:t> </m:t>
+                                            </m:r>
+                                          </m:sub>
+                                        </m:sSub>
+                                        <m:r>
+                                          <a:rPr lang="en-US" altLang="zh-CN" b="0" i="1" smtClean="0">
+                                            <a:latin typeface="Cambria Math" panose="02040503050406030204" pitchFamily="18" charset="0"/>
+                                          </a:rPr>
+                                          <m:t>−</m:t>
+                                        </m:r>
+                                        <m:sSub>
+                                          <m:sSubPr>
+                                            <m:ctrlPr>
+                                              <a:rPr lang="en-US" altLang="zh-CN" b="0" i="1" smtClean="0">
+                                                <a:latin typeface="Cambria Math" panose="02040503050406030204" pitchFamily="18" charset="0"/>
+                                              </a:rPr>
+                                            </m:ctrlPr>
+                                          </m:sSubPr>
+                                          <m:e>
+                                            <m:r>
+                                              <a:rPr lang="en-US" altLang="zh-CN" b="0" i="1" smtClean="0">
+                                                <a:latin typeface="Cambria Math" panose="02040503050406030204" pitchFamily="18" charset="0"/>
+                                              </a:rPr>
+                                              <m:t>𝑣</m:t>
+                                            </m:r>
+                                          </m:e>
+                                          <m:sub>
+                                            <m:r>
+                                              <a:rPr lang="zh-CN" altLang="en-US" b="0" i="1" smtClean="0">
+                                                <a:latin typeface="Cambria Math" panose="02040503050406030204" pitchFamily="18" charset="0"/>
+                                              </a:rPr>
+                                              <m:t>𝛽</m:t>
+                                            </m:r>
+                                          </m:sub>
+                                        </m:sSub>
+                                        <m:r>
+                                          <a:rPr lang="en-US" altLang="zh-CN" b="0" i="1" smtClean="0">
+                                            <a:latin typeface="Cambria Math" panose="02040503050406030204" pitchFamily="18" charset="0"/>
+                                            <a:ea typeface="Cambria Math" panose="02040503050406030204" pitchFamily="18" charset="0"/>
+                                          </a:rPr>
+                                          <m:t>∆</m:t>
+                                        </m:r>
+                                        <m:r>
+                                          <a:rPr lang="en-US" altLang="zh-CN" b="0" i="1" smtClean="0">
+                                            <a:latin typeface="Cambria Math" panose="02040503050406030204" pitchFamily="18" charset="0"/>
+                                            <a:ea typeface="Cambria Math" panose="02040503050406030204" pitchFamily="18" charset="0"/>
+                                          </a:rPr>
+                                          <m:t>𝑡</m:t>
+                                        </m:r>
+                                        <m:sSub>
+                                          <m:sSubPr>
+                                            <m:ctrlPr>
+                                              <a:rPr lang="en-US" altLang="zh-CN" b="0" i="1" smtClean="0">
+                                                <a:latin typeface="Cambria Math" panose="02040503050406030204" pitchFamily="18" charset="0"/>
+                                                <a:ea typeface="Cambria Math" panose="02040503050406030204" pitchFamily="18" charset="0"/>
+                                              </a:rPr>
+                                            </m:ctrlPr>
+                                          </m:sSubPr>
+                                          <m:e>
+                                            <m:acc>
+                                              <m:accPr>
+                                                <m:chr m:val="⃗"/>
+                                                <m:ctrlPr>
+                                                  <a:rPr lang="en-US" altLang="zh-CN" b="0" i="1" smtClean="0">
+                                                    <a:latin typeface="Cambria Math" panose="02040503050406030204" pitchFamily="18" charset="0"/>
+                                                    <a:ea typeface="Cambria Math" panose="02040503050406030204" pitchFamily="18" charset="0"/>
+                                                  </a:rPr>
+                                                </m:ctrlPr>
+                                              </m:accPr>
+                                              <m:e>
+                                                <m:r>
+                                                  <a:rPr lang="en-US" altLang="zh-CN" b="0" i="1" smtClean="0">
+                                                    <a:latin typeface="Cambria Math" panose="02040503050406030204" pitchFamily="18" charset="0"/>
+                                                    <a:ea typeface="Cambria Math" panose="02040503050406030204" pitchFamily="18" charset="0"/>
+                                                  </a:rPr>
+                                                  <m:t>𝑒</m:t>
+                                                </m:r>
+                                              </m:e>
+                                            </m:acc>
+                                          </m:e>
+                                          <m:sub>
+                                            <m:r>
+                                              <a:rPr lang="zh-CN" altLang="en-US" b="0" i="1" smtClean="0">
+                                                <a:latin typeface="Cambria Math" panose="02040503050406030204" pitchFamily="18" charset="0"/>
+                                              </a:rPr>
+                                              <m:t>𝛽</m:t>
+                                            </m:r>
+                                          </m:sub>
+                                        </m:sSub>
+                                      </m:e>
+                                    </m:d>
+                                  </m:e>
+                                </m:d>
+                              </m:e>
+                              <m:sup>
                                 <m:r>
                                   <a:rPr lang="en-US" altLang="zh-CN" b="0" i="1" smtClean="0">
                                     <a:latin typeface="Cambria Math" panose="02040503050406030204" pitchFamily="18" charset="0"/>
                                   </a:rPr>
-                                  <m:t>𝑣</m:t>
+                                  <m:t>2</m:t>
                                 </m:r>
-                              </m:e>
-                            </m:acc>
-                          </m:e>
-                          <m:sub>
+                              </m:sup>
+                            </m:sSup>
                             <m:r>
-                              <a:rPr lang="zh-CN" altLang="en-US" b="0" i="1" smtClean="0">
+                              <a:rPr lang="en-US" altLang="zh-CN" b="0" i="1" smtClean="0">
                                 <a:latin typeface="Cambria Math" panose="02040503050406030204" pitchFamily="18" charset="0"/>
                               </a:rPr>
-                              <m:t>𝛼</m:t>
+                              <m:t>−</m:t>
                             </m:r>
-                          </m:sub>
-                        </m:sSub>
-                        <m:r>
-                          <a:rPr lang="en-US" altLang="zh-CN" b="0" i="1" smtClean="0">
-                            <a:latin typeface="Cambria Math" panose="02040503050406030204" pitchFamily="18" charset="0"/>
-                          </a:rPr>
-                          <m:t>,</m:t>
-                        </m:r>
+                            <m:sSup>
+                              <m:sSupPr>
+                                <m:ctrlPr>
+                                  <a:rPr lang="en-US" altLang="zh-CN" b="0" i="1" smtClean="0">
+                                    <a:latin typeface="Cambria Math" panose="02040503050406030204" pitchFamily="18" charset="0"/>
+                                    <a:ea typeface="Cambria Math" panose="02040503050406030204" pitchFamily="18" charset="0"/>
+                                  </a:rPr>
+                                </m:ctrlPr>
+                              </m:sSupPr>
+                              <m:e>
+                                <m:d>
+                                  <m:dPr>
+                                    <m:ctrlPr>
+                                      <a:rPr lang="en-US" altLang="zh-CN" b="0" i="1" smtClean="0">
+                                        <a:latin typeface="Cambria Math" panose="02040503050406030204" pitchFamily="18" charset="0"/>
+                                      </a:rPr>
+                                    </m:ctrlPr>
+                                  </m:dPr>
+                                  <m:e>
+                                    <m:sSub>
+                                      <m:sSubPr>
+                                        <m:ctrlPr>
+                                          <a:rPr lang="en-US" altLang="zh-CN" i="1">
+                                            <a:latin typeface="Cambria Math" panose="02040503050406030204" pitchFamily="18" charset="0"/>
+                                          </a:rPr>
+                                        </m:ctrlPr>
+                                      </m:sSubPr>
+                                      <m:e>
+                                        <m:r>
+                                          <a:rPr lang="en-US" altLang="zh-CN" i="1">
+                                            <a:latin typeface="Cambria Math" panose="02040503050406030204" pitchFamily="18" charset="0"/>
+                                          </a:rPr>
+                                          <m:t>𝑣</m:t>
+                                        </m:r>
+                                      </m:e>
+                                      <m:sub>
+                                        <m:r>
+                                          <a:rPr lang="zh-CN" altLang="en-US" i="1">
+                                            <a:latin typeface="Cambria Math" panose="02040503050406030204" pitchFamily="18" charset="0"/>
+                                          </a:rPr>
+                                          <m:t>𝛽</m:t>
+                                        </m:r>
+                                      </m:sub>
+                                    </m:sSub>
+                                    <m:r>
+                                      <a:rPr lang="en-US" altLang="zh-CN" i="1">
+                                        <a:latin typeface="Cambria Math" panose="02040503050406030204" pitchFamily="18" charset="0"/>
+                                        <a:ea typeface="Cambria Math" panose="02040503050406030204" pitchFamily="18" charset="0"/>
+                                      </a:rPr>
+                                      <m:t>∆</m:t>
+                                    </m:r>
+                                    <m:r>
+                                      <a:rPr lang="en-US" altLang="zh-CN" i="1">
+                                        <a:latin typeface="Cambria Math" panose="02040503050406030204" pitchFamily="18" charset="0"/>
+                                        <a:ea typeface="Cambria Math" panose="02040503050406030204" pitchFamily="18" charset="0"/>
+                                      </a:rPr>
+                                      <m:t>𝑡</m:t>
+                                    </m:r>
+                                  </m:e>
+                                </m:d>
+                              </m:e>
+                              <m:sup>
+                                <m:r>
+                                  <a:rPr lang="en-US" altLang="zh-CN" b="0" i="1" smtClean="0">
+                                    <a:latin typeface="Cambria Math" panose="02040503050406030204" pitchFamily="18" charset="0"/>
+                                    <a:ea typeface="Cambria Math" panose="02040503050406030204" pitchFamily="18" charset="0"/>
+                                  </a:rPr>
+                                  <m:t>2</m:t>
+                                </m:r>
+                              </m:sup>
+                            </m:sSup>
+                          </m:e>
+                        </m:rad>
+                      </m:oMath>
+                    </m:oMathPara>
+                  </a14:m>
+                  <a:endParaRPr lang="zh-CN" altLang="en-US" dirty="0"/>
+                </a:p>
+              </p:txBody>
+            </p:sp>
+          </mc:Choice>
+          <mc:Fallback xmlns="">
+            <p:sp>
+              <p:nvSpPr>
+                <p:cNvPr id="19" name="TextBox 18">
+                  <a:extLst>
+                    <a:ext uri="{FF2B5EF4-FFF2-40B4-BE49-F238E27FC236}">
+                      <a16:creationId xmlns:a16="http://schemas.microsoft.com/office/drawing/2014/main" xmlns:a14="http://schemas.microsoft.com/office/drawing/2010/main" xmlns="" id="{6EB59F17-9BF2-457E-AC5E-9CC087B1FBFA}"/>
+                    </a:ext>
+                  </a:extLst>
+                </p:cNvPr>
+                <p:cNvSpPr txBox="1">
+                  <a:spLocks noRot="1" noChangeAspect="1" noMove="1" noResize="1" noEditPoints="1" noAdjustHandles="1" noChangeArrowheads="1" noChangeShapeType="1" noTextEdit="1"/>
+                </p:cNvSpPr>
+                <p:nvPr/>
+              </p:nvSpPr>
+              <p:spPr>
+                <a:xfrm>
+                  <a:off x="6344316" y="4503357"/>
+                  <a:ext cx="4878195" cy="563680"/>
+                </a:xfrm>
+                <a:prstGeom prst="rect">
+                  <a:avLst/>
+                </a:prstGeom>
+                <a:blipFill rotWithShape="0">
+                  <a:blip r:embed="rId7"/>
+                  <a:stretch>
+                    <a:fillRect b="-1075"/>
+                  </a:stretch>
+                </a:blipFill>
+              </p:spPr>
+              <p:txBody>
+                <a:bodyPr/>
+                <a:lstStyle/>
+                <a:p>
+                  <a:r>
+                    <a:rPr lang="en-US">
+                      <a:noFill/>
+                    </a:rPr>
+                    <a:t> </a:t>
+                  </a:r>
+                </a:p>
+              </p:txBody>
+            </p:sp>
+          </mc:Fallback>
+        </mc:AlternateContent>
+      </p:grpSp>
+      <p:grpSp>
+        <p:nvGrpSpPr>
+          <p:cNvPr id="36" name="Group 35"/>
+          <p:cNvGrpSpPr/>
+          <p:nvPr/>
+        </p:nvGrpSpPr>
+        <p:grpSpPr>
+          <a:xfrm>
+            <a:off x="6902819" y="2188026"/>
+            <a:ext cx="3093774" cy="1043591"/>
+            <a:chOff x="6434940" y="1952037"/>
+            <a:chExt cx="3093774" cy="1043591"/>
+          </a:xfrm>
+        </p:grpSpPr>
+        <p:grpSp>
+          <p:nvGrpSpPr>
+            <p:cNvPr id="31" name="Group 30"/>
+            <p:cNvGrpSpPr/>
+            <p:nvPr/>
+          </p:nvGrpSpPr>
+          <p:grpSpPr>
+            <a:xfrm>
+              <a:off x="6669683" y="2089117"/>
+              <a:ext cx="2859031" cy="906511"/>
+              <a:chOff x="6453659" y="1916832"/>
+              <a:chExt cx="2859031" cy="906511"/>
+            </a:xfrm>
+          </p:grpSpPr>
+          <p:cxnSp>
+            <p:nvCxnSpPr>
+              <p:cNvPr id="22" name="Straight Arrow Connector 21"/>
+              <p:cNvCxnSpPr/>
+              <p:nvPr/>
+            </p:nvCxnSpPr>
+            <p:spPr>
+              <a:xfrm>
+                <a:off x="6646998" y="2073421"/>
+                <a:ext cx="506188" cy="116358"/>
+              </a:xfrm>
+              <a:prstGeom prst="straightConnector1">
+                <a:avLst/>
+              </a:prstGeom>
+              <a:ln w="12700" cap="sq">
+                <a:solidFill>
+                  <a:schemeClr val="tx1"/>
+                </a:solidFill>
+                <a:prstDash val="sysDash"/>
+                <a:round/>
+                <a:headEnd type="none" w="med" len="med"/>
+                <a:tailEnd type="triangle"/>
+              </a:ln>
+            </p:spPr>
+            <p:style>
+              <a:lnRef idx="1">
+                <a:schemeClr val="accent1"/>
+              </a:lnRef>
+              <a:fillRef idx="0">
+                <a:schemeClr val="accent1"/>
+              </a:fillRef>
+              <a:effectRef idx="0">
+                <a:schemeClr val="accent1"/>
+              </a:effectRef>
+              <a:fontRef idx="minor">
+                <a:schemeClr val="tx1"/>
+              </a:fontRef>
+            </p:style>
+          </p:cxnSp>
+          <p:grpSp>
+            <p:nvGrpSpPr>
+              <p:cNvPr id="30" name="Group 29"/>
+              <p:cNvGrpSpPr/>
+              <p:nvPr/>
+            </p:nvGrpSpPr>
+            <p:grpSpPr>
+              <a:xfrm>
+                <a:off x="6453659" y="1916832"/>
+                <a:ext cx="2859031" cy="906511"/>
+                <a:chOff x="6453659" y="1916832"/>
+                <a:chExt cx="2859031" cy="906511"/>
+              </a:xfrm>
+            </p:grpSpPr>
+            <p:sp>
+              <p:nvSpPr>
+                <p:cNvPr id="12" name="Oval 11"/>
+                <p:cNvSpPr/>
+                <p:nvPr/>
+              </p:nvSpPr>
+              <p:spPr>
+                <a:xfrm>
+                  <a:off x="6453659" y="1916832"/>
+                  <a:ext cx="216024" cy="216024"/>
+                </a:xfrm>
+                <a:prstGeom prst="ellipse">
+                  <a:avLst/>
+                </a:prstGeom>
+                <a:solidFill>
+                  <a:schemeClr val="tx1"/>
+                </a:solidFill>
+                <a:ln>
+                  <a:noFill/>
+                </a:ln>
+              </p:spPr>
+              <p:style>
+                <a:lnRef idx="2">
+                  <a:schemeClr val="accent1">
+                    <a:shade val="50000"/>
+                  </a:schemeClr>
+                </a:lnRef>
+                <a:fillRef idx="1">
+                  <a:schemeClr val="accent1"/>
+                </a:fillRef>
+                <a:effectRef idx="0">
+                  <a:schemeClr val="accent1"/>
+                </a:effectRef>
+                <a:fontRef idx="minor">
+                  <a:schemeClr val="lt1"/>
+                </a:fontRef>
+              </p:style>
+              <p:txBody>
+                <a:bodyPr rtlCol="0" anchor="ctr"/>
+                <a:lstStyle/>
+                <a:p>
+                  <a:pPr algn="ctr"/>
+                  <a:endParaRPr lang="en-US"/>
+                </a:p>
+              </p:txBody>
+            </p:sp>
+            <p:sp>
+              <p:nvSpPr>
+                <p:cNvPr id="15" name="5-Point Star 14"/>
+                <p:cNvSpPr/>
+                <p:nvPr/>
+              </p:nvSpPr>
+              <p:spPr>
+                <a:xfrm>
+                  <a:off x="9073952" y="2599198"/>
+                  <a:ext cx="238738" cy="224145"/>
+                </a:xfrm>
+                <a:prstGeom prst="star5">
+                  <a:avLst/>
+                </a:prstGeom>
+                <a:solidFill>
+                  <a:srgbClr val="FF0000"/>
+                </a:solidFill>
+                <a:ln>
+                  <a:noFill/>
+                </a:ln>
+              </p:spPr>
+              <p:style>
+                <a:lnRef idx="2">
+                  <a:schemeClr val="accent1">
+                    <a:shade val="50000"/>
+                  </a:schemeClr>
+                </a:lnRef>
+                <a:fillRef idx="1">
+                  <a:schemeClr val="accent1"/>
+                </a:fillRef>
+                <a:effectRef idx="0">
+                  <a:schemeClr val="accent1"/>
+                </a:effectRef>
+                <a:fontRef idx="minor">
+                  <a:schemeClr val="lt1"/>
+                </a:fontRef>
+              </p:style>
+              <p:txBody>
+                <a:bodyPr rtlCol="0" anchor="ctr"/>
+                <a:lstStyle/>
+                <a:p>
+                  <a:pPr algn="ctr"/>
+                  <a:endParaRPr lang="en-US"/>
+                </a:p>
+              </p:txBody>
+            </p:sp>
+            <p:cxnSp>
+              <p:nvCxnSpPr>
+                <p:cNvPr id="24" name="Straight Arrow Connector 23"/>
+                <p:cNvCxnSpPr/>
+                <p:nvPr/>
+              </p:nvCxnSpPr>
+              <p:spPr>
+                <a:xfrm>
+                  <a:off x="6638089" y="2073421"/>
+                  <a:ext cx="31594" cy="462281"/>
+                </a:xfrm>
+                <a:prstGeom prst="straightConnector1">
+                  <a:avLst/>
+                </a:prstGeom>
+                <a:ln w="38100" cap="sq">
+                  <a:solidFill>
+                    <a:schemeClr val="tx1"/>
+                  </a:solidFill>
+                  <a:round/>
+                  <a:headEnd type="none" w="med" len="med"/>
+                  <a:tailEnd type="triangle"/>
+                </a:ln>
+              </p:spPr>
+              <p:style>
+                <a:lnRef idx="1">
+                  <a:schemeClr val="accent1"/>
+                </a:lnRef>
+                <a:fillRef idx="0">
+                  <a:schemeClr val="accent1"/>
+                </a:fillRef>
+                <a:effectRef idx="0">
+                  <a:schemeClr val="accent1"/>
+                </a:effectRef>
+                <a:fontRef idx="minor">
+                  <a:schemeClr val="tx1"/>
+                </a:fontRef>
+              </p:style>
+            </p:cxnSp>
+            <p:cxnSp>
+              <p:nvCxnSpPr>
+                <p:cNvPr id="27" name="Straight Arrow Connector 26"/>
+                <p:cNvCxnSpPr/>
+                <p:nvPr/>
+              </p:nvCxnSpPr>
+              <p:spPr>
+                <a:xfrm flipV="1">
+                  <a:off x="6670363" y="2214387"/>
+                  <a:ext cx="483503" cy="297347"/>
+                </a:xfrm>
+                <a:prstGeom prst="straightConnector1">
+                  <a:avLst/>
+                </a:prstGeom>
+                <a:ln w="38100" cap="sq">
+                  <a:solidFill>
+                    <a:srgbClr val="00B0F0"/>
+                  </a:solidFill>
+                  <a:round/>
+                  <a:headEnd type="none" w="med" len="med"/>
+                  <a:tailEnd type="triangle"/>
+                </a:ln>
+              </p:spPr>
+              <p:style>
+                <a:lnRef idx="1">
+                  <a:schemeClr val="accent1"/>
+                </a:lnRef>
+                <a:fillRef idx="0">
+                  <a:schemeClr val="accent1"/>
+                </a:fillRef>
+                <a:effectRef idx="0">
+                  <a:schemeClr val="accent1"/>
+                </a:effectRef>
+                <a:fontRef idx="minor">
+                  <a:schemeClr val="tx1"/>
+                </a:fontRef>
+              </p:style>
+            </p:cxnSp>
+          </p:grpSp>
+        </p:grpSp>
+        <mc:AlternateContent xmlns:mc="http://schemas.openxmlformats.org/markup-compatibility/2006" xmlns:a14="http://schemas.microsoft.com/office/drawing/2010/main">
+          <mc:Choice Requires="a14">
+            <p:sp>
+              <p:nvSpPr>
+                <p:cNvPr id="33" name="Rectangle 32"/>
+                <p:cNvSpPr/>
+                <p:nvPr/>
+              </p:nvSpPr>
+              <p:spPr>
+                <a:xfrm>
+                  <a:off x="6958416" y="2499353"/>
+                  <a:ext cx="506228" cy="369332"/>
+                </a:xfrm>
+                <a:prstGeom prst="rect">
+                  <a:avLst/>
+                </a:prstGeom>
+              </p:spPr>
+              <p:txBody>
+                <a:bodyPr wrap="none">
+                  <a:spAutoFit/>
+                </a:bodyPr>
+                <a:lstStyle/>
+                <a:p>
+                  <a:pPr/>
+                  <a14:m>
+                    <m:oMathPara xmlns:m="http://schemas.openxmlformats.org/officeDocument/2006/math">
+                      <m:oMathParaPr>
+                        <m:jc m:val="centerGroup"/>
+                      </m:oMathParaPr>
+                      <m:oMath xmlns:m="http://schemas.openxmlformats.org/officeDocument/2006/math">
                         <m:sSubSup>
                           <m:sSubSupPr>
                             <m:ctrlPr>
-                              <a:rPr lang="en-US" altLang="zh-CN" b="0" i="1" smtClean="0">
+                              <a:rPr lang="en-US" altLang="zh-CN" i="1" smtClean="0">
+                                <a:solidFill>
+                                  <a:srgbClr val="00B0F0"/>
+                                </a:solidFill>
                                 <a:latin typeface="Cambria Math" panose="02040503050406030204" pitchFamily="18" charset="0"/>
                               </a:rPr>
                             </m:ctrlPr>
                           </m:sSubSupPr>
                           <m:e>
-                            <m:acc>
-                              <m:accPr>
-                                <m:chr m:val="⃗"/>
-                                <m:ctrlPr>
-                                  <a:rPr lang="en-US" altLang="zh-CN" b="0" i="1" smtClean="0">
-                                    <a:latin typeface="Cambria Math" panose="02040503050406030204" pitchFamily="18" charset="0"/>
-                                  </a:rPr>
-                                </m:ctrlPr>
-                              </m:accPr>
-                              <m:e>
-                                <m:r>
-                                  <a:rPr lang="en-US" altLang="zh-CN" b="0" i="1" smtClean="0">
-                                    <a:latin typeface="Cambria Math" panose="02040503050406030204" pitchFamily="18" charset="0"/>
-                                  </a:rPr>
-                                  <m:t>𝑣</m:t>
-                                </m:r>
-                              </m:e>
-                            </m:acc>
+                            <m:r>
+                              <a:rPr lang="en-US" altLang="zh-CN" i="1">
+                                <a:solidFill>
+                                  <a:srgbClr val="00B0F0"/>
+                                </a:solidFill>
+                                <a:latin typeface="Cambria Math" panose="02040503050406030204" pitchFamily="18" charset="0"/>
+                              </a:rPr>
+                              <m:t>𝐹</m:t>
+                            </m:r>
                           </m:e>
                           <m:sub>
                             <m:r>
-                              <a:rPr lang="zh-CN" altLang="en-US" b="0" i="1" smtClean="0">
+                              <a:rPr lang="zh-CN" altLang="en-US" i="1">
+                                <a:solidFill>
+                                  <a:srgbClr val="00B0F0"/>
+                                </a:solidFill>
                                 <a:latin typeface="Cambria Math" panose="02040503050406030204" pitchFamily="18" charset="0"/>
                               </a:rPr>
                               <m:t>𝛼</m:t>
@@ -52269,372 +53535,93 @@
                           </m:sub>
                           <m:sup>
                             <m:r>
-                              <a:rPr lang="en-US" altLang="zh-CN" b="0" i="1" smtClean="0">
+                              <a:rPr lang="en-US" altLang="zh-CN" i="1">
+                                <a:solidFill>
+                                  <a:srgbClr val="00B0F0"/>
+                                </a:solidFill>
                                 <a:latin typeface="Cambria Math" panose="02040503050406030204" pitchFamily="18" charset="0"/>
                               </a:rPr>
                               <m:t>0</m:t>
                             </m:r>
                           </m:sup>
                         </m:sSubSup>
-                        <m:sSub>
-                          <m:sSubPr>
-                            <m:ctrlPr>
-                              <a:rPr lang="en-US" altLang="zh-CN" b="0" i="1" smtClean="0">
-                                <a:latin typeface="Cambria Math" panose="02040503050406030204" pitchFamily="18" charset="0"/>
-                              </a:rPr>
-                            </m:ctrlPr>
-                          </m:sSubPr>
-                          <m:e>
-                            <m:acc>
-                              <m:accPr>
-                                <m:chr m:val="⃗"/>
-                                <m:ctrlPr>
-                                  <a:rPr lang="en-US" altLang="zh-CN" b="0" i="1" smtClean="0">
-                                    <a:latin typeface="Cambria Math" panose="02040503050406030204" pitchFamily="18" charset="0"/>
-                                  </a:rPr>
-                                </m:ctrlPr>
-                              </m:accPr>
-                              <m:e>
-                                <m:r>
-                                  <a:rPr lang="en-US" altLang="zh-CN" b="0" i="1" smtClean="0">
-                                    <a:latin typeface="Cambria Math" panose="02040503050406030204" pitchFamily="18" charset="0"/>
-                                  </a:rPr>
-                                  <m:t>𝑒</m:t>
-                                </m:r>
-                              </m:e>
-                            </m:acc>
-                          </m:e>
-                          <m:sub>
-                            <m:r>
-                              <a:rPr lang="zh-CN" altLang="en-US" b="0" i="1" smtClean="0">
-                                <a:latin typeface="Cambria Math" panose="02040503050406030204" pitchFamily="18" charset="0"/>
-                              </a:rPr>
-                              <m:t>𝛼</m:t>
-                            </m:r>
-                          </m:sub>
-                        </m:sSub>
-                      </m:e>
-                    </m:d>
-                    <m:r>
-                      <a:rPr lang="en-US" altLang="zh-CN" b="0" i="1" smtClean="0">
-                        <a:latin typeface="Cambria Math" panose="02040503050406030204" pitchFamily="18" charset="0"/>
-                      </a:rPr>
-                      <m:t>≔</m:t>
-                    </m:r>
-                    <m:f>
-                      <m:fPr>
-                        <m:ctrlPr>
-                          <a:rPr lang="en-US" altLang="zh-CN" b="0" i="1" smtClean="0">
-                            <a:latin typeface="Cambria Math" panose="02040503050406030204" pitchFamily="18" charset="0"/>
-                          </a:rPr>
-                        </m:ctrlPr>
-                      </m:fPr>
-                      <m:num>
-                        <m:r>
-                          <a:rPr lang="en-US" altLang="zh-CN" b="0" i="1" smtClean="0">
-                            <a:latin typeface="Cambria Math" panose="02040503050406030204" pitchFamily="18" charset="0"/>
-                          </a:rPr>
-                          <m:t>1</m:t>
-                        </m:r>
-                      </m:num>
-                      <m:den>
-                        <m:r>
-                          <a:rPr lang="zh-CN" altLang="en-US" b="0" i="1" smtClean="0">
-                            <a:latin typeface="Cambria Math" panose="02040503050406030204" pitchFamily="18" charset="0"/>
-                          </a:rPr>
-                          <m:t>𝜏</m:t>
-                        </m:r>
-                      </m:den>
-                    </m:f>
-                    <m:r>
-                      <a:rPr lang="en-US" altLang="zh-CN" b="0" i="1" smtClean="0">
-                        <a:latin typeface="Cambria Math" panose="02040503050406030204" pitchFamily="18" charset="0"/>
-                      </a:rPr>
-                      <m:t>(</m:t>
-                    </m:r>
-                    <m:sSubSup>
-                      <m:sSubSupPr>
-                        <m:ctrlPr>
-                          <a:rPr lang="en-US" altLang="zh-CN" i="1">
-                            <a:latin typeface="Cambria Math" panose="02040503050406030204" pitchFamily="18" charset="0"/>
-                          </a:rPr>
-                        </m:ctrlPr>
-                      </m:sSubSupPr>
-                      <m:e>
-                        <m:acc>
-                          <m:accPr>
-                            <m:chr m:val="⃗"/>
-                            <m:ctrlPr>
-                              <a:rPr lang="en-US" altLang="zh-CN" i="1">
-                                <a:latin typeface="Cambria Math" panose="02040503050406030204" pitchFamily="18" charset="0"/>
-                              </a:rPr>
-                            </m:ctrlPr>
-                          </m:accPr>
-                          <m:e>
-                            <m:r>
-                              <a:rPr lang="en-US" altLang="zh-CN" i="1">
-                                <a:latin typeface="Cambria Math" panose="02040503050406030204" pitchFamily="18" charset="0"/>
-                              </a:rPr>
-                              <m:t>𝑣</m:t>
-                            </m:r>
-                          </m:e>
-                        </m:acc>
-                      </m:e>
-                      <m:sub>
-                        <m:r>
-                          <a:rPr lang="zh-CN" altLang="en-US" i="1">
-                            <a:latin typeface="Cambria Math" panose="02040503050406030204" pitchFamily="18" charset="0"/>
-                          </a:rPr>
-                          <m:t>𝛼</m:t>
-                        </m:r>
-                      </m:sub>
-                      <m:sup>
-                        <m:r>
-                          <a:rPr lang="en-US" altLang="zh-CN" i="1">
-                            <a:latin typeface="Cambria Math" panose="02040503050406030204" pitchFamily="18" charset="0"/>
-                          </a:rPr>
-                          <m:t>0</m:t>
-                        </m:r>
-                      </m:sup>
-                    </m:sSubSup>
-                    <m:sSub>
-                      <m:sSubPr>
-                        <m:ctrlPr>
-                          <a:rPr lang="en-US" altLang="zh-CN" i="1">
-                            <a:latin typeface="Cambria Math" panose="02040503050406030204" pitchFamily="18" charset="0"/>
-                          </a:rPr>
-                        </m:ctrlPr>
-                      </m:sSubPr>
-                      <m:e>
-                        <m:acc>
-                          <m:accPr>
-                            <m:chr m:val="⃗"/>
-                            <m:ctrlPr>
-                              <a:rPr lang="en-US" altLang="zh-CN" i="1">
-                                <a:latin typeface="Cambria Math" panose="02040503050406030204" pitchFamily="18" charset="0"/>
-                              </a:rPr>
-                            </m:ctrlPr>
-                          </m:accPr>
-                          <m:e>
-                            <m:r>
-                              <a:rPr lang="en-US" altLang="zh-CN" i="1">
-                                <a:latin typeface="Cambria Math" panose="02040503050406030204" pitchFamily="18" charset="0"/>
-                              </a:rPr>
-                              <m:t>𝑒</m:t>
-                            </m:r>
-                          </m:e>
-                        </m:acc>
-                      </m:e>
-                      <m:sub>
-                        <m:r>
-                          <a:rPr lang="zh-CN" altLang="en-US" i="1">
-                            <a:latin typeface="Cambria Math" panose="02040503050406030204" pitchFamily="18" charset="0"/>
-                          </a:rPr>
-                          <m:t>𝛼</m:t>
-                        </m:r>
-                      </m:sub>
-                    </m:sSub>
-                  </m:oMath>
-                </a14:m>
-                <a:r>
-                  <a:rPr lang="en-US" altLang="zh-CN" dirty="0"/>
-                  <a:t>- </a:t>
-                </a:r>
-                <a14:m>
-                  <m:oMath xmlns:m="http://schemas.openxmlformats.org/officeDocument/2006/math">
-                    <m:sSub>
-                      <m:sSubPr>
-                        <m:ctrlPr>
-                          <a:rPr lang="en-US" altLang="zh-CN" i="1">
-                            <a:latin typeface="Cambria Math" panose="02040503050406030204" pitchFamily="18" charset="0"/>
-                          </a:rPr>
-                        </m:ctrlPr>
-                      </m:sSubPr>
-                      <m:e>
-                        <m:acc>
-                          <m:accPr>
-                            <m:chr m:val="⃗"/>
-                            <m:ctrlPr>
-                              <a:rPr lang="en-US" altLang="zh-CN" i="1">
-                                <a:latin typeface="Cambria Math" panose="02040503050406030204" pitchFamily="18" charset="0"/>
-                              </a:rPr>
-                            </m:ctrlPr>
-                          </m:accPr>
-                          <m:e>
-                            <m:r>
-                              <a:rPr lang="en-US" altLang="zh-CN" i="1">
-                                <a:latin typeface="Cambria Math" panose="02040503050406030204" pitchFamily="18" charset="0"/>
-                              </a:rPr>
-                              <m:t>𝑣</m:t>
-                            </m:r>
-                          </m:e>
-                        </m:acc>
-                      </m:e>
-                      <m:sub>
-                        <m:r>
-                          <a:rPr lang="zh-CN" altLang="en-US" i="1">
-                            <a:latin typeface="Cambria Math" panose="02040503050406030204" pitchFamily="18" charset="0"/>
-                          </a:rPr>
-                          <m:t>𝛼</m:t>
-                        </m:r>
-                      </m:sub>
-                    </m:sSub>
-                  </m:oMath>
-                </a14:m>
-                <a:r>
-                  <a:rPr lang="en-US" altLang="zh-CN" dirty="0"/>
-                  <a:t>)</a:t>
-                </a:r>
-                <a:endParaRPr lang="zh-CN" altLang="en-US" dirty="0"/>
-              </a:p>
-            </p:txBody>
-          </p:sp>
-        </mc:Choice>
-        <mc:Fallback xmlns="">
-          <p:sp>
-            <p:nvSpPr>
-              <p:cNvPr id="17" name="TextBox 16">
-                <a:extLst>
-                  <a:ext uri="{FF2B5EF4-FFF2-40B4-BE49-F238E27FC236}">
-                    <a16:creationId xmlns:a16="http://schemas.microsoft.com/office/drawing/2014/main" id="{D4BDF5E8-E7C3-478A-8378-D76F4624A1D3}"/>
-                  </a:ext>
-                </a:extLst>
-              </p:cNvPr>
-              <p:cNvSpPr txBox="1">
-                <a:spLocks noRot="1" noChangeAspect="1" noMove="1" noResize="1" noEditPoints="1" noAdjustHandles="1" noChangeArrowheads="1" noChangeShapeType="1" noTextEdit="1"/>
-              </p:cNvSpPr>
-              <p:nvPr/>
-            </p:nvSpPr>
-            <p:spPr>
-              <a:xfrm>
-                <a:off x="1938735" y="3192861"/>
-                <a:ext cx="2782621" cy="392608"/>
-              </a:xfrm>
-              <a:prstGeom prst="rect">
-                <a:avLst/>
-              </a:prstGeom>
-              <a:blipFill>
-                <a:blip r:embed="rId5"/>
-                <a:stretch>
-                  <a:fillRect l="-2845" t="-18750" r="-6127" b="-20313"/>
-                </a:stretch>
-              </a:blipFill>
-            </p:spPr>
-            <p:txBody>
-              <a:bodyPr/>
-              <a:lstStyle/>
-              <a:p>
-                <a:r>
-                  <a:rPr lang="zh-CN" altLang="en-US">
-                    <a:noFill/>
-                  </a:rPr>
-                  <a:t> </a:t>
-                </a:r>
-              </a:p>
-            </p:txBody>
-          </p:sp>
-        </mc:Fallback>
-      </mc:AlternateContent>
-      <mc:AlternateContent xmlns:mc="http://schemas.openxmlformats.org/markup-compatibility/2006" xmlns:a14="http://schemas.microsoft.com/office/drawing/2010/main">
-        <mc:Choice Requires="a14">
-          <p:sp>
-            <p:nvSpPr>
-              <p:cNvPr id="18" name="TextBox 17">
-                <a:extLst>
-                  <a:ext uri="{FF2B5EF4-FFF2-40B4-BE49-F238E27FC236}">
-                    <a16:creationId xmlns:a16="http://schemas.microsoft.com/office/drawing/2014/main" id="{7A96683B-80B6-4713-B84D-460267A807EA}"/>
-                  </a:ext>
-                </a:extLst>
-              </p:cNvPr>
-              <p:cNvSpPr txBox="1"/>
-              <p:nvPr/>
-            </p:nvSpPr>
-            <p:spPr>
-              <a:xfrm>
-                <a:off x="1952553" y="4631990"/>
-                <a:ext cx="2679003" cy="385042"/>
-              </a:xfrm>
-              <a:prstGeom prst="rect">
-                <a:avLst/>
-              </a:prstGeom>
-              <a:noFill/>
-            </p:spPr>
-            <p:txBody>
-              <a:bodyPr wrap="none" lIns="0" tIns="0" rIns="0" bIns="0" rtlCol="0">
-                <a:spAutoFit/>
-              </a:bodyPr>
-              <a:lstStyle/>
-              <a:p>
-                <a14:m>
-                  <m:oMath xmlns:m="http://schemas.openxmlformats.org/officeDocument/2006/math">
-                    <m:sSub>
-                      <m:sSubPr>
-                        <m:ctrlPr>
-                          <a:rPr lang="en-US" altLang="zh-CN" b="0" i="1" smtClean="0">
-                            <a:latin typeface="Cambria Math" panose="02040503050406030204" pitchFamily="18" charset="0"/>
-                          </a:rPr>
-                        </m:ctrlPr>
-                      </m:sSubPr>
-                      <m:e>
-                        <m:acc>
-                          <m:accPr>
-                            <m:chr m:val="⃗"/>
-                            <m:ctrlPr>
-                              <a:rPr lang="zh-CN" altLang="en-US" i="1" smtClean="0">
-                                <a:latin typeface="Cambria Math" panose="02040503050406030204" pitchFamily="18" charset="0"/>
-                              </a:rPr>
-                            </m:ctrlPr>
-                          </m:accPr>
-                          <m:e>
-                            <m:r>
-                              <a:rPr lang="en-US" altLang="zh-CN" b="0" i="1" smtClean="0">
-                                <a:latin typeface="Cambria Math" panose="02040503050406030204" pitchFamily="18" charset="0"/>
-                              </a:rPr>
-                              <m:t>𝑓</m:t>
-                            </m:r>
-                          </m:e>
-                        </m:acc>
-                      </m:e>
-                      <m:sub>
-                        <m:r>
-                          <a:rPr lang="zh-CN" altLang="en-US" b="0" i="1" smtClean="0">
-                            <a:latin typeface="Cambria Math" panose="02040503050406030204" pitchFamily="18" charset="0"/>
-                          </a:rPr>
-                          <m:t>𝛼𝛽</m:t>
-                        </m:r>
-                      </m:sub>
-                    </m:sSub>
-                    <m:r>
-                      <a:rPr lang="en-US" altLang="zh-CN" b="0" i="1" smtClean="0">
-                        <a:latin typeface="Cambria Math" panose="02040503050406030204" pitchFamily="18" charset="0"/>
-                      </a:rPr>
-                      <m:t>≔−</m:t>
-                    </m:r>
-                    <m:r>
-                      <a:rPr lang="en-US" altLang="zh-CN" b="0" i="1" smtClean="0">
-                        <a:latin typeface="Cambria Math" panose="02040503050406030204" pitchFamily="18" charset="0"/>
-                      </a:rPr>
-                      <m:t>𝑤</m:t>
-                    </m:r>
-                    <m:sSub>
-                      <m:sSubPr>
-                        <m:ctrlPr>
-                          <a:rPr lang="en-US" altLang="zh-CN" b="0" i="1" smtClean="0">
-                            <a:latin typeface="Cambria Math" panose="02040503050406030204" pitchFamily="18" charset="0"/>
-                            <a:ea typeface="Cambria Math" panose="02040503050406030204" pitchFamily="18" charset="0"/>
-                          </a:rPr>
-                        </m:ctrlPr>
-                      </m:sSubPr>
-                      <m:e>
-                        <m:r>
-                          <a:rPr lang="en-US" altLang="zh-CN" i="1">
-                            <a:latin typeface="Cambria Math" panose="02040503050406030204" pitchFamily="18" charset="0"/>
-                            <a:ea typeface="Cambria Math" panose="02040503050406030204" pitchFamily="18" charset="0"/>
-                          </a:rPr>
-                          <m:t>𝛻</m:t>
-                        </m:r>
-                      </m:e>
-                      <m:sub>
+                      </m:oMath>
+                    </m:oMathPara>
+                  </a14:m>
+                  <a:endParaRPr lang="en-US" dirty="0"/>
+                </a:p>
+              </p:txBody>
+            </p:sp>
+          </mc:Choice>
+          <mc:Fallback xmlns="">
+            <p:sp>
+              <p:nvSpPr>
+                <p:cNvPr id="33" name="Rectangle 32"/>
+                <p:cNvSpPr>
+                  <a:spLocks noRot="1" noChangeAspect="1" noMove="1" noResize="1" noEditPoints="1" noAdjustHandles="1" noChangeArrowheads="1" noChangeShapeType="1" noTextEdit="1"/>
+                </p:cNvSpPr>
+                <p:nvPr/>
+              </p:nvSpPr>
+              <p:spPr>
+                <a:xfrm>
+                  <a:off x="6958416" y="2499353"/>
+                  <a:ext cx="506228" cy="369332"/>
+                </a:xfrm>
+                <a:prstGeom prst="rect">
+                  <a:avLst/>
+                </a:prstGeom>
+                <a:blipFill rotWithShape="0">
+                  <a:blip r:embed="rId8"/>
+                  <a:stretch>
+                    <a:fillRect/>
+                  </a:stretch>
+                </a:blipFill>
+              </p:spPr>
+              <p:txBody>
+                <a:bodyPr/>
+                <a:lstStyle/>
+                <a:p>
+                  <a:r>
+                    <a:rPr lang="en-US">
+                      <a:noFill/>
+                    </a:rPr>
+                    <a:t> </a:t>
+                  </a:r>
+                </a:p>
+              </p:txBody>
+            </p:sp>
+          </mc:Fallback>
+        </mc:AlternateContent>
+        <mc:AlternateContent xmlns:mc="http://schemas.openxmlformats.org/markup-compatibility/2006" xmlns:a14="http://schemas.microsoft.com/office/drawing/2010/main">
+          <mc:Choice Requires="a14">
+            <p:sp>
+              <p:nvSpPr>
+                <p:cNvPr id="34" name="Rectangle 33"/>
+                <p:cNvSpPr/>
+                <p:nvPr/>
+              </p:nvSpPr>
+              <p:spPr>
+                <a:xfrm>
+                  <a:off x="6434940" y="2277018"/>
+                  <a:ext cx="487121" cy="369332"/>
+                </a:xfrm>
+                <a:prstGeom prst="rect">
+                  <a:avLst/>
+                </a:prstGeom>
+              </p:spPr>
+              <p:txBody>
+                <a:bodyPr wrap="none">
+                  <a:spAutoFit/>
+                </a:bodyPr>
+                <a:lstStyle/>
+                <a:p>
+                  <a:pPr/>
+                  <a14:m>
+                    <m:oMathPara xmlns:m="http://schemas.openxmlformats.org/officeDocument/2006/math">
+                      <m:oMathParaPr>
+                        <m:jc m:val="centerGroup"/>
+                      </m:oMathParaPr>
+                      <m:oMath xmlns:m="http://schemas.openxmlformats.org/officeDocument/2006/math">
                         <m:sSub>
                           <m:sSubPr>
                             <m:ctrlPr>
@@ -52658,7 +53645,7 @@
                                   <a:rPr lang="en-US" altLang="zh-CN" i="1">
                                     <a:latin typeface="Cambria Math" panose="02040503050406030204" pitchFamily="18" charset="0"/>
                                   </a:rPr>
-                                  <m:t>𝑟</m:t>
+                                  <m:t>𝑣</m:t>
                                 </m:r>
                               </m:e>
                             </m:acc>
@@ -52668,604 +53655,629 @@
                               <a:rPr lang="zh-CN" altLang="en-US" i="1">
                                 <a:latin typeface="Cambria Math" panose="02040503050406030204" pitchFamily="18" charset="0"/>
                               </a:rPr>
-                              <m:t>𝛼𝛽</m:t>
-                            </m:r>
-                            <m:r>
-                              <a:rPr lang="en-US" altLang="zh-CN" i="1">
-                                <a:latin typeface="Cambria Math" panose="02040503050406030204" pitchFamily="18" charset="0"/>
-                              </a:rPr>
-                              <m:t> </m:t>
+                              <m:t>𝛼</m:t>
                             </m:r>
                           </m:sub>
                         </m:sSub>
-                      </m:sub>
-                    </m:sSub>
-                    <m:sSub>
-                      <m:sSubPr>
-                        <m:ctrlPr>
-                          <a:rPr lang="en-US" altLang="zh-CN" b="0" i="1" smtClean="0">
-                            <a:latin typeface="Cambria Math" panose="02040503050406030204" pitchFamily="18" charset="0"/>
-                            <a:ea typeface="Cambria Math" panose="02040503050406030204" pitchFamily="18" charset="0"/>
-                          </a:rPr>
-                        </m:ctrlPr>
-                      </m:sSubPr>
-                      <m:e>
-                        <m:r>
-                          <a:rPr lang="en-US" altLang="zh-CN" b="0" i="1" smtClean="0">
-                            <a:latin typeface="Cambria Math" panose="02040503050406030204" pitchFamily="18" charset="0"/>
-                            <a:ea typeface="Cambria Math" panose="02040503050406030204" pitchFamily="18" charset="0"/>
-                          </a:rPr>
-                          <m:t>𝑉</m:t>
-                        </m:r>
-                      </m:e>
-                      <m:sub>
-                        <m:r>
-                          <a:rPr lang="zh-CN" altLang="en-US" b="0" i="1" smtClean="0">
-                            <a:latin typeface="Cambria Math" panose="02040503050406030204" pitchFamily="18" charset="0"/>
-                            <a:ea typeface="Cambria Math" panose="02040503050406030204" pitchFamily="18" charset="0"/>
-                          </a:rPr>
-                          <m:t>𝛼𝛽</m:t>
-                        </m:r>
-                      </m:sub>
-                    </m:sSub>
-                    <m:r>
-                      <a:rPr lang="en-US" altLang="zh-CN" b="0" i="1" smtClean="0">
-                        <a:latin typeface="Cambria Math" panose="02040503050406030204" pitchFamily="18" charset="0"/>
-                        <a:ea typeface="Cambria Math" panose="02040503050406030204" pitchFamily="18" charset="0"/>
-                      </a:rPr>
-                      <m:t>[</m:t>
-                    </m:r>
-                    <m:r>
-                      <a:rPr lang="en-US" altLang="zh-CN" b="0" i="1" smtClean="0">
-                        <a:latin typeface="Cambria Math" panose="02040503050406030204" pitchFamily="18" charset="0"/>
-                        <a:ea typeface="Cambria Math" panose="02040503050406030204" pitchFamily="18" charset="0"/>
-                      </a:rPr>
-                      <m:t>𝑏</m:t>
-                    </m:r>
-                    <m:r>
-                      <a:rPr lang="en-US" altLang="zh-CN" b="0" i="1" smtClean="0">
-                        <a:latin typeface="Cambria Math" panose="02040503050406030204" pitchFamily="18" charset="0"/>
-                        <a:ea typeface="Cambria Math" panose="02040503050406030204" pitchFamily="18" charset="0"/>
-                      </a:rPr>
-                      <m:t>(</m:t>
-                    </m:r>
-                    <m:sSub>
-                      <m:sSubPr>
-                        <m:ctrlPr>
-                          <a:rPr lang="en-US" altLang="zh-CN" i="1">
-                            <a:latin typeface="Cambria Math" panose="02040503050406030204" pitchFamily="18" charset="0"/>
-                          </a:rPr>
-                        </m:ctrlPr>
-                      </m:sSubPr>
-                      <m:e>
-                        <m:acc>
-                          <m:accPr>
-                            <m:chr m:val="⃗"/>
+                      </m:oMath>
+                    </m:oMathPara>
+                  </a14:m>
+                  <a:endParaRPr lang="en-US" dirty="0"/>
+                </a:p>
+              </p:txBody>
+            </p:sp>
+          </mc:Choice>
+          <mc:Fallback xmlns="">
+            <p:sp>
+              <p:nvSpPr>
+                <p:cNvPr id="34" name="Rectangle 33"/>
+                <p:cNvSpPr>
+                  <a:spLocks noRot="1" noChangeAspect="1" noMove="1" noResize="1" noEditPoints="1" noAdjustHandles="1" noChangeArrowheads="1" noChangeShapeType="1" noTextEdit="1"/>
+                </p:cNvSpPr>
+                <p:nvPr/>
+              </p:nvSpPr>
+              <p:spPr>
+                <a:xfrm>
+                  <a:off x="6434940" y="2277018"/>
+                  <a:ext cx="487121" cy="369332"/>
+                </a:xfrm>
+                <a:prstGeom prst="rect">
+                  <a:avLst/>
+                </a:prstGeom>
+                <a:blipFill rotWithShape="0">
+                  <a:blip r:embed="rId9"/>
+                  <a:stretch>
+                    <a:fillRect t="-21311" r="-23750"/>
+                  </a:stretch>
+                </a:blipFill>
+              </p:spPr>
+              <p:txBody>
+                <a:bodyPr/>
+                <a:lstStyle/>
+                <a:p>
+                  <a:r>
+                    <a:rPr lang="en-US">
+                      <a:noFill/>
+                    </a:rPr>
+                    <a:t> </a:t>
+                  </a:r>
+                </a:p>
+              </p:txBody>
+            </p:sp>
+          </mc:Fallback>
+        </mc:AlternateContent>
+        <mc:AlternateContent xmlns:mc="http://schemas.openxmlformats.org/markup-compatibility/2006" xmlns:a14="http://schemas.microsoft.com/office/drawing/2010/main">
+          <mc:Choice Requires="a14">
+            <p:sp>
+              <p:nvSpPr>
+                <p:cNvPr id="35" name="Rectangle 34"/>
+                <p:cNvSpPr/>
+                <p:nvPr/>
+              </p:nvSpPr>
+              <p:spPr>
+                <a:xfrm>
+                  <a:off x="6866350" y="1952037"/>
+                  <a:ext cx="728533" cy="369332"/>
+                </a:xfrm>
+                <a:prstGeom prst="rect">
+                  <a:avLst/>
+                </a:prstGeom>
+              </p:spPr>
+              <p:txBody>
+                <a:bodyPr wrap="none">
+                  <a:spAutoFit/>
+                </a:bodyPr>
+                <a:lstStyle/>
+                <a:p>
+                  <a:pPr/>
+                  <a14:m>
+                    <m:oMathPara xmlns:m="http://schemas.openxmlformats.org/officeDocument/2006/math">
+                      <m:oMathParaPr>
+                        <m:jc m:val="centerGroup"/>
+                      </m:oMathParaPr>
+                      <m:oMath xmlns:m="http://schemas.openxmlformats.org/officeDocument/2006/math">
+                        <m:sSubSup>
+                          <m:sSubSupPr>
                             <m:ctrlPr>
                               <a:rPr lang="en-US" altLang="zh-CN" i="1">
                                 <a:latin typeface="Cambria Math" panose="02040503050406030204" pitchFamily="18" charset="0"/>
                               </a:rPr>
                             </m:ctrlPr>
-                          </m:accPr>
+                          </m:sSubSupPr>
                           <m:e>
+                            <m:acc>
+                              <m:accPr>
+                                <m:chr m:val="⃗"/>
+                                <m:ctrlPr>
+                                  <a:rPr lang="en-US" altLang="zh-CN" i="1">
+                                    <a:latin typeface="Cambria Math" panose="02040503050406030204" pitchFamily="18" charset="0"/>
+                                  </a:rPr>
+                                </m:ctrlPr>
+                              </m:accPr>
+                              <m:e>
+                                <m:r>
+                                  <a:rPr lang="en-US" altLang="zh-CN" i="1">
+                                    <a:latin typeface="Cambria Math" panose="02040503050406030204" pitchFamily="18" charset="0"/>
+                                  </a:rPr>
+                                  <m:t>𝑣</m:t>
+                                </m:r>
+                              </m:e>
+                            </m:acc>
+                          </m:e>
+                          <m:sub>
+                            <m:r>
+                              <a:rPr lang="zh-CN" altLang="en-US" i="1">
+                                <a:latin typeface="Cambria Math" panose="02040503050406030204" pitchFamily="18" charset="0"/>
+                              </a:rPr>
+                              <m:t>𝛼</m:t>
+                            </m:r>
+                          </m:sub>
+                          <m:sup>
                             <m:r>
                               <a:rPr lang="en-US" altLang="zh-CN" i="1">
                                 <a:latin typeface="Cambria Math" panose="02040503050406030204" pitchFamily="18" charset="0"/>
                               </a:rPr>
-                              <m:t>𝑟</m:t>
+                              <m:t>0</m:t>
                             </m:r>
+                          </m:sup>
+                        </m:sSubSup>
+                        <m:sSub>
+                          <m:sSubPr>
+                            <m:ctrlPr>
+                              <a:rPr lang="en-US" altLang="zh-CN" i="1">
+                                <a:latin typeface="Cambria Math" panose="02040503050406030204" pitchFamily="18" charset="0"/>
+                              </a:rPr>
+                            </m:ctrlPr>
+                          </m:sSubPr>
+                          <m:e>
+                            <m:acc>
+                              <m:accPr>
+                                <m:chr m:val="⃗"/>
+                                <m:ctrlPr>
+                                  <a:rPr lang="en-US" altLang="zh-CN" i="1">
+                                    <a:latin typeface="Cambria Math" panose="02040503050406030204" pitchFamily="18" charset="0"/>
+                                  </a:rPr>
+                                </m:ctrlPr>
+                              </m:accPr>
+                              <m:e>
+                                <m:r>
+                                  <a:rPr lang="en-US" altLang="zh-CN" i="1">
+                                    <a:latin typeface="Cambria Math" panose="02040503050406030204" pitchFamily="18" charset="0"/>
+                                  </a:rPr>
+                                  <m:t>𝑒</m:t>
+                                </m:r>
+                              </m:e>
+                            </m:acc>
                           </m:e>
-                        </m:acc>
-                      </m:e>
-                      <m:sub>
-                        <m:r>
-                          <a:rPr lang="zh-CN" altLang="en-US" i="1">
-                            <a:latin typeface="Cambria Math" panose="02040503050406030204" pitchFamily="18" charset="0"/>
-                          </a:rPr>
-                          <m:t>𝛼𝛽</m:t>
-                        </m:r>
-                        <m:r>
-                          <a:rPr lang="en-US" altLang="zh-CN" i="1">
-                            <a:latin typeface="Cambria Math" panose="02040503050406030204" pitchFamily="18" charset="0"/>
-                          </a:rPr>
-                          <m:t> </m:t>
-                        </m:r>
-                      </m:sub>
-                    </m:sSub>
-                  </m:oMath>
-                </a14:m>
-                <a:r>
-                  <a:rPr lang="en-US" altLang="zh-CN" dirty="0"/>
-                  <a:t>)]</a:t>
-                </a:r>
-                <a:endParaRPr lang="zh-CN" altLang="en-US" dirty="0"/>
-              </a:p>
-            </p:txBody>
-          </p:sp>
-        </mc:Choice>
-        <mc:Fallback xmlns="">
+                          <m:sub>
+                            <m:r>
+                              <a:rPr lang="zh-CN" altLang="en-US" i="1">
+                                <a:latin typeface="Cambria Math" panose="02040503050406030204" pitchFamily="18" charset="0"/>
+                              </a:rPr>
+                              <m:t>𝛼</m:t>
+                            </m:r>
+                          </m:sub>
+                        </m:sSub>
+                      </m:oMath>
+                    </m:oMathPara>
+                  </a14:m>
+                  <a:endParaRPr lang="en-US" dirty="0"/>
+                </a:p>
+              </p:txBody>
+            </p:sp>
+          </mc:Choice>
+          <mc:Fallback xmlns="">
+            <p:sp>
+              <p:nvSpPr>
+                <p:cNvPr id="35" name="Rectangle 34"/>
+                <p:cNvSpPr>
+                  <a:spLocks noRot="1" noChangeAspect="1" noMove="1" noResize="1" noEditPoints="1" noAdjustHandles="1" noChangeArrowheads="1" noChangeShapeType="1" noTextEdit="1"/>
+                </p:cNvSpPr>
+                <p:nvPr/>
+              </p:nvSpPr>
+              <p:spPr>
+                <a:xfrm>
+                  <a:off x="6866350" y="1952037"/>
+                  <a:ext cx="728533" cy="369332"/>
+                </a:xfrm>
+                <a:prstGeom prst="rect">
+                  <a:avLst/>
+                </a:prstGeom>
+                <a:blipFill rotWithShape="0">
+                  <a:blip r:embed="rId10"/>
+                  <a:stretch>
+                    <a:fillRect t="-21311" r="-20000"/>
+                  </a:stretch>
+                </a:blipFill>
+              </p:spPr>
+              <p:txBody>
+                <a:bodyPr/>
+                <a:lstStyle/>
+                <a:p>
+                  <a:r>
+                    <a:rPr lang="en-US">
+                      <a:noFill/>
+                    </a:rPr>
+                    <a:t> </a:t>
+                  </a:r>
+                </a:p>
+              </p:txBody>
+            </p:sp>
+          </mc:Fallback>
+        </mc:AlternateContent>
+      </p:grpSp>
+      <p:grpSp>
+        <p:nvGrpSpPr>
+          <p:cNvPr id="46" name="Group 45"/>
+          <p:cNvGrpSpPr/>
+          <p:nvPr/>
+        </p:nvGrpSpPr>
+        <p:grpSpPr>
+          <a:xfrm>
+            <a:off x="2564804" y="4335447"/>
+            <a:ext cx="4162079" cy="1386741"/>
+            <a:chOff x="660234" y="4420457"/>
+            <a:chExt cx="4162079" cy="1386741"/>
+          </a:xfrm>
+        </p:grpSpPr>
+        <mc:AlternateContent xmlns:mc="http://schemas.openxmlformats.org/markup-compatibility/2006" xmlns:a14="http://schemas.microsoft.com/office/drawing/2010/main">
+          <mc:Choice Requires="a14">
+            <p:sp>
+              <p:nvSpPr>
+                <p:cNvPr id="40" name="Rectangle 39"/>
+                <p:cNvSpPr/>
+                <p:nvPr/>
+              </p:nvSpPr>
+              <p:spPr>
+                <a:xfrm>
+                  <a:off x="2646626" y="5068222"/>
+                  <a:ext cx="487121" cy="369332"/>
+                </a:xfrm>
+                <a:prstGeom prst="rect">
+                  <a:avLst/>
+                </a:prstGeom>
+              </p:spPr>
+              <p:txBody>
+                <a:bodyPr wrap="none">
+                  <a:spAutoFit/>
+                </a:bodyPr>
+                <a:lstStyle/>
+                <a:p>
+                  <a:pPr/>
+                  <a14:m>
+                    <m:oMathPara xmlns:m="http://schemas.openxmlformats.org/officeDocument/2006/math">
+                      <m:oMathParaPr>
+                        <m:jc m:val="centerGroup"/>
+                      </m:oMathParaPr>
+                      <m:oMath xmlns:m="http://schemas.openxmlformats.org/officeDocument/2006/math">
+                        <m:sSub>
+                          <m:sSubPr>
+                            <m:ctrlPr>
+                              <a:rPr lang="en-US" altLang="zh-CN" i="1">
+                                <a:latin typeface="Cambria Math" panose="02040503050406030204" pitchFamily="18" charset="0"/>
+                              </a:rPr>
+                            </m:ctrlPr>
+                          </m:sSubPr>
+                          <m:e>
+                            <m:acc>
+                              <m:accPr>
+                                <m:chr m:val="⃗"/>
+                                <m:ctrlPr>
+                                  <a:rPr lang="en-US" altLang="zh-CN" i="1">
+                                    <a:latin typeface="Cambria Math" panose="02040503050406030204" pitchFamily="18" charset="0"/>
+                                  </a:rPr>
+                                </m:ctrlPr>
+                              </m:accPr>
+                              <m:e>
+                                <m:r>
+                                  <a:rPr lang="en-US" altLang="zh-CN" i="1">
+                                    <a:latin typeface="Cambria Math" panose="02040503050406030204" pitchFamily="18" charset="0"/>
+                                  </a:rPr>
+                                  <m:t>𝑣</m:t>
+                                </m:r>
+                              </m:e>
+                            </m:acc>
+                          </m:e>
+                          <m:sub>
+                            <m:r>
+                              <a:rPr lang="zh-CN" altLang="en-US" i="1">
+                                <a:latin typeface="Cambria Math" panose="02040503050406030204" pitchFamily="18" charset="0"/>
+                              </a:rPr>
+                              <m:t>𝛼</m:t>
+                            </m:r>
+                          </m:sub>
+                        </m:sSub>
+                      </m:oMath>
+                    </m:oMathPara>
+                  </a14:m>
+                  <a:endParaRPr lang="en-US" dirty="0"/>
+                </a:p>
+              </p:txBody>
+            </p:sp>
+          </mc:Choice>
+          <mc:Fallback xmlns="">
+            <p:sp>
+              <p:nvSpPr>
+                <p:cNvPr id="40" name="Rectangle 39"/>
+                <p:cNvSpPr>
+                  <a:spLocks noRot="1" noChangeAspect="1" noMove="1" noResize="1" noEditPoints="1" noAdjustHandles="1" noChangeArrowheads="1" noChangeShapeType="1" noTextEdit="1"/>
+                </p:cNvSpPr>
+                <p:nvPr/>
+              </p:nvSpPr>
+              <p:spPr>
+                <a:xfrm>
+                  <a:off x="2646626" y="5068222"/>
+                  <a:ext cx="487121" cy="369332"/>
+                </a:xfrm>
+                <a:prstGeom prst="rect">
+                  <a:avLst/>
+                </a:prstGeom>
+                <a:blipFill rotWithShape="0">
+                  <a:blip r:embed="rId11"/>
+                  <a:stretch>
+                    <a:fillRect t="-21311" r="-24051"/>
+                  </a:stretch>
+                </a:blipFill>
+              </p:spPr>
+              <p:txBody>
+                <a:bodyPr/>
+                <a:lstStyle/>
+                <a:p>
+                  <a:r>
+                    <a:rPr lang="en-US">
+                      <a:noFill/>
+                    </a:rPr>
+                    <a:t> </a:t>
+                  </a:r>
+                </a:p>
+              </p:txBody>
+            </p:sp>
+          </mc:Fallback>
+        </mc:AlternateContent>
+        <p:grpSp>
+          <p:nvGrpSpPr>
+            <p:cNvPr id="45" name="Group 44"/>
+            <p:cNvGrpSpPr/>
+            <p:nvPr/>
+          </p:nvGrpSpPr>
+          <p:grpSpPr>
+            <a:xfrm>
+              <a:off x="660234" y="4420457"/>
+              <a:ext cx="4162079" cy="1386741"/>
+              <a:chOff x="660234" y="4420457"/>
+              <a:chExt cx="4162079" cy="1386741"/>
+            </a:xfrm>
+          </p:grpSpPr>
           <p:sp>
             <p:nvSpPr>
-              <p:cNvPr id="18" name="TextBox 17">
-                <a:extLst>
-                  <a:ext uri="{FF2B5EF4-FFF2-40B4-BE49-F238E27FC236}">
-                    <a16:creationId xmlns:a16="http://schemas.microsoft.com/office/drawing/2014/main" id="{7A96683B-80B6-4713-B84D-460267A807EA}"/>
-                  </a:ext>
-                </a:extLst>
-              </p:cNvPr>
-              <p:cNvSpPr txBox="1">
-                <a:spLocks noRot="1" noChangeAspect="1" noMove="1" noResize="1" noEditPoints="1" noAdjustHandles="1" noChangeArrowheads="1" noChangeShapeType="1" noTextEdit="1"/>
-              </p:cNvSpPr>
+              <p:cNvPr id="38" name="Oval 37"/>
+              <p:cNvSpPr/>
               <p:nvPr/>
             </p:nvSpPr>
             <p:spPr>
               <a:xfrm>
-                <a:off x="1952553" y="4631990"/>
-                <a:ext cx="2679003" cy="385042"/>
+                <a:off x="2493219" y="5013176"/>
+                <a:ext cx="216024" cy="216024"/>
               </a:xfrm>
-              <a:prstGeom prst="rect">
+              <a:prstGeom prst="ellipse">
                 <a:avLst/>
               </a:prstGeom>
-              <a:blipFill>
-                <a:blip r:embed="rId6"/>
-                <a:stretch>
-                  <a:fillRect l="-4091" t="-34921" r="-4545" b="-19048"/>
-                </a:stretch>
-              </a:blipFill>
+              <a:solidFill>
+                <a:schemeClr val="tx1"/>
+              </a:solidFill>
+              <a:ln>
+                <a:noFill/>
+              </a:ln>
             </p:spPr>
+            <p:style>
+              <a:lnRef idx="2">
+                <a:schemeClr val="accent1">
+                  <a:shade val="50000"/>
+                </a:schemeClr>
+              </a:lnRef>
+              <a:fillRef idx="1">
+                <a:schemeClr val="accent1"/>
+              </a:fillRef>
+              <a:effectRef idx="0">
+                <a:schemeClr val="accent1"/>
+              </a:effectRef>
+              <a:fontRef idx="minor">
+                <a:schemeClr val="lt1"/>
+              </a:fontRef>
+            </p:style>
             <p:txBody>
-              <a:bodyPr/>
+              <a:bodyPr rtlCol="0" anchor="ctr"/>
               <a:lstStyle/>
               <a:p>
-                <a:r>
-                  <a:rPr lang="zh-CN" altLang="en-US">
-                    <a:noFill/>
-                  </a:rPr>
-                  <a:t> </a:t>
-                </a:r>
+                <a:pPr algn="ctr"/>
+                <a:endParaRPr lang="en-US"/>
               </a:p>
             </p:txBody>
           </p:sp>
-        </mc:Fallback>
-      </mc:AlternateContent>
-      <mc:AlternateContent xmlns:mc="http://schemas.openxmlformats.org/markup-compatibility/2006" xmlns:a14="http://schemas.microsoft.com/office/drawing/2010/main">
-        <mc:Choice Requires="a14">
+          <p:cxnSp>
+            <p:nvCxnSpPr>
+              <p:cNvPr id="39" name="Straight Arrow Connector 38"/>
+              <p:cNvCxnSpPr/>
+              <p:nvPr/>
+            </p:nvCxnSpPr>
+            <p:spPr>
+              <a:xfrm>
+                <a:off x="2709243" y="5121188"/>
+                <a:ext cx="559230" cy="12970"/>
+              </a:xfrm>
+              <a:prstGeom prst="straightConnector1">
+                <a:avLst/>
+              </a:prstGeom>
+              <a:ln w="38100" cap="sq">
+                <a:solidFill>
+                  <a:schemeClr val="tx1"/>
+                </a:solidFill>
+                <a:round/>
+                <a:headEnd type="none" w="med" len="med"/>
+                <a:tailEnd type="triangle"/>
+              </a:ln>
+            </p:spPr>
+            <p:style>
+              <a:lnRef idx="1">
+                <a:schemeClr val="accent1"/>
+              </a:lnRef>
+              <a:fillRef idx="0">
+                <a:schemeClr val="accent1"/>
+              </a:fillRef>
+              <a:effectRef idx="0">
+                <a:schemeClr val="accent1"/>
+              </a:effectRef>
+              <a:fontRef idx="minor">
+                <a:schemeClr val="tx1"/>
+              </a:fontRef>
+            </p:style>
+          </p:cxnSp>
           <p:sp>
             <p:nvSpPr>
-              <p:cNvPr id="19" name="TextBox 18">
-                <a:extLst>
-                  <a:ext uri="{FF2B5EF4-FFF2-40B4-BE49-F238E27FC236}">
-                    <a16:creationId xmlns:a16="http://schemas.microsoft.com/office/drawing/2014/main" id="{6EB59F17-9BF2-457E-AC5E-9CC087B1FBFA}"/>
-                  </a:ext>
-                </a:extLst>
-              </p:cNvPr>
-              <p:cNvSpPr txBox="1"/>
+              <p:cNvPr id="42" name="Oval 41"/>
+              <p:cNvSpPr/>
               <p:nvPr/>
             </p:nvSpPr>
             <p:spPr>
               <a:xfrm>
-                <a:off x="6093619" y="4631990"/>
-                <a:ext cx="4878195" cy="563680"/>
+                <a:off x="1714525" y="4786126"/>
+                <a:ext cx="2152625" cy="683093"/>
               </a:xfrm>
-              <a:prstGeom prst="rect">
+              <a:prstGeom prst="ellipse">
                 <a:avLst/>
               </a:prstGeom>
               <a:noFill/>
+              <a:ln w="38100">
+                <a:solidFill>
+                  <a:srgbClr val="FF0000"/>
+                </a:solidFill>
+              </a:ln>
             </p:spPr>
+            <p:style>
+              <a:lnRef idx="2">
+                <a:schemeClr val="accent1">
+                  <a:shade val="50000"/>
+                </a:schemeClr>
+              </a:lnRef>
+              <a:fillRef idx="1">
+                <a:schemeClr val="accent1"/>
+              </a:fillRef>
+              <a:effectRef idx="0">
+                <a:schemeClr val="accent1"/>
+              </a:effectRef>
+              <a:fontRef idx="minor">
+                <a:schemeClr val="lt1"/>
+              </a:fontRef>
+            </p:style>
             <p:txBody>
-              <a:bodyPr wrap="none" lIns="0" tIns="0" rIns="0" bIns="0" rtlCol="0">
-                <a:spAutoFit/>
-              </a:bodyPr>
+              <a:bodyPr rtlCol="0" anchor="ctr"/>
               <a:lstStyle/>
               <a:p>
-                <a:pPr/>
-                <a14:m>
-                  <m:oMathPara xmlns:m="http://schemas.openxmlformats.org/officeDocument/2006/math">
-                    <m:oMathParaPr>
-                      <m:jc m:val="centerGroup"/>
-                    </m:oMathParaPr>
-                    <m:oMath xmlns:m="http://schemas.openxmlformats.org/officeDocument/2006/math">
-                      <m:r>
-                        <a:rPr lang="en-US" altLang="zh-CN" b="0" i="1" smtClean="0">
-                          <a:latin typeface="Cambria Math" panose="02040503050406030204" pitchFamily="18" charset="0"/>
-                        </a:rPr>
-                        <m:t>2</m:t>
-                      </m:r>
-                      <m:r>
-                        <a:rPr lang="en-US" altLang="zh-CN" b="0" i="1" smtClean="0">
-                          <a:latin typeface="Cambria Math" panose="02040503050406030204" pitchFamily="18" charset="0"/>
-                        </a:rPr>
-                        <m:t>𝑏</m:t>
-                      </m:r>
-                      <m:r>
-                        <a:rPr lang="en-US" altLang="zh-CN" b="0" i="1" smtClean="0">
-                          <a:latin typeface="Cambria Math" panose="02040503050406030204" pitchFamily="18" charset="0"/>
-                        </a:rPr>
-                        <m:t>≔</m:t>
-                      </m:r>
-                      <m:rad>
-                        <m:radPr>
-                          <m:degHide m:val="on"/>
-                          <m:ctrlPr>
-                            <a:rPr lang="en-US" altLang="zh-CN" b="0" i="1" smtClean="0">
-                              <a:latin typeface="Cambria Math" panose="02040503050406030204" pitchFamily="18" charset="0"/>
-                            </a:rPr>
-                          </m:ctrlPr>
-                        </m:radPr>
-                        <m:deg/>
-                        <m:e>
-                          <m:sSup>
-                            <m:sSupPr>
-                              <m:ctrlPr>
-                                <a:rPr lang="en-US" altLang="zh-CN" b="0" i="1" smtClean="0">
-                                  <a:latin typeface="Cambria Math" panose="02040503050406030204" pitchFamily="18" charset="0"/>
-                                </a:rPr>
-                              </m:ctrlPr>
-                            </m:sSupPr>
-                            <m:e>
-                              <m:d>
-                                <m:dPr>
-                                  <m:ctrlPr>
-                                    <a:rPr lang="en-US" altLang="zh-CN" b="0" i="1" smtClean="0">
-                                      <a:latin typeface="Cambria Math" panose="02040503050406030204" pitchFamily="18" charset="0"/>
-                                    </a:rPr>
-                                  </m:ctrlPr>
-                                </m:dPr>
-                                <m:e>
-                                  <m:d>
-                                    <m:dPr>
-                                      <m:begChr m:val="‖"/>
-                                      <m:endChr m:val="‖"/>
-                                      <m:ctrlPr>
-                                        <a:rPr lang="en-US" altLang="zh-CN" b="0" i="1" smtClean="0">
-                                          <a:latin typeface="Cambria Math" panose="02040503050406030204" pitchFamily="18" charset="0"/>
-                                        </a:rPr>
-                                      </m:ctrlPr>
-                                    </m:dPr>
-                                    <m:e>
-                                      <m:sSub>
-                                        <m:sSubPr>
-                                          <m:ctrlPr>
-                                            <a:rPr lang="en-US" altLang="zh-CN" i="1">
-                                              <a:latin typeface="Cambria Math" panose="02040503050406030204" pitchFamily="18" charset="0"/>
-                                            </a:rPr>
-                                          </m:ctrlPr>
-                                        </m:sSubPr>
-                                        <m:e>
-                                          <m:acc>
-                                            <m:accPr>
-                                              <m:chr m:val="⃗"/>
-                                              <m:ctrlPr>
-                                                <a:rPr lang="en-US" altLang="zh-CN" i="1">
-                                                  <a:latin typeface="Cambria Math" panose="02040503050406030204" pitchFamily="18" charset="0"/>
-                                                </a:rPr>
-                                              </m:ctrlPr>
-                                            </m:accPr>
-                                            <m:e>
-                                              <m:r>
-                                                <a:rPr lang="en-US" altLang="zh-CN" i="1">
-                                                  <a:latin typeface="Cambria Math" panose="02040503050406030204" pitchFamily="18" charset="0"/>
-                                                </a:rPr>
-                                                <m:t>𝑟</m:t>
-                                              </m:r>
-                                            </m:e>
-                                          </m:acc>
-                                        </m:e>
-                                        <m:sub>
-                                          <m:r>
-                                            <a:rPr lang="zh-CN" altLang="en-US" i="1">
-                                              <a:latin typeface="Cambria Math" panose="02040503050406030204" pitchFamily="18" charset="0"/>
-                                            </a:rPr>
-                                            <m:t>𝛼𝛽</m:t>
-                                          </m:r>
-                                          <m:r>
-                                            <a:rPr lang="en-US" altLang="zh-CN" i="1">
-                                              <a:latin typeface="Cambria Math" panose="02040503050406030204" pitchFamily="18" charset="0"/>
-                                            </a:rPr>
-                                            <m:t> </m:t>
-                                          </m:r>
-                                        </m:sub>
-                                      </m:sSub>
-                                    </m:e>
-                                  </m:d>
-                                  <m:r>
-                                    <a:rPr lang="en-US" altLang="zh-CN" b="0" i="1" smtClean="0">
-                                      <a:latin typeface="Cambria Math" panose="02040503050406030204" pitchFamily="18" charset="0"/>
-                                    </a:rPr>
-                                    <m:t>+</m:t>
-                                  </m:r>
-                                  <m:d>
-                                    <m:dPr>
-                                      <m:begChr m:val="‖"/>
-                                      <m:endChr m:val="‖"/>
-                                      <m:ctrlPr>
-                                        <a:rPr lang="en-US" altLang="zh-CN" b="0" i="1" smtClean="0">
-                                          <a:latin typeface="Cambria Math" panose="02040503050406030204" pitchFamily="18" charset="0"/>
-                                        </a:rPr>
-                                      </m:ctrlPr>
-                                    </m:dPr>
-                                    <m:e>
-                                      <m:sSub>
-                                        <m:sSubPr>
-                                          <m:ctrlPr>
-                                            <a:rPr lang="en-US" altLang="zh-CN" i="1">
-                                              <a:latin typeface="Cambria Math" panose="02040503050406030204" pitchFamily="18" charset="0"/>
-                                            </a:rPr>
-                                          </m:ctrlPr>
-                                        </m:sSubPr>
-                                        <m:e>
-                                          <m:acc>
-                                            <m:accPr>
-                                              <m:chr m:val="⃗"/>
-                                              <m:ctrlPr>
-                                                <a:rPr lang="en-US" altLang="zh-CN" i="1">
-                                                  <a:latin typeface="Cambria Math" panose="02040503050406030204" pitchFamily="18" charset="0"/>
-                                                </a:rPr>
-                                              </m:ctrlPr>
-                                            </m:accPr>
-                                            <m:e>
-                                              <m:r>
-                                                <a:rPr lang="en-US" altLang="zh-CN" i="1">
-                                                  <a:latin typeface="Cambria Math" panose="02040503050406030204" pitchFamily="18" charset="0"/>
-                                                </a:rPr>
-                                                <m:t>𝑟</m:t>
-                                              </m:r>
-                                            </m:e>
-                                          </m:acc>
-                                        </m:e>
-                                        <m:sub>
-                                          <m:r>
-                                            <a:rPr lang="zh-CN" altLang="en-US" i="1">
-                                              <a:latin typeface="Cambria Math" panose="02040503050406030204" pitchFamily="18" charset="0"/>
-                                            </a:rPr>
-                                            <m:t>𝛼𝛽</m:t>
-                                          </m:r>
-                                          <m:r>
-                                            <a:rPr lang="en-US" altLang="zh-CN" i="1">
-                                              <a:latin typeface="Cambria Math" panose="02040503050406030204" pitchFamily="18" charset="0"/>
-                                            </a:rPr>
-                                            <m:t> </m:t>
-                                          </m:r>
-                                        </m:sub>
-                                      </m:sSub>
-                                      <m:r>
-                                        <a:rPr lang="en-US" altLang="zh-CN" b="0" i="1" smtClean="0">
-                                          <a:latin typeface="Cambria Math" panose="02040503050406030204" pitchFamily="18" charset="0"/>
-                                        </a:rPr>
-                                        <m:t>−</m:t>
-                                      </m:r>
-                                      <m:sSub>
-                                        <m:sSubPr>
-                                          <m:ctrlPr>
-                                            <a:rPr lang="en-US" altLang="zh-CN" b="0" i="1" smtClean="0">
-                                              <a:latin typeface="Cambria Math" panose="02040503050406030204" pitchFamily="18" charset="0"/>
-                                            </a:rPr>
-                                          </m:ctrlPr>
-                                        </m:sSubPr>
-                                        <m:e>
-                                          <m:r>
-                                            <a:rPr lang="en-US" altLang="zh-CN" b="0" i="1" smtClean="0">
-                                              <a:latin typeface="Cambria Math" panose="02040503050406030204" pitchFamily="18" charset="0"/>
-                                            </a:rPr>
-                                            <m:t>𝑣</m:t>
-                                          </m:r>
-                                        </m:e>
-                                        <m:sub>
-                                          <m:r>
-                                            <a:rPr lang="zh-CN" altLang="en-US" b="0" i="1" smtClean="0">
-                                              <a:latin typeface="Cambria Math" panose="02040503050406030204" pitchFamily="18" charset="0"/>
-                                            </a:rPr>
-                                            <m:t>𝛽</m:t>
-                                          </m:r>
-                                        </m:sub>
-                                      </m:sSub>
-                                      <m:r>
-                                        <a:rPr lang="en-US" altLang="zh-CN" b="0" i="1" smtClean="0">
-                                          <a:latin typeface="Cambria Math" panose="02040503050406030204" pitchFamily="18" charset="0"/>
-                                          <a:ea typeface="Cambria Math" panose="02040503050406030204" pitchFamily="18" charset="0"/>
-                                        </a:rPr>
-                                        <m:t>∆</m:t>
-                                      </m:r>
-                                      <m:r>
-                                        <a:rPr lang="en-US" altLang="zh-CN" b="0" i="1" smtClean="0">
-                                          <a:latin typeface="Cambria Math" panose="02040503050406030204" pitchFamily="18" charset="0"/>
-                                          <a:ea typeface="Cambria Math" panose="02040503050406030204" pitchFamily="18" charset="0"/>
-                                        </a:rPr>
-                                        <m:t>𝑡</m:t>
-                                      </m:r>
-                                      <m:sSub>
-                                        <m:sSubPr>
-                                          <m:ctrlPr>
-                                            <a:rPr lang="en-US" altLang="zh-CN" b="0" i="1" smtClean="0">
-                                              <a:latin typeface="Cambria Math" panose="02040503050406030204" pitchFamily="18" charset="0"/>
-                                              <a:ea typeface="Cambria Math" panose="02040503050406030204" pitchFamily="18" charset="0"/>
-                                            </a:rPr>
-                                          </m:ctrlPr>
-                                        </m:sSubPr>
-                                        <m:e>
-                                          <m:acc>
-                                            <m:accPr>
-                                              <m:chr m:val="⃗"/>
-                                              <m:ctrlPr>
-                                                <a:rPr lang="en-US" altLang="zh-CN" b="0" i="1" smtClean="0">
-                                                  <a:latin typeface="Cambria Math" panose="02040503050406030204" pitchFamily="18" charset="0"/>
-                                                  <a:ea typeface="Cambria Math" panose="02040503050406030204" pitchFamily="18" charset="0"/>
-                                                </a:rPr>
-                                              </m:ctrlPr>
-                                            </m:accPr>
-                                            <m:e>
-                                              <m:r>
-                                                <a:rPr lang="en-US" altLang="zh-CN" b="0" i="1" smtClean="0">
-                                                  <a:latin typeface="Cambria Math" panose="02040503050406030204" pitchFamily="18" charset="0"/>
-                                                  <a:ea typeface="Cambria Math" panose="02040503050406030204" pitchFamily="18" charset="0"/>
-                                                </a:rPr>
-                                                <m:t>𝑒</m:t>
-                                              </m:r>
-                                            </m:e>
-                                          </m:acc>
-                                        </m:e>
-                                        <m:sub>
-                                          <m:r>
-                                            <a:rPr lang="zh-CN" altLang="en-US" b="0" i="1" smtClean="0">
-                                              <a:latin typeface="Cambria Math" panose="02040503050406030204" pitchFamily="18" charset="0"/>
-                                            </a:rPr>
-                                            <m:t>𝛽</m:t>
-                                          </m:r>
-                                        </m:sub>
-                                      </m:sSub>
-                                    </m:e>
-                                  </m:d>
-                                </m:e>
-                              </m:d>
-                            </m:e>
-                            <m:sup>
-                              <m:r>
-                                <a:rPr lang="en-US" altLang="zh-CN" b="0" i="1" smtClean="0">
-                                  <a:latin typeface="Cambria Math" panose="02040503050406030204" pitchFamily="18" charset="0"/>
-                                </a:rPr>
-                                <m:t>2</m:t>
-                              </m:r>
-                            </m:sup>
-                          </m:sSup>
-                          <m:r>
-                            <a:rPr lang="en-US" altLang="zh-CN" b="0" i="1" smtClean="0">
-                              <a:latin typeface="Cambria Math" panose="02040503050406030204" pitchFamily="18" charset="0"/>
-                            </a:rPr>
-                            <m:t>−</m:t>
-                          </m:r>
-                          <m:sSup>
-                            <m:sSupPr>
-                              <m:ctrlPr>
-                                <a:rPr lang="en-US" altLang="zh-CN" b="0" i="1" smtClean="0">
-                                  <a:latin typeface="Cambria Math" panose="02040503050406030204" pitchFamily="18" charset="0"/>
-                                  <a:ea typeface="Cambria Math" panose="02040503050406030204" pitchFamily="18" charset="0"/>
-                                </a:rPr>
-                              </m:ctrlPr>
-                            </m:sSupPr>
-                            <m:e>
-                              <m:d>
-                                <m:dPr>
-                                  <m:ctrlPr>
-                                    <a:rPr lang="en-US" altLang="zh-CN" b="0" i="1" smtClean="0">
-                                      <a:latin typeface="Cambria Math" panose="02040503050406030204" pitchFamily="18" charset="0"/>
-                                    </a:rPr>
-                                  </m:ctrlPr>
-                                </m:dPr>
-                                <m:e>
-                                  <m:sSub>
-                                    <m:sSubPr>
-                                      <m:ctrlPr>
-                                        <a:rPr lang="en-US" altLang="zh-CN" i="1">
-                                          <a:latin typeface="Cambria Math" panose="02040503050406030204" pitchFamily="18" charset="0"/>
-                                        </a:rPr>
-                                      </m:ctrlPr>
-                                    </m:sSubPr>
-                                    <m:e>
-                                      <m:r>
-                                        <a:rPr lang="en-US" altLang="zh-CN" i="1">
-                                          <a:latin typeface="Cambria Math" panose="02040503050406030204" pitchFamily="18" charset="0"/>
-                                        </a:rPr>
-                                        <m:t>𝑣</m:t>
-                                      </m:r>
-                                    </m:e>
-                                    <m:sub>
-                                      <m:r>
-                                        <a:rPr lang="zh-CN" altLang="en-US" i="1">
-                                          <a:latin typeface="Cambria Math" panose="02040503050406030204" pitchFamily="18" charset="0"/>
-                                        </a:rPr>
-                                        <m:t>𝛽</m:t>
-                                      </m:r>
-                                    </m:sub>
-                                  </m:sSub>
-                                  <m:r>
-                                    <a:rPr lang="en-US" altLang="zh-CN" i="1">
-                                      <a:latin typeface="Cambria Math" panose="02040503050406030204" pitchFamily="18" charset="0"/>
-                                      <a:ea typeface="Cambria Math" panose="02040503050406030204" pitchFamily="18" charset="0"/>
-                                    </a:rPr>
-                                    <m:t>∆</m:t>
-                                  </m:r>
-                                  <m:r>
-                                    <a:rPr lang="en-US" altLang="zh-CN" i="1">
-                                      <a:latin typeface="Cambria Math" panose="02040503050406030204" pitchFamily="18" charset="0"/>
-                                      <a:ea typeface="Cambria Math" panose="02040503050406030204" pitchFamily="18" charset="0"/>
-                                    </a:rPr>
-                                    <m:t>𝑡</m:t>
-                                  </m:r>
-                                </m:e>
-                              </m:d>
-                            </m:e>
-                            <m:sup>
-                              <m:r>
-                                <a:rPr lang="en-US" altLang="zh-CN" b="0" i="1" smtClean="0">
-                                  <a:latin typeface="Cambria Math" panose="02040503050406030204" pitchFamily="18" charset="0"/>
-                                  <a:ea typeface="Cambria Math" panose="02040503050406030204" pitchFamily="18" charset="0"/>
-                                </a:rPr>
-                                <m:t>2</m:t>
-                              </m:r>
-                            </m:sup>
-                          </m:sSup>
-                        </m:e>
-                      </m:rad>
-                    </m:oMath>
-                  </m:oMathPara>
-                </a14:m>
-                <a:endParaRPr lang="zh-CN" altLang="en-US" dirty="0"/>
+                <a:pPr algn="ctr"/>
+                <a:endParaRPr lang="en-US"/>
               </a:p>
             </p:txBody>
           </p:sp>
-        </mc:Choice>
-        <mc:Fallback xmlns="">
           <p:sp>
             <p:nvSpPr>
-              <p:cNvPr id="19" name="TextBox 18">
-                <a:extLst>
-                  <a:ext uri="{FF2B5EF4-FFF2-40B4-BE49-F238E27FC236}">
-                    <a16:creationId xmlns:a16="http://schemas.microsoft.com/office/drawing/2014/main" id="{6EB59F17-9BF2-457E-AC5E-9CC087B1FBFA}"/>
-                  </a:ext>
-                </a:extLst>
-              </p:cNvPr>
-              <p:cNvSpPr txBox="1">
-                <a:spLocks noRot="1" noChangeAspect="1" noMove="1" noResize="1" noEditPoints="1" noAdjustHandles="1" noChangeArrowheads="1" noChangeShapeType="1" noTextEdit="1"/>
-              </p:cNvSpPr>
+              <p:cNvPr id="43" name="Oval 42"/>
+              <p:cNvSpPr/>
               <p:nvPr/>
             </p:nvSpPr>
             <p:spPr>
               <a:xfrm>
-                <a:off x="6093619" y="4631990"/>
-                <a:ext cx="4878195" cy="563680"/>
+                <a:off x="1086136" y="4585436"/>
+                <a:ext cx="3439217" cy="1071503"/>
               </a:xfrm>
-              <a:prstGeom prst="rect">
+              <a:prstGeom prst="ellipse">
                 <a:avLst/>
               </a:prstGeom>
-              <a:blipFill>
-                <a:blip r:embed="rId7"/>
-                <a:stretch>
-                  <a:fillRect b="-2174"/>
-                </a:stretch>
-              </a:blipFill>
+              <a:noFill/>
+              <a:ln w="19050">
+                <a:solidFill>
+                  <a:srgbClr val="FF0000"/>
+                </a:solidFill>
+              </a:ln>
             </p:spPr>
+            <p:style>
+              <a:lnRef idx="2">
+                <a:schemeClr val="accent1">
+                  <a:shade val="50000"/>
+                </a:schemeClr>
+              </a:lnRef>
+              <a:fillRef idx="1">
+                <a:schemeClr val="accent1"/>
+              </a:fillRef>
+              <a:effectRef idx="0">
+                <a:schemeClr val="accent1"/>
+              </a:effectRef>
+              <a:fontRef idx="minor">
+                <a:schemeClr val="lt1"/>
+              </a:fontRef>
+            </p:style>
             <p:txBody>
-              <a:bodyPr/>
+              <a:bodyPr rtlCol="0" anchor="ctr"/>
               <a:lstStyle/>
               <a:p>
-                <a:r>
-                  <a:rPr lang="zh-CN" altLang="en-US">
-                    <a:noFill/>
-                  </a:rPr>
-                  <a:t> </a:t>
-                </a:r>
+                <a:pPr algn="ctr"/>
+                <a:endParaRPr lang="en-US"/>
               </a:p>
             </p:txBody>
           </p:sp>
-        </mc:Fallback>
-      </mc:AlternateContent>
+          <p:sp>
+            <p:nvSpPr>
+              <p:cNvPr id="44" name="Oval 43"/>
+              <p:cNvSpPr/>
+              <p:nvPr/>
+            </p:nvSpPr>
+            <p:spPr>
+              <a:xfrm>
+                <a:off x="660234" y="4420457"/>
+                <a:ext cx="4162079" cy="1386741"/>
+              </a:xfrm>
+              <a:prstGeom prst="ellipse">
+                <a:avLst/>
+              </a:prstGeom>
+              <a:noFill/>
+              <a:ln w="9525">
+                <a:solidFill>
+                  <a:srgbClr val="FF0000"/>
+                </a:solidFill>
+              </a:ln>
+            </p:spPr>
+            <p:style>
+              <a:lnRef idx="2">
+                <a:schemeClr val="accent1">
+                  <a:shade val="50000"/>
+                </a:schemeClr>
+              </a:lnRef>
+              <a:fillRef idx="1">
+                <a:schemeClr val="accent1"/>
+              </a:fillRef>
+              <a:effectRef idx="0">
+                <a:schemeClr val="accent1"/>
+              </a:effectRef>
+              <a:fontRef idx="minor">
+                <a:schemeClr val="lt1"/>
+              </a:fontRef>
+            </p:style>
+            <p:txBody>
+              <a:bodyPr rtlCol="0" anchor="ctr"/>
+              <a:lstStyle/>
+              <a:p>
+                <a:pPr algn="ctr"/>
+                <a:endParaRPr lang="en-US"/>
+              </a:p>
+            </p:txBody>
+          </p:sp>
+        </p:grpSp>
+      </p:grpSp>
+      <p:cxnSp>
+        <p:nvCxnSpPr>
+          <p:cNvPr id="48" name="Straight Connector 47"/>
+          <p:cNvCxnSpPr/>
+          <p:nvPr/>
+        </p:nvCxnSpPr>
+        <p:spPr>
+          <a:xfrm>
+            <a:off x="7842606" y="2618408"/>
+            <a:ext cx="1868601" cy="470907"/>
+          </a:xfrm>
+          <a:prstGeom prst="line">
+            <a:avLst/>
+          </a:prstGeom>
+          <a:ln w="6350" cap="sq">
+            <a:solidFill>
+              <a:schemeClr val="tx1"/>
+            </a:solidFill>
+            <a:prstDash val="sysDot"/>
+            <a:round/>
+            <a:headEnd type="none" w="med" len="med"/>
+            <a:tailEnd type="none" w="med" len="med"/>
+          </a:ln>
+        </p:spPr>
+        <p:style>
+          <a:lnRef idx="1">
+            <a:schemeClr val="accent1"/>
+          </a:lnRef>
+          <a:fillRef idx="0">
+            <a:schemeClr val="accent1"/>
+          </a:fillRef>
+          <a:effectRef idx="0">
+            <a:schemeClr val="accent1"/>
+          </a:effectRef>
+          <a:fontRef idx="minor">
+            <a:schemeClr val="tx1"/>
+          </a:fontRef>
+        </p:style>
+      </p:cxnSp>
     </p:spTree>
     <p:custDataLst>
       <p:tags r:id="rId1"/>
     </p:custDataLst>
     <p:extLst>
       <p:ext uri="{BB962C8B-B14F-4D97-AF65-F5344CB8AC3E}">
-        <p14:creationId xmlns:p14="http://schemas.microsoft.com/office/powerpoint/2010/main" val="1892574988"/>
+        <p14:creationId xmlns:p14="http://schemas.microsoft.com/office/powerpoint/2010/main" val="944684098"/>
       </p:ext>
     </p:extLst>
   </p:cSld>
@@ -53274,7 +54286,7 @@
   </p:clrMapOvr>
   <mc:AlternateContent xmlns:mc="http://schemas.openxmlformats.org/markup-compatibility/2006" xmlns:p14="http://schemas.microsoft.com/office/powerpoint/2010/main">
     <mc:Choice Requires="p14">
-      <p:transition p14:dur="0"/>
+      <p:transition p14:dur="10"/>
     </mc:Choice>
     <mc:Fallback xmlns="">
       <p:transition/>
